--- a/courses/sysprog/slides/lec08-module.pptx
+++ b/courses/sysprog/slides/lec08-module.pptx
@@ -5268,25 +5268,34 @@
           <a:lstStyle/>
           <a:p>
             <a:r>
-              <a:rPr lang="en-US" altLang="zh-CN" sz="2000" b="1">
-                <a:latin typeface="Courier New" panose="02070309020205020404" pitchFamily="49" charset="0"/>
-              </a:rPr>
-              <a:t>// area.h</a:t>
-            </a:r>
-          </a:p>
-          <a:p>
-            <a:r>
-              <a:rPr lang="en-US" altLang="zh-CN" sz="2000" b="1">
+              <a:rPr lang="en-US" altLang="zh-CN" sz="2000" b="1" dirty="0">
+                <a:latin typeface="Courier New" panose="02070309020205020404" pitchFamily="49" charset="0"/>
+              </a:rPr>
+              <a:t>// </a:t>
+            </a:r>
+            <a:r>
+              <a:rPr lang="en-US" altLang="zh-CN" sz="2000" b="1" dirty="0" err="1">
+                <a:latin typeface="Courier New" panose="02070309020205020404" pitchFamily="49" charset="0"/>
+              </a:rPr>
+              <a:t>area.h</a:t>
+            </a:r>
+            <a:endParaRPr lang="en-US" altLang="zh-CN" sz="2000" b="1" dirty="0">
+              <a:latin typeface="Courier New" panose="02070309020205020404" pitchFamily="49" charset="0"/>
+            </a:endParaRPr>
+          </a:p>
+          <a:p>
+            <a:r>
+              <a:rPr lang="en-US" altLang="zh-CN" sz="2000" b="1" dirty="0">
                 <a:solidFill>
                   <a:schemeClr val="folHlink"/>
                 </a:solidFill>
                 <a:latin typeface="Courier New" panose="02070309020205020404" pitchFamily="49" charset="0"/>
               </a:rPr>
-              <a:t>double area (int r);</a:t>
-            </a:r>
-          </a:p>
-          <a:p>
-            <a:endParaRPr lang="en-US" altLang="zh-CN" sz="2000" b="1">
+              <a:t>double area(int r);</a:t>
+            </a:r>
+          </a:p>
+          <a:p>
+            <a:endParaRPr lang="en-US" altLang="zh-CN" sz="2000" b="1" dirty="0">
               <a:solidFill>
                 <a:schemeClr val="folHlink"/>
               </a:solidFill>
@@ -5294,7 +5303,7 @@
             </a:endParaRPr>
           </a:p>
           <a:p>
-            <a:endParaRPr lang="en-US" altLang="zh-CN" sz="2000" b="1">
+            <a:endParaRPr lang="en-US" altLang="zh-CN" sz="2000" b="1" dirty="0">
               <a:solidFill>
                 <a:schemeClr val="folHlink"/>
               </a:solidFill>
@@ -5356,25 +5365,52 @@
           <a:lstStyle/>
           <a:p>
             <a:r>
-              <a:rPr lang="en-US" altLang="zh-CN" sz="2000" b="1">
-                <a:latin typeface="Courier New" panose="02070309020205020404" pitchFamily="49" charset="0"/>
-              </a:rPr>
-              <a:t>// main.c</a:t>
-            </a:r>
-          </a:p>
-          <a:p>
-            <a:r>
-              <a:rPr lang="en-US" altLang="zh-CN" sz="2000" b="1">
+              <a:rPr lang="en-US" altLang="zh-CN" sz="2000" b="1" dirty="0">
+                <a:latin typeface="Courier New" panose="02070309020205020404" pitchFamily="49" charset="0"/>
+              </a:rPr>
+              <a:t>// </a:t>
+            </a:r>
+            <a:r>
+              <a:rPr lang="en-US" altLang="zh-CN" sz="2000" b="1" dirty="0" err="1">
+                <a:latin typeface="Courier New" panose="02070309020205020404" pitchFamily="49" charset="0"/>
+              </a:rPr>
+              <a:t>main.c</a:t>
+            </a:r>
+            <a:endParaRPr lang="en-US" altLang="zh-CN" sz="2000" b="1" dirty="0">
+              <a:latin typeface="Courier New" panose="02070309020205020404" pitchFamily="49" charset="0"/>
+            </a:endParaRPr>
+          </a:p>
+          <a:p>
+            <a:r>
+              <a:rPr lang="en-US" altLang="zh-CN" sz="2000" b="1" dirty="0">
                 <a:solidFill>
                   <a:schemeClr val="folHlink"/>
                 </a:solidFill>
                 <a:latin typeface="Courier New" panose="02070309020205020404" pitchFamily="49" charset="0"/>
               </a:rPr>
-              <a:t>#include “area.h”</a:t>
-            </a:r>
-          </a:p>
-          <a:p>
-            <a:endParaRPr lang="en-US" altLang="zh-CN" sz="2000" b="1">
+              <a:t>#include “</a:t>
+            </a:r>
+            <a:r>
+              <a:rPr lang="en-US" altLang="zh-CN" sz="2000" b="1" dirty="0" err="1">
+                <a:solidFill>
+                  <a:schemeClr val="folHlink"/>
+                </a:solidFill>
+                <a:latin typeface="Courier New" panose="02070309020205020404" pitchFamily="49" charset="0"/>
+              </a:rPr>
+              <a:t>area.h</a:t>
+            </a:r>
+            <a:r>
+              <a:rPr lang="en-US" altLang="zh-CN" sz="2000" b="1" dirty="0">
+                <a:solidFill>
+                  <a:schemeClr val="folHlink"/>
+                </a:solidFill>
+                <a:latin typeface="Courier New" panose="02070309020205020404" pitchFamily="49" charset="0"/>
+              </a:rPr>
+              <a:t>”</a:t>
+            </a:r>
+          </a:p>
+          <a:p>
+            <a:endParaRPr lang="en-US" altLang="zh-CN" sz="2000" b="1" dirty="0">
               <a:solidFill>
                 <a:schemeClr val="folHlink"/>
               </a:solidFill>
@@ -5383,13 +5419,13 @@
           </a:p>
           <a:p>
             <a:r>
-              <a:rPr lang="en-US" altLang="zh-CN" sz="2000" b="1">
+              <a:rPr lang="en-US" altLang="zh-CN" sz="2000" b="1" dirty="0">
                 <a:solidFill>
                   <a:schemeClr val="folHlink"/>
                 </a:solidFill>
                 <a:latin typeface="Courier New" panose="02070309020205020404" pitchFamily="49" charset="0"/>
               </a:rPr>
-              <a:t>int main () …</a:t>
+              <a:t>int main() …</a:t>
             </a:r>
           </a:p>
         </p:txBody>
@@ -5561,25 +5597,52 @@
           <a:lstStyle/>
           <a:p>
             <a:r>
-              <a:rPr lang="en-US" altLang="zh-CN" sz="2000" b="1">
-                <a:latin typeface="Courier New" panose="02070309020205020404" pitchFamily="49" charset="0"/>
-              </a:rPr>
-              <a:t>// area.c</a:t>
-            </a:r>
-          </a:p>
-          <a:p>
-            <a:r>
-              <a:rPr lang="en-US" altLang="zh-CN" sz="2000" b="1">
+              <a:rPr lang="en-US" altLang="zh-CN" sz="2000" b="1" dirty="0">
+                <a:latin typeface="Courier New" panose="02070309020205020404" pitchFamily="49" charset="0"/>
+              </a:rPr>
+              <a:t>// </a:t>
+            </a:r>
+            <a:r>
+              <a:rPr lang="en-US" altLang="zh-CN" sz="2000" b="1" dirty="0" err="1">
+                <a:latin typeface="Courier New" panose="02070309020205020404" pitchFamily="49" charset="0"/>
+              </a:rPr>
+              <a:t>area.c</a:t>
+            </a:r>
+            <a:endParaRPr lang="en-US" altLang="zh-CN" sz="2000" b="1" dirty="0">
+              <a:latin typeface="Courier New" panose="02070309020205020404" pitchFamily="49" charset="0"/>
+            </a:endParaRPr>
+          </a:p>
+          <a:p>
+            <a:r>
+              <a:rPr lang="en-US" altLang="zh-CN" sz="2000" b="1" dirty="0">
                 <a:solidFill>
                   <a:schemeClr val="folHlink"/>
                 </a:solidFill>
                 <a:latin typeface="Courier New" panose="02070309020205020404" pitchFamily="49" charset="0"/>
               </a:rPr>
-              <a:t>#include “area.h”</a:t>
-            </a:r>
-          </a:p>
-          <a:p>
-            <a:endParaRPr lang="en-US" altLang="zh-CN" sz="2000" b="1">
+              <a:t>#include “</a:t>
+            </a:r>
+            <a:r>
+              <a:rPr lang="en-US" altLang="zh-CN" sz="2000" b="1" dirty="0" err="1">
+                <a:solidFill>
+                  <a:schemeClr val="folHlink"/>
+                </a:solidFill>
+                <a:latin typeface="Courier New" panose="02070309020205020404" pitchFamily="49" charset="0"/>
+              </a:rPr>
+              <a:t>area.h</a:t>
+            </a:r>
+            <a:r>
+              <a:rPr lang="en-US" altLang="zh-CN" sz="2000" b="1" dirty="0">
+                <a:solidFill>
+                  <a:schemeClr val="folHlink"/>
+                </a:solidFill>
+                <a:latin typeface="Courier New" panose="02070309020205020404" pitchFamily="49" charset="0"/>
+              </a:rPr>
+              <a:t>”</a:t>
+            </a:r>
+          </a:p>
+          <a:p>
+            <a:endParaRPr lang="en-US" altLang="zh-CN" sz="2000" b="1" dirty="0">
               <a:solidFill>
                 <a:schemeClr val="folHlink"/>
               </a:solidFill>
@@ -5588,7 +5651,7 @@
           </a:p>
           <a:p>
             <a:r>
-              <a:rPr lang="en-US" altLang="zh-CN" sz="2000" b="1">
+              <a:rPr lang="en-US" altLang="zh-CN" sz="2000" b="1" dirty="0">
                 <a:solidFill>
                   <a:schemeClr val="folHlink"/>
                 </a:solidFill>
@@ -5599,51 +5662,40 @@
           </a:p>
           <a:p>
             <a:r>
-              <a:rPr lang="en-US" altLang="zh-CN" sz="2000" b="1">
+              <a:rPr lang="en-US" altLang="zh-CN" sz="2000" b="1" dirty="0">
                 <a:solidFill>
                   <a:schemeClr val="folHlink"/>
                 </a:solidFill>
                 <a:latin typeface="Courier New" panose="02070309020205020404" pitchFamily="49" charset="0"/>
               </a:rPr>
-              <a:t>double area (int r)</a:t>
-            </a:r>
-          </a:p>
-          <a:p>
-            <a:r>
-              <a:rPr lang="en-US" altLang="zh-CN" sz="2000" b="1">
+              <a:t>double area(int r){</a:t>
+            </a:r>
+          </a:p>
+          <a:p>
+            <a:r>
+              <a:rPr lang="en-US" altLang="zh-CN" sz="2000" b="1" dirty="0">
                 <a:solidFill>
                   <a:schemeClr val="folHlink"/>
                 </a:solidFill>
                 <a:latin typeface="Courier New" panose="02070309020205020404" pitchFamily="49" charset="0"/>
               </a:rPr>
-              <a:t>{</a:t>
-            </a:r>
-          </a:p>
-          <a:p>
-            <a:r>
-              <a:rPr lang="en-US" altLang="zh-CN" sz="2000" b="1">
+              <a:t>  double f = PI *r *r; </a:t>
+            </a:r>
+          </a:p>
+          <a:p>
+            <a:r>
+              <a:rPr lang="en-US" altLang="zh-CN" sz="2000" b="1" dirty="0">
                 <a:solidFill>
                   <a:schemeClr val="folHlink"/>
                 </a:solidFill>
                 <a:latin typeface="Courier New" panose="02070309020205020404" pitchFamily="49" charset="0"/>
               </a:rPr>
-              <a:t>  double f = PI *r *r; </a:t>
-            </a:r>
-          </a:p>
-          <a:p>
-            <a:r>
-              <a:rPr lang="en-US" altLang="zh-CN" sz="2000" b="1">
-                <a:solidFill>
-                  <a:schemeClr val="folHlink"/>
-                </a:solidFill>
-                <a:latin typeface="Courier New" panose="02070309020205020404" pitchFamily="49" charset="0"/>
-              </a:rPr>
               <a:t>  return f;</a:t>
             </a:r>
           </a:p>
           <a:p>
             <a:r>
-              <a:rPr lang="en-US" altLang="zh-CN" sz="2000" b="1">
+              <a:rPr lang="en-US" altLang="zh-CN" sz="2000" b="1" dirty="0">
                 <a:solidFill>
                   <a:schemeClr val="folHlink"/>
                 </a:solidFill>
@@ -6080,36 +6132,63 @@
           <a:lstStyle/>
           <a:p>
             <a:r>
-              <a:rPr lang="en-US" altLang="zh-CN" sz="2000" b="1">
-                <a:latin typeface="Courier New" panose="02070309020205020404" pitchFamily="49" charset="0"/>
-              </a:rPr>
-              <a:t>// area.h</a:t>
-            </a:r>
-          </a:p>
-          <a:p>
-            <a:r>
-              <a:rPr lang="en-US" altLang="zh-CN" sz="2000" b="1">
+              <a:rPr lang="en-US" altLang="zh-CN" sz="2000" b="1" dirty="0">
+                <a:latin typeface="Courier New" panose="02070309020205020404" pitchFamily="49" charset="0"/>
+              </a:rPr>
+              <a:t>// </a:t>
+            </a:r>
+            <a:r>
+              <a:rPr lang="en-US" altLang="zh-CN" sz="2000" b="1" dirty="0" err="1">
+                <a:latin typeface="Courier New" panose="02070309020205020404" pitchFamily="49" charset="0"/>
+              </a:rPr>
+              <a:t>area.h</a:t>
+            </a:r>
+            <a:endParaRPr lang="en-US" altLang="zh-CN" sz="2000" b="1" dirty="0">
+              <a:latin typeface="Courier New" panose="02070309020205020404" pitchFamily="49" charset="0"/>
+            </a:endParaRPr>
+          </a:p>
+          <a:p>
+            <a:r>
+              <a:rPr lang="en-US" altLang="zh-CN" sz="2000" b="1" dirty="0">
                 <a:solidFill>
                   <a:schemeClr val="folHlink"/>
                 </a:solidFill>
                 <a:latin typeface="Courier New" panose="02070309020205020404" pitchFamily="49" charset="0"/>
               </a:rPr>
-              <a:t>double area (int r);</a:t>
-            </a:r>
-          </a:p>
-          <a:p>
-            <a:r>
-              <a:rPr lang="en-US" altLang="zh-CN" sz="2000" b="1">
+              <a:t>double area(int r);</a:t>
+            </a:r>
+          </a:p>
+          <a:p>
+            <a:r>
+              <a:rPr lang="en-US" altLang="zh-CN" sz="2000" b="1" dirty="0">
                 <a:solidFill>
                   <a:schemeClr val="folHlink"/>
                 </a:solidFill>
                 <a:latin typeface="Courier New" panose="02070309020205020404" pitchFamily="49" charset="0"/>
               </a:rPr>
-              <a:t>int i = 0;</a:t>
-            </a:r>
-          </a:p>
-          <a:p>
-            <a:endParaRPr lang="en-US" altLang="zh-CN" sz="2000" b="1">
+              <a:t>int </a:t>
+            </a:r>
+            <a:r>
+              <a:rPr lang="en-US" altLang="zh-CN" sz="2000" b="1" dirty="0" err="1">
+                <a:solidFill>
+                  <a:schemeClr val="folHlink"/>
+                </a:solidFill>
+                <a:latin typeface="Courier New" panose="02070309020205020404" pitchFamily="49" charset="0"/>
+              </a:rPr>
+              <a:t>i</a:t>
+            </a:r>
+            <a:r>
+              <a:rPr lang="en-US" altLang="zh-CN" sz="2000" b="1" dirty="0">
+                <a:solidFill>
+                  <a:schemeClr val="folHlink"/>
+                </a:solidFill>
+                <a:latin typeface="Courier New" panose="02070309020205020404" pitchFamily="49" charset="0"/>
+              </a:rPr>
+              <a:t> = 0;</a:t>
+            </a:r>
+          </a:p>
+          <a:p>
+            <a:endParaRPr lang="en-US" altLang="zh-CN" sz="2000" b="1" dirty="0">
               <a:solidFill>
                 <a:schemeClr val="folHlink"/>
               </a:solidFill>
@@ -6171,25 +6250,52 @@
           <a:lstStyle/>
           <a:p>
             <a:r>
-              <a:rPr lang="en-US" altLang="zh-CN" sz="2000" b="1">
-                <a:latin typeface="Courier New" panose="02070309020205020404" pitchFamily="49" charset="0"/>
-              </a:rPr>
-              <a:t>// main.c</a:t>
-            </a:r>
-          </a:p>
-          <a:p>
-            <a:r>
-              <a:rPr lang="en-US" altLang="zh-CN" sz="2000" b="1">
+              <a:rPr lang="en-US" altLang="zh-CN" sz="2000" b="1" dirty="0">
+                <a:latin typeface="Courier New" panose="02070309020205020404" pitchFamily="49" charset="0"/>
+              </a:rPr>
+              <a:t>// </a:t>
+            </a:r>
+            <a:r>
+              <a:rPr lang="en-US" altLang="zh-CN" sz="2000" b="1" dirty="0" err="1">
+                <a:latin typeface="Courier New" panose="02070309020205020404" pitchFamily="49" charset="0"/>
+              </a:rPr>
+              <a:t>main.c</a:t>
+            </a:r>
+            <a:endParaRPr lang="en-US" altLang="zh-CN" sz="2000" b="1" dirty="0">
+              <a:latin typeface="Courier New" panose="02070309020205020404" pitchFamily="49" charset="0"/>
+            </a:endParaRPr>
+          </a:p>
+          <a:p>
+            <a:r>
+              <a:rPr lang="en-US" altLang="zh-CN" sz="2000" b="1" dirty="0">
                 <a:solidFill>
                   <a:schemeClr val="folHlink"/>
                 </a:solidFill>
                 <a:latin typeface="Courier New" panose="02070309020205020404" pitchFamily="49" charset="0"/>
               </a:rPr>
-              <a:t>#include “area.h”</a:t>
-            </a:r>
-          </a:p>
-          <a:p>
-            <a:endParaRPr lang="en-US" altLang="zh-CN" sz="2000" b="1">
+              <a:t>#include “</a:t>
+            </a:r>
+            <a:r>
+              <a:rPr lang="en-US" altLang="zh-CN" sz="2000" b="1" dirty="0" err="1">
+                <a:solidFill>
+                  <a:schemeClr val="folHlink"/>
+                </a:solidFill>
+                <a:latin typeface="Courier New" panose="02070309020205020404" pitchFamily="49" charset="0"/>
+              </a:rPr>
+              <a:t>area.h</a:t>
+            </a:r>
+            <a:r>
+              <a:rPr lang="en-US" altLang="zh-CN" sz="2000" b="1" dirty="0">
+                <a:solidFill>
+                  <a:schemeClr val="folHlink"/>
+                </a:solidFill>
+                <a:latin typeface="Courier New" panose="02070309020205020404" pitchFamily="49" charset="0"/>
+              </a:rPr>
+              <a:t>”</a:t>
+            </a:r>
+          </a:p>
+          <a:p>
+            <a:endParaRPr lang="en-US" altLang="zh-CN" sz="2000" b="1" dirty="0">
               <a:solidFill>
                 <a:schemeClr val="folHlink"/>
               </a:solidFill>
@@ -6198,13 +6304,13 @@
           </a:p>
           <a:p>
             <a:r>
-              <a:rPr lang="en-US" altLang="zh-CN" sz="2000" b="1">
+              <a:rPr lang="en-US" altLang="zh-CN" sz="2000" b="1" dirty="0">
                 <a:solidFill>
                   <a:schemeClr val="folHlink"/>
                 </a:solidFill>
                 <a:latin typeface="Courier New" panose="02070309020205020404" pitchFamily="49" charset="0"/>
               </a:rPr>
-              <a:t>int main () …</a:t>
+              <a:t>int main() …</a:t>
             </a:r>
           </a:p>
         </p:txBody>
@@ -6376,25 +6482,52 @@
           <a:lstStyle/>
           <a:p>
             <a:r>
-              <a:rPr lang="en-US" altLang="zh-CN" sz="2000" b="1">
-                <a:latin typeface="Courier New" panose="02070309020205020404" pitchFamily="49" charset="0"/>
-              </a:rPr>
-              <a:t>// area.c</a:t>
-            </a:r>
-          </a:p>
-          <a:p>
-            <a:r>
-              <a:rPr lang="en-US" altLang="zh-CN" sz="2000" b="1">
+              <a:rPr lang="en-US" altLang="zh-CN" sz="2000" b="1" dirty="0">
+                <a:latin typeface="Courier New" panose="02070309020205020404" pitchFamily="49" charset="0"/>
+              </a:rPr>
+              <a:t>// </a:t>
+            </a:r>
+            <a:r>
+              <a:rPr lang="en-US" altLang="zh-CN" sz="2000" b="1" dirty="0" err="1">
+                <a:latin typeface="Courier New" panose="02070309020205020404" pitchFamily="49" charset="0"/>
+              </a:rPr>
+              <a:t>area.c</a:t>
+            </a:r>
+            <a:endParaRPr lang="en-US" altLang="zh-CN" sz="2000" b="1" dirty="0">
+              <a:latin typeface="Courier New" panose="02070309020205020404" pitchFamily="49" charset="0"/>
+            </a:endParaRPr>
+          </a:p>
+          <a:p>
+            <a:r>
+              <a:rPr lang="en-US" altLang="zh-CN" sz="2000" b="1" dirty="0">
                 <a:solidFill>
                   <a:schemeClr val="folHlink"/>
                 </a:solidFill>
                 <a:latin typeface="Courier New" panose="02070309020205020404" pitchFamily="49" charset="0"/>
               </a:rPr>
-              <a:t>#include “area.h”</a:t>
-            </a:r>
-          </a:p>
-          <a:p>
-            <a:endParaRPr lang="en-US" altLang="zh-CN" sz="2000" b="1">
+              <a:t>#include “</a:t>
+            </a:r>
+            <a:r>
+              <a:rPr lang="en-US" altLang="zh-CN" sz="2000" b="1" dirty="0" err="1">
+                <a:solidFill>
+                  <a:schemeClr val="folHlink"/>
+                </a:solidFill>
+                <a:latin typeface="Courier New" panose="02070309020205020404" pitchFamily="49" charset="0"/>
+              </a:rPr>
+              <a:t>area.h</a:t>
+            </a:r>
+            <a:r>
+              <a:rPr lang="en-US" altLang="zh-CN" sz="2000" b="1" dirty="0">
+                <a:solidFill>
+                  <a:schemeClr val="folHlink"/>
+                </a:solidFill>
+                <a:latin typeface="Courier New" panose="02070309020205020404" pitchFamily="49" charset="0"/>
+              </a:rPr>
+              <a:t>”</a:t>
+            </a:r>
+          </a:p>
+          <a:p>
+            <a:endParaRPr lang="en-US" altLang="zh-CN" sz="2000" b="1" dirty="0">
               <a:solidFill>
                 <a:schemeClr val="folHlink"/>
               </a:solidFill>
@@ -6403,7 +6536,7 @@
           </a:p>
           <a:p>
             <a:r>
-              <a:rPr lang="en-US" altLang="zh-CN" sz="2000" b="1">
+              <a:rPr lang="en-US" altLang="zh-CN" sz="2000" b="1" dirty="0">
                 <a:solidFill>
                   <a:schemeClr val="folHlink"/>
                 </a:solidFill>
@@ -6414,51 +6547,40 @@
           </a:p>
           <a:p>
             <a:r>
-              <a:rPr lang="en-US" altLang="zh-CN" sz="2000" b="1">
+              <a:rPr lang="en-US" altLang="zh-CN" sz="2000" b="1" dirty="0">
                 <a:solidFill>
                   <a:schemeClr val="folHlink"/>
                 </a:solidFill>
                 <a:latin typeface="Courier New" panose="02070309020205020404" pitchFamily="49" charset="0"/>
               </a:rPr>
-              <a:t>double area (int r)</a:t>
-            </a:r>
-          </a:p>
-          <a:p>
-            <a:r>
-              <a:rPr lang="en-US" altLang="zh-CN" sz="2000" b="1">
+              <a:t>double area(int r){</a:t>
+            </a:r>
+          </a:p>
+          <a:p>
+            <a:r>
+              <a:rPr lang="en-US" altLang="zh-CN" sz="2000" b="1" dirty="0">
                 <a:solidFill>
                   <a:schemeClr val="folHlink"/>
                 </a:solidFill>
                 <a:latin typeface="Courier New" panose="02070309020205020404" pitchFamily="49" charset="0"/>
               </a:rPr>
-              <a:t>{</a:t>
-            </a:r>
-          </a:p>
-          <a:p>
-            <a:r>
-              <a:rPr lang="en-US" altLang="zh-CN" sz="2000" b="1">
+              <a:t>  double f = PI *r *r; </a:t>
+            </a:r>
+          </a:p>
+          <a:p>
+            <a:r>
+              <a:rPr lang="en-US" altLang="zh-CN" sz="2000" b="1" dirty="0">
                 <a:solidFill>
                   <a:schemeClr val="folHlink"/>
                 </a:solidFill>
                 <a:latin typeface="Courier New" panose="02070309020205020404" pitchFamily="49" charset="0"/>
               </a:rPr>
-              <a:t>  double f = PI *r *r; </a:t>
-            </a:r>
-          </a:p>
-          <a:p>
-            <a:r>
-              <a:rPr lang="en-US" altLang="zh-CN" sz="2000" b="1">
-                <a:solidFill>
-                  <a:schemeClr val="folHlink"/>
-                </a:solidFill>
-                <a:latin typeface="Courier New" panose="02070309020205020404" pitchFamily="49" charset="0"/>
-              </a:rPr>
               <a:t>  return f;</a:t>
             </a:r>
           </a:p>
           <a:p>
             <a:r>
-              <a:rPr lang="en-US" altLang="zh-CN" sz="2000" b="1">
+              <a:rPr lang="en-US" altLang="zh-CN" sz="2000" b="1" dirty="0">
                 <a:solidFill>
                   <a:schemeClr val="folHlink"/>
                 </a:solidFill>
@@ -6767,36 +6889,63 @@
           <a:lstStyle/>
           <a:p>
             <a:r>
-              <a:rPr lang="en-US" altLang="zh-CN" sz="2000" b="1">
-                <a:latin typeface="Courier New" panose="02070309020205020404" pitchFamily="49" charset="0"/>
-              </a:rPr>
-              <a:t>// area.h</a:t>
-            </a:r>
-          </a:p>
-          <a:p>
-            <a:r>
-              <a:rPr lang="en-US" altLang="zh-CN" sz="2000" b="1">
+              <a:rPr lang="en-US" altLang="zh-CN" sz="2000" b="1" dirty="0">
+                <a:latin typeface="Courier New" panose="02070309020205020404" pitchFamily="49" charset="0"/>
+              </a:rPr>
+              <a:t>// </a:t>
+            </a:r>
+            <a:r>
+              <a:rPr lang="en-US" altLang="zh-CN" sz="2000" b="1" dirty="0" err="1">
+                <a:latin typeface="Courier New" panose="02070309020205020404" pitchFamily="49" charset="0"/>
+              </a:rPr>
+              <a:t>area.h</a:t>
+            </a:r>
+            <a:endParaRPr lang="en-US" altLang="zh-CN" sz="2000" b="1" dirty="0">
+              <a:latin typeface="Courier New" panose="02070309020205020404" pitchFamily="49" charset="0"/>
+            </a:endParaRPr>
+          </a:p>
+          <a:p>
+            <a:r>
+              <a:rPr lang="en-US" altLang="zh-CN" sz="2000" b="1" dirty="0">
                 <a:solidFill>
                   <a:schemeClr val="folHlink"/>
                 </a:solidFill>
                 <a:latin typeface="Courier New" panose="02070309020205020404" pitchFamily="49" charset="0"/>
               </a:rPr>
-              <a:t>#ifndef AREA_H</a:t>
-            </a:r>
-          </a:p>
-          <a:p>
-            <a:r>
-              <a:rPr lang="en-US" altLang="zh-CN" sz="2000" b="1">
+              <a:t>#</a:t>
+            </a:r>
+            <a:r>
+              <a:rPr lang="en-US" altLang="zh-CN" sz="2000" b="1" dirty="0" err="1">
                 <a:solidFill>
                   <a:schemeClr val="folHlink"/>
                 </a:solidFill>
                 <a:latin typeface="Courier New" panose="02070309020205020404" pitchFamily="49" charset="0"/>
               </a:rPr>
+              <a:t>ifndef</a:t>
+            </a:r>
+            <a:r>
+              <a:rPr lang="en-US" altLang="zh-CN" sz="2000" b="1" dirty="0">
+                <a:solidFill>
+                  <a:schemeClr val="folHlink"/>
+                </a:solidFill>
+                <a:latin typeface="Courier New" panose="02070309020205020404" pitchFamily="49" charset="0"/>
+              </a:rPr>
+              <a:t> AREA_H</a:t>
+            </a:r>
+          </a:p>
+          <a:p>
+            <a:r>
+              <a:rPr lang="en-US" altLang="zh-CN" sz="2000" b="1" dirty="0">
+                <a:solidFill>
+                  <a:schemeClr val="folHlink"/>
+                </a:solidFill>
+                <a:latin typeface="Courier New" panose="02070309020205020404" pitchFamily="49" charset="0"/>
+              </a:rPr>
               <a:t>#define AREA_H</a:t>
             </a:r>
           </a:p>
           <a:p>
-            <a:endParaRPr lang="en-US" altLang="zh-CN" sz="2000" b="1">
+            <a:endParaRPr lang="en-US" altLang="zh-CN" sz="2000" b="1" dirty="0">
               <a:solidFill>
                 <a:schemeClr val="folHlink"/>
               </a:solidFill>
@@ -6805,17 +6954,17 @@
           </a:p>
           <a:p>
             <a:r>
-              <a:rPr lang="en-US" altLang="zh-CN" sz="2000" b="1">
+              <a:rPr lang="en-US" altLang="zh-CN" sz="2000" b="1" dirty="0">
                 <a:solidFill>
                   <a:schemeClr val="folHlink"/>
                 </a:solidFill>
                 <a:latin typeface="Courier New" panose="02070309020205020404" pitchFamily="49" charset="0"/>
               </a:rPr>
-              <a:t>double area (int r);</a:t>
-            </a:r>
-          </a:p>
-          <a:p>
-            <a:endParaRPr lang="en-US" altLang="zh-CN" sz="2000" b="1">
+              <a:t>double area(int r);</a:t>
+            </a:r>
+          </a:p>
+          <a:p>
+            <a:endParaRPr lang="en-US" altLang="zh-CN" sz="2000" b="1" dirty="0">
               <a:solidFill>
                 <a:schemeClr val="folHlink"/>
               </a:solidFill>
@@ -6824,7 +6973,7 @@
           </a:p>
           <a:p>
             <a:r>
-              <a:rPr lang="en-US" altLang="zh-CN" sz="2000" b="1">
+              <a:rPr lang="en-US" altLang="zh-CN" sz="2000" b="1" dirty="0">
                 <a:solidFill>
                   <a:schemeClr val="folHlink"/>
                 </a:solidFill>
@@ -7085,25 +7234,52 @@
           <a:lstStyle/>
           <a:p>
             <a:r>
-              <a:rPr lang="en-US" altLang="zh-CN" sz="2000" b="1">
-                <a:latin typeface="Courier New" panose="02070309020205020404" pitchFamily="49" charset="0"/>
-              </a:rPr>
-              <a:t>// area.c</a:t>
-            </a:r>
-          </a:p>
-          <a:p>
-            <a:r>
-              <a:rPr lang="en-US" altLang="zh-CN" sz="2000" b="1">
+              <a:rPr lang="en-US" altLang="zh-CN" sz="2000" b="1" dirty="0">
+                <a:latin typeface="Courier New" panose="02070309020205020404" pitchFamily="49" charset="0"/>
+              </a:rPr>
+              <a:t>// </a:t>
+            </a:r>
+            <a:r>
+              <a:rPr lang="en-US" altLang="zh-CN" sz="2000" b="1" dirty="0" err="1">
+                <a:latin typeface="Courier New" panose="02070309020205020404" pitchFamily="49" charset="0"/>
+              </a:rPr>
+              <a:t>area.c</a:t>
+            </a:r>
+            <a:endParaRPr lang="en-US" altLang="zh-CN" sz="2000" b="1" dirty="0">
+              <a:latin typeface="Courier New" panose="02070309020205020404" pitchFamily="49" charset="0"/>
+            </a:endParaRPr>
+          </a:p>
+          <a:p>
+            <a:r>
+              <a:rPr lang="en-US" altLang="zh-CN" sz="2000" b="1" dirty="0">
                 <a:solidFill>
                   <a:schemeClr val="folHlink"/>
                 </a:solidFill>
                 <a:latin typeface="Courier New" panose="02070309020205020404" pitchFamily="49" charset="0"/>
               </a:rPr>
-              <a:t>#include “area.h”</a:t>
-            </a:r>
-          </a:p>
-          <a:p>
-            <a:endParaRPr lang="en-US" altLang="zh-CN" sz="2000" b="1">
+              <a:t>#include “</a:t>
+            </a:r>
+            <a:r>
+              <a:rPr lang="en-US" altLang="zh-CN" sz="2000" b="1" dirty="0" err="1">
+                <a:solidFill>
+                  <a:schemeClr val="folHlink"/>
+                </a:solidFill>
+                <a:latin typeface="Courier New" panose="02070309020205020404" pitchFamily="49" charset="0"/>
+              </a:rPr>
+              <a:t>area.h</a:t>
+            </a:r>
+            <a:r>
+              <a:rPr lang="en-US" altLang="zh-CN" sz="2000" b="1" dirty="0">
+                <a:solidFill>
+                  <a:schemeClr val="folHlink"/>
+                </a:solidFill>
+                <a:latin typeface="Courier New" panose="02070309020205020404" pitchFamily="49" charset="0"/>
+              </a:rPr>
+              <a:t>”</a:t>
+            </a:r>
+          </a:p>
+          <a:p>
+            <a:endParaRPr lang="en-US" altLang="zh-CN" sz="2000" b="1" dirty="0">
               <a:solidFill>
                 <a:schemeClr val="folHlink"/>
               </a:solidFill>
@@ -7112,7 +7288,7 @@
           </a:p>
           <a:p>
             <a:r>
-              <a:rPr lang="en-US" altLang="zh-CN" sz="2000" b="1">
+              <a:rPr lang="en-US" altLang="zh-CN" sz="2000" b="1" dirty="0">
                 <a:solidFill>
                   <a:schemeClr val="folHlink"/>
                 </a:solidFill>
@@ -7123,51 +7299,40 @@
           </a:p>
           <a:p>
             <a:r>
-              <a:rPr lang="en-US" altLang="zh-CN" sz="2000" b="1">
+              <a:rPr lang="en-US" altLang="zh-CN" sz="2000" b="1" dirty="0">
                 <a:solidFill>
                   <a:schemeClr val="folHlink"/>
                 </a:solidFill>
                 <a:latin typeface="Courier New" panose="02070309020205020404" pitchFamily="49" charset="0"/>
               </a:rPr>
-              <a:t>double area (int r)</a:t>
-            </a:r>
-          </a:p>
-          <a:p>
-            <a:r>
-              <a:rPr lang="en-US" altLang="zh-CN" sz="2000" b="1">
+              <a:t>double area(int r){</a:t>
+            </a:r>
+          </a:p>
+          <a:p>
+            <a:r>
+              <a:rPr lang="en-US" altLang="zh-CN" sz="2000" b="1" dirty="0">
                 <a:solidFill>
                   <a:schemeClr val="folHlink"/>
                 </a:solidFill>
                 <a:latin typeface="Courier New" panose="02070309020205020404" pitchFamily="49" charset="0"/>
               </a:rPr>
-              <a:t>{</a:t>
-            </a:r>
-          </a:p>
-          <a:p>
-            <a:r>
-              <a:rPr lang="en-US" altLang="zh-CN" sz="2000" b="1">
+              <a:t>  double f = PI *r *r; </a:t>
+            </a:r>
+          </a:p>
+          <a:p>
+            <a:r>
+              <a:rPr lang="en-US" altLang="zh-CN" sz="2000" b="1" dirty="0">
                 <a:solidFill>
                   <a:schemeClr val="folHlink"/>
                 </a:solidFill>
                 <a:latin typeface="Courier New" panose="02070309020205020404" pitchFamily="49" charset="0"/>
               </a:rPr>
-              <a:t>  double f = PI *r *r; </a:t>
-            </a:r>
-          </a:p>
-          <a:p>
-            <a:r>
-              <a:rPr lang="en-US" altLang="zh-CN" sz="2000" b="1">
-                <a:solidFill>
-                  <a:schemeClr val="folHlink"/>
-                </a:solidFill>
-                <a:latin typeface="Courier New" panose="02070309020205020404" pitchFamily="49" charset="0"/>
-              </a:rPr>
               <a:t>  return f;</a:t>
             </a:r>
           </a:p>
           <a:p>
             <a:r>
-              <a:rPr lang="en-US" altLang="zh-CN" sz="2000" b="1">
+              <a:rPr lang="en-US" altLang="zh-CN" sz="2000" b="1" dirty="0">
                 <a:solidFill>
                   <a:schemeClr val="folHlink"/>
                 </a:solidFill>
@@ -7471,36 +7636,63 @@
           <a:lstStyle/>
           <a:p>
             <a:r>
-              <a:rPr lang="en-US" altLang="zh-CN" sz="2000" b="1">
-                <a:latin typeface="Courier New" panose="02070309020205020404" pitchFamily="49" charset="0"/>
-              </a:rPr>
-              <a:t>// area.h</a:t>
-            </a:r>
-          </a:p>
-          <a:p>
-            <a:r>
-              <a:rPr lang="en-US" altLang="zh-CN" sz="2000" b="1">
+              <a:rPr lang="en-US" altLang="zh-CN" sz="2000" b="1" dirty="0">
+                <a:latin typeface="Courier New" panose="02070309020205020404" pitchFamily="49" charset="0"/>
+              </a:rPr>
+              <a:t>// </a:t>
+            </a:r>
+            <a:r>
+              <a:rPr lang="en-US" altLang="zh-CN" sz="2000" b="1" dirty="0" err="1">
+                <a:latin typeface="Courier New" panose="02070309020205020404" pitchFamily="49" charset="0"/>
+              </a:rPr>
+              <a:t>area.h</a:t>
+            </a:r>
+            <a:endParaRPr lang="en-US" altLang="zh-CN" sz="2000" b="1" dirty="0">
+              <a:latin typeface="Courier New" panose="02070309020205020404" pitchFamily="49" charset="0"/>
+            </a:endParaRPr>
+          </a:p>
+          <a:p>
+            <a:r>
+              <a:rPr lang="en-US" altLang="zh-CN" sz="2000" b="1" dirty="0">
                 <a:solidFill>
                   <a:schemeClr val="folHlink"/>
                 </a:solidFill>
                 <a:latin typeface="Courier New" panose="02070309020205020404" pitchFamily="49" charset="0"/>
               </a:rPr>
-              <a:t>#ifndef AREA_H</a:t>
-            </a:r>
-          </a:p>
-          <a:p>
-            <a:r>
-              <a:rPr lang="en-US" altLang="zh-CN" sz="2000" b="1">
+              <a:t>#</a:t>
+            </a:r>
+            <a:r>
+              <a:rPr lang="en-US" altLang="zh-CN" sz="2000" b="1" dirty="0" err="1">
                 <a:solidFill>
                   <a:schemeClr val="folHlink"/>
                 </a:solidFill>
                 <a:latin typeface="Courier New" panose="02070309020205020404" pitchFamily="49" charset="0"/>
               </a:rPr>
+              <a:t>ifndef</a:t>
+            </a:r>
+            <a:r>
+              <a:rPr lang="en-US" altLang="zh-CN" sz="2000" b="1" dirty="0">
+                <a:solidFill>
+                  <a:schemeClr val="folHlink"/>
+                </a:solidFill>
+                <a:latin typeface="Courier New" panose="02070309020205020404" pitchFamily="49" charset="0"/>
+              </a:rPr>
+              <a:t> AREA_H</a:t>
+            </a:r>
+          </a:p>
+          <a:p>
+            <a:r>
+              <a:rPr lang="en-US" altLang="zh-CN" sz="2000" b="1" dirty="0">
+                <a:solidFill>
+                  <a:schemeClr val="folHlink"/>
+                </a:solidFill>
+                <a:latin typeface="Courier New" panose="02070309020205020404" pitchFamily="49" charset="0"/>
+              </a:rPr>
               <a:t>#define AREA_H</a:t>
             </a:r>
           </a:p>
           <a:p>
-            <a:endParaRPr lang="en-US" altLang="zh-CN" sz="2000" b="1">
+            <a:endParaRPr lang="en-US" altLang="zh-CN" sz="2000" b="1" dirty="0">
               <a:solidFill>
                 <a:schemeClr val="folHlink"/>
               </a:solidFill>
@@ -7509,17 +7701,17 @@
           </a:p>
           <a:p>
             <a:r>
-              <a:rPr lang="en-US" altLang="zh-CN" sz="2000" b="1">
+              <a:rPr lang="en-US" altLang="zh-CN" sz="2000" b="1" dirty="0">
                 <a:solidFill>
                   <a:schemeClr val="folHlink"/>
                 </a:solidFill>
                 <a:latin typeface="Courier New" panose="02070309020205020404" pitchFamily="49" charset="0"/>
               </a:rPr>
-              <a:t>double area (int r);</a:t>
-            </a:r>
-          </a:p>
-          <a:p>
-            <a:endParaRPr lang="en-US" altLang="zh-CN" sz="2000" b="1">
+              <a:t>double area(int r);</a:t>
+            </a:r>
+          </a:p>
+          <a:p>
+            <a:endParaRPr lang="en-US" altLang="zh-CN" sz="2000" b="1" dirty="0">
               <a:solidFill>
                 <a:schemeClr val="folHlink"/>
               </a:solidFill>
@@ -7528,7 +7720,7 @@
           </a:p>
           <a:p>
             <a:r>
-              <a:rPr lang="en-US" altLang="zh-CN" sz="2000" b="1">
+              <a:rPr lang="en-US" altLang="zh-CN" sz="2000" b="1" dirty="0">
                 <a:solidFill>
                   <a:schemeClr val="folHlink"/>
                 </a:solidFill>
@@ -7592,48 +7784,75 @@
           <a:lstStyle/>
           <a:p>
             <a:r>
-              <a:rPr lang="en-US" altLang="zh-CN" sz="2000" b="1">
-                <a:latin typeface="Courier New" panose="02070309020205020404" pitchFamily="49" charset="0"/>
-              </a:rPr>
-              <a:t>// main.c</a:t>
-            </a:r>
-          </a:p>
-          <a:p>
-            <a:r>
-              <a:rPr lang="en-US" altLang="zh-CN" sz="2000" b="1">
+              <a:rPr lang="en-US" altLang="zh-CN" sz="2000" b="1" dirty="0">
+                <a:latin typeface="Courier New" panose="02070309020205020404" pitchFamily="49" charset="0"/>
+              </a:rPr>
+              <a:t>// </a:t>
+            </a:r>
+            <a:r>
+              <a:rPr lang="en-US" altLang="zh-CN" sz="2000" b="1" dirty="0" err="1">
+                <a:latin typeface="Courier New" panose="02070309020205020404" pitchFamily="49" charset="0"/>
+              </a:rPr>
+              <a:t>main.c</a:t>
+            </a:r>
+            <a:endParaRPr lang="en-US" altLang="zh-CN" sz="2000" b="1" dirty="0">
+              <a:latin typeface="Courier New" panose="02070309020205020404" pitchFamily="49" charset="0"/>
+            </a:endParaRPr>
+          </a:p>
+          <a:p>
+            <a:r>
+              <a:rPr lang="en-US" altLang="zh-CN" sz="2000" b="1" dirty="0">
                 <a:solidFill>
                   <a:schemeClr val="folHlink"/>
                 </a:solidFill>
                 <a:latin typeface="Courier New" panose="02070309020205020404" pitchFamily="49" charset="0"/>
               </a:rPr>
-              <a:t>#include “area.h”</a:t>
-            </a:r>
-          </a:p>
-          <a:p>
-            <a:r>
-              <a:rPr lang="en-US" altLang="zh-CN" sz="2000" b="1">
+              <a:t>#include “</a:t>
+            </a:r>
+            <a:r>
+              <a:rPr lang="en-US" altLang="zh-CN" sz="2000" b="1" dirty="0" err="1">
                 <a:solidFill>
                   <a:schemeClr val="folHlink"/>
                 </a:solidFill>
                 <a:latin typeface="Courier New" panose="02070309020205020404" pitchFamily="49" charset="0"/>
               </a:rPr>
-              <a:t>int main () {</a:t>
-            </a:r>
-          </a:p>
-          <a:p>
-            <a:r>
-              <a:rPr lang="en-US" altLang="zh-CN" sz="2000" b="1">
+              <a:t>area.h</a:t>
+            </a:r>
+            <a:r>
+              <a:rPr lang="en-US" altLang="zh-CN" sz="2000" b="1" dirty="0">
                 <a:solidFill>
                   <a:schemeClr val="folHlink"/>
                 </a:solidFill>
                 <a:latin typeface="Courier New" panose="02070309020205020404" pitchFamily="49" charset="0"/>
               </a:rPr>
-              <a:t>  area (5);</a:t>
-            </a:r>
-          </a:p>
-          <a:p>
-            <a:r>
-              <a:rPr lang="en-US" altLang="zh-CN" sz="2000" b="1">
+              <a:t>”</a:t>
+            </a:r>
+          </a:p>
+          <a:p>
+            <a:r>
+              <a:rPr lang="en-US" altLang="zh-CN" sz="2000" b="1" dirty="0">
+                <a:solidFill>
+                  <a:schemeClr val="folHlink"/>
+                </a:solidFill>
+                <a:latin typeface="Courier New" panose="02070309020205020404" pitchFamily="49" charset="0"/>
+              </a:rPr>
+              <a:t>int main(){</a:t>
+            </a:r>
+          </a:p>
+          <a:p>
+            <a:r>
+              <a:rPr lang="en-US" altLang="zh-CN" sz="2000" b="1" dirty="0">
+                <a:solidFill>
+                  <a:schemeClr val="folHlink"/>
+                </a:solidFill>
+                <a:latin typeface="Courier New" panose="02070309020205020404" pitchFamily="49" charset="0"/>
+              </a:rPr>
+              <a:t>  area(5);</a:t>
+            </a:r>
+          </a:p>
+          <a:p>
+            <a:r>
+              <a:rPr lang="en-US" altLang="zh-CN" sz="2000" b="1" dirty="0">
                 <a:solidFill>
                   <a:schemeClr val="folHlink"/>
                 </a:solidFill>
@@ -7811,25 +8030,52 @@
           <a:lstStyle/>
           <a:p>
             <a:r>
-              <a:rPr lang="en-US" altLang="zh-CN" sz="2000" b="1">
-                <a:latin typeface="Courier New" panose="02070309020205020404" pitchFamily="49" charset="0"/>
-              </a:rPr>
-              <a:t>// area.c</a:t>
-            </a:r>
-          </a:p>
-          <a:p>
-            <a:r>
-              <a:rPr lang="en-US" altLang="zh-CN" sz="2000" b="1">
+              <a:rPr lang="en-US" altLang="zh-CN" sz="2000" b="1" dirty="0">
+                <a:latin typeface="Courier New" panose="02070309020205020404" pitchFamily="49" charset="0"/>
+              </a:rPr>
+              <a:t>// </a:t>
+            </a:r>
+            <a:r>
+              <a:rPr lang="en-US" altLang="zh-CN" sz="2000" b="1" dirty="0" err="1">
+                <a:latin typeface="Courier New" panose="02070309020205020404" pitchFamily="49" charset="0"/>
+              </a:rPr>
+              <a:t>area.c</a:t>
+            </a:r>
+            <a:endParaRPr lang="en-US" altLang="zh-CN" sz="2000" b="1" dirty="0">
+              <a:latin typeface="Courier New" panose="02070309020205020404" pitchFamily="49" charset="0"/>
+            </a:endParaRPr>
+          </a:p>
+          <a:p>
+            <a:r>
+              <a:rPr lang="en-US" altLang="zh-CN" sz="2000" b="1" dirty="0">
                 <a:solidFill>
                   <a:schemeClr val="folHlink"/>
                 </a:solidFill>
                 <a:latin typeface="Courier New" panose="02070309020205020404" pitchFamily="49" charset="0"/>
               </a:rPr>
-              <a:t>#include “area.h”</a:t>
-            </a:r>
-          </a:p>
-          <a:p>
-            <a:endParaRPr lang="en-US" altLang="zh-CN" sz="2000" b="1">
+              <a:t>#include “</a:t>
+            </a:r>
+            <a:r>
+              <a:rPr lang="en-US" altLang="zh-CN" sz="2000" b="1" dirty="0" err="1">
+                <a:solidFill>
+                  <a:schemeClr val="folHlink"/>
+                </a:solidFill>
+                <a:latin typeface="Courier New" panose="02070309020205020404" pitchFamily="49" charset="0"/>
+              </a:rPr>
+              <a:t>area.h</a:t>
+            </a:r>
+            <a:r>
+              <a:rPr lang="en-US" altLang="zh-CN" sz="2000" b="1" dirty="0">
+                <a:solidFill>
+                  <a:schemeClr val="folHlink"/>
+                </a:solidFill>
+                <a:latin typeface="Courier New" panose="02070309020205020404" pitchFamily="49" charset="0"/>
+              </a:rPr>
+              <a:t>”</a:t>
+            </a:r>
+          </a:p>
+          <a:p>
+            <a:endParaRPr lang="en-US" altLang="zh-CN" sz="2000" b="1" dirty="0">
               <a:solidFill>
                 <a:schemeClr val="folHlink"/>
               </a:solidFill>
@@ -7838,7 +8084,7 @@
           </a:p>
           <a:p>
             <a:r>
-              <a:rPr lang="en-US" altLang="zh-CN" sz="2000" b="1">
+              <a:rPr lang="en-US" altLang="zh-CN" sz="2000" b="1" dirty="0">
                 <a:solidFill>
                   <a:schemeClr val="folHlink"/>
                 </a:solidFill>
@@ -7849,62 +8095,40 @@
           </a:p>
           <a:p>
             <a:r>
-              <a:rPr lang="en-US" altLang="zh-CN" sz="2000" b="1">
+              <a:rPr lang="en-US" altLang="zh-CN" sz="2000" b="1" dirty="0">
                 <a:solidFill>
                   <a:schemeClr val="folHlink"/>
                 </a:solidFill>
                 <a:latin typeface="Courier New" panose="02070309020205020404" pitchFamily="49" charset="0"/>
               </a:rPr>
-              <a:t>double area (int r)</a:t>
-            </a:r>
-          </a:p>
-          <a:p>
-            <a:r>
-              <a:rPr lang="en-US" altLang="zh-CN" sz="2000" b="1">
+              <a:t>double area(int r){</a:t>
+            </a:r>
+          </a:p>
+          <a:p>
+            <a:r>
+              <a:rPr lang="en-US" altLang="zh-CN" sz="2000" b="1" dirty="0">
                 <a:solidFill>
                   <a:schemeClr val="folHlink"/>
                 </a:solidFill>
                 <a:latin typeface="Courier New" panose="02070309020205020404" pitchFamily="49" charset="0"/>
               </a:rPr>
-              <a:t>{</a:t>
-            </a:r>
-          </a:p>
-          <a:p>
-            <a:r>
-              <a:rPr lang="en-US" altLang="zh-CN" sz="2000" b="1">
+              <a:t>  double f = PI*r*r;</a:t>
+            </a:r>
+          </a:p>
+          <a:p>
+            <a:r>
+              <a:rPr lang="en-US" altLang="zh-CN" sz="2000" b="1" dirty="0">
                 <a:solidFill>
                   <a:schemeClr val="folHlink"/>
                 </a:solidFill>
                 <a:latin typeface="Courier New" panose="02070309020205020404" pitchFamily="49" charset="0"/>
               </a:rPr>
-              <a:t>  double f = PI*r*r;</a:t>
-            </a:r>
-          </a:p>
-          <a:p>
-            <a:r>
-              <a:rPr lang="en-US" altLang="zh-CN" sz="2000" b="1">
-                <a:solidFill>
-                  <a:schemeClr val="folHlink"/>
-                </a:solidFill>
-                <a:latin typeface="Courier New" panose="02070309020205020404" pitchFamily="49" charset="0"/>
-              </a:rPr>
-              <a:t> </a:t>
-            </a:r>
-          </a:p>
-          <a:p>
-            <a:r>
-              <a:rPr lang="en-US" altLang="zh-CN" sz="2000" b="1">
-                <a:solidFill>
-                  <a:schemeClr val="folHlink"/>
-                </a:solidFill>
-                <a:latin typeface="Courier New" panose="02070309020205020404" pitchFamily="49" charset="0"/>
-              </a:rPr>
               <a:t>  return f;</a:t>
             </a:r>
           </a:p>
           <a:p>
             <a:r>
-              <a:rPr lang="en-US" altLang="zh-CN" sz="2000" b="1">
+              <a:rPr lang="en-US" altLang="zh-CN" sz="2000" b="1" dirty="0">
                 <a:solidFill>
                   <a:schemeClr val="folHlink"/>
                 </a:solidFill>
@@ -8128,36 +8352,63 @@
           <a:lstStyle/>
           <a:p>
             <a:r>
-              <a:rPr lang="en-US" altLang="zh-CN" sz="2000" b="1">
-                <a:latin typeface="Courier New" panose="02070309020205020404" pitchFamily="49" charset="0"/>
-              </a:rPr>
-              <a:t>// area.h</a:t>
-            </a:r>
-          </a:p>
-          <a:p>
-            <a:r>
-              <a:rPr lang="en-US" altLang="zh-CN" sz="2000" b="1">
+              <a:rPr lang="en-US" altLang="zh-CN" sz="2000" b="1" dirty="0">
+                <a:latin typeface="Courier New" panose="02070309020205020404" pitchFamily="49" charset="0"/>
+              </a:rPr>
+              <a:t>// </a:t>
+            </a:r>
+            <a:r>
+              <a:rPr lang="en-US" altLang="zh-CN" sz="2000" b="1" dirty="0" err="1">
+                <a:latin typeface="Courier New" panose="02070309020205020404" pitchFamily="49" charset="0"/>
+              </a:rPr>
+              <a:t>area.h</a:t>
+            </a:r>
+            <a:endParaRPr lang="en-US" altLang="zh-CN" sz="2000" b="1" dirty="0">
+              <a:latin typeface="Courier New" panose="02070309020205020404" pitchFamily="49" charset="0"/>
+            </a:endParaRPr>
+          </a:p>
+          <a:p>
+            <a:r>
+              <a:rPr lang="en-US" altLang="zh-CN" sz="2000" b="1" dirty="0">
                 <a:solidFill>
                   <a:schemeClr val="folHlink"/>
                 </a:solidFill>
                 <a:latin typeface="Courier New" panose="02070309020205020404" pitchFamily="49" charset="0"/>
               </a:rPr>
-              <a:t>#ifndef AREA_H</a:t>
-            </a:r>
-          </a:p>
-          <a:p>
-            <a:r>
-              <a:rPr lang="en-US" altLang="zh-CN" sz="2000" b="1">
+              <a:t>#</a:t>
+            </a:r>
+            <a:r>
+              <a:rPr lang="en-US" altLang="zh-CN" sz="2000" b="1" dirty="0" err="1">
                 <a:solidFill>
                   <a:schemeClr val="folHlink"/>
                 </a:solidFill>
                 <a:latin typeface="Courier New" panose="02070309020205020404" pitchFamily="49" charset="0"/>
               </a:rPr>
+              <a:t>ifndef</a:t>
+            </a:r>
+            <a:r>
+              <a:rPr lang="en-US" altLang="zh-CN" sz="2000" b="1" dirty="0">
+                <a:solidFill>
+                  <a:schemeClr val="folHlink"/>
+                </a:solidFill>
+                <a:latin typeface="Courier New" panose="02070309020205020404" pitchFamily="49" charset="0"/>
+              </a:rPr>
+              <a:t> AREA_H</a:t>
+            </a:r>
+          </a:p>
+          <a:p>
+            <a:r>
+              <a:rPr lang="en-US" altLang="zh-CN" sz="2000" b="1" dirty="0">
+                <a:solidFill>
+                  <a:schemeClr val="folHlink"/>
+                </a:solidFill>
+                <a:latin typeface="Courier New" panose="02070309020205020404" pitchFamily="49" charset="0"/>
+              </a:rPr>
               <a:t>#define AREA_H</a:t>
             </a:r>
           </a:p>
           <a:p>
-            <a:endParaRPr lang="en-US" altLang="zh-CN" sz="2000" b="1">
+            <a:endParaRPr lang="en-US" altLang="zh-CN" sz="2000" b="1" dirty="0">
               <a:solidFill>
                 <a:schemeClr val="folHlink"/>
               </a:solidFill>
@@ -8166,17 +8417,17 @@
           </a:p>
           <a:p>
             <a:r>
-              <a:rPr lang="en-US" altLang="zh-CN" sz="2000" b="1">
+              <a:rPr lang="en-US" altLang="zh-CN" sz="2000" b="1" dirty="0">
                 <a:solidFill>
                   <a:schemeClr val="folHlink"/>
                 </a:solidFill>
                 <a:latin typeface="Courier New" panose="02070309020205020404" pitchFamily="49" charset="0"/>
               </a:rPr>
-              <a:t>double area (int r);</a:t>
-            </a:r>
-          </a:p>
-          <a:p>
-            <a:endParaRPr lang="en-US" altLang="zh-CN" sz="2000" b="1">
+              <a:t>double area(int r);</a:t>
+            </a:r>
+          </a:p>
+          <a:p>
+            <a:endParaRPr lang="en-US" altLang="zh-CN" sz="2000" b="1" dirty="0">
               <a:solidFill>
                 <a:schemeClr val="folHlink"/>
               </a:solidFill>
@@ -8185,7 +8436,7 @@
           </a:p>
           <a:p>
             <a:r>
-              <a:rPr lang="en-US" altLang="zh-CN" sz="2000" b="1">
+              <a:rPr lang="en-US" altLang="zh-CN" sz="2000" b="1" dirty="0">
                 <a:solidFill>
                   <a:schemeClr val="folHlink"/>
                 </a:solidFill>
@@ -8249,48 +8500,75 @@
           <a:lstStyle/>
           <a:p>
             <a:r>
-              <a:rPr lang="en-US" altLang="zh-CN" sz="2000" b="1">
-                <a:latin typeface="Courier New" panose="02070309020205020404" pitchFamily="49" charset="0"/>
-              </a:rPr>
-              <a:t>// main.c</a:t>
-            </a:r>
-          </a:p>
-          <a:p>
-            <a:r>
-              <a:rPr lang="en-US" altLang="zh-CN" sz="2000" b="1">
+              <a:rPr lang="en-US" altLang="zh-CN" sz="2000" b="1" dirty="0">
+                <a:latin typeface="Courier New" panose="02070309020205020404" pitchFamily="49" charset="0"/>
+              </a:rPr>
+              <a:t>// </a:t>
+            </a:r>
+            <a:r>
+              <a:rPr lang="en-US" altLang="zh-CN" sz="2000" b="1" dirty="0" err="1">
+                <a:latin typeface="Courier New" panose="02070309020205020404" pitchFamily="49" charset="0"/>
+              </a:rPr>
+              <a:t>main.c</a:t>
+            </a:r>
+            <a:endParaRPr lang="en-US" altLang="zh-CN" sz="2000" b="1" dirty="0">
+              <a:latin typeface="Courier New" panose="02070309020205020404" pitchFamily="49" charset="0"/>
+            </a:endParaRPr>
+          </a:p>
+          <a:p>
+            <a:r>
+              <a:rPr lang="en-US" altLang="zh-CN" sz="2000" b="1" dirty="0">
                 <a:solidFill>
                   <a:schemeClr val="folHlink"/>
                 </a:solidFill>
                 <a:latin typeface="Courier New" panose="02070309020205020404" pitchFamily="49" charset="0"/>
               </a:rPr>
-              <a:t>#include “area.h”</a:t>
-            </a:r>
-          </a:p>
-          <a:p>
-            <a:r>
-              <a:rPr lang="en-US" altLang="zh-CN" sz="2000" b="1">
+              <a:t>#include “</a:t>
+            </a:r>
+            <a:r>
+              <a:rPr lang="en-US" altLang="zh-CN" sz="2000" b="1" dirty="0" err="1">
                 <a:solidFill>
                   <a:schemeClr val="folHlink"/>
                 </a:solidFill>
                 <a:latin typeface="Courier New" panose="02070309020205020404" pitchFamily="49" charset="0"/>
               </a:rPr>
-              <a:t>int main () {</a:t>
-            </a:r>
-          </a:p>
-          <a:p>
-            <a:r>
-              <a:rPr lang="en-US" altLang="zh-CN" sz="2000" b="1">
+              <a:t>area.h</a:t>
+            </a:r>
+            <a:r>
+              <a:rPr lang="en-US" altLang="zh-CN" sz="2000" b="1" dirty="0">
                 <a:solidFill>
                   <a:schemeClr val="folHlink"/>
                 </a:solidFill>
                 <a:latin typeface="Courier New" panose="02070309020205020404" pitchFamily="49" charset="0"/>
               </a:rPr>
-              <a:t>  area (5);</a:t>
-            </a:r>
-          </a:p>
-          <a:p>
-            <a:r>
-              <a:rPr lang="en-US" altLang="zh-CN" sz="2000" b="1">
+              <a:t>”</a:t>
+            </a:r>
+          </a:p>
+          <a:p>
+            <a:r>
+              <a:rPr lang="en-US" altLang="zh-CN" sz="2000" b="1" dirty="0">
+                <a:solidFill>
+                  <a:schemeClr val="folHlink"/>
+                </a:solidFill>
+                <a:latin typeface="Courier New" panose="02070309020205020404" pitchFamily="49" charset="0"/>
+              </a:rPr>
+              <a:t>int main(){</a:t>
+            </a:r>
+          </a:p>
+          <a:p>
+            <a:r>
+              <a:rPr lang="en-US" altLang="zh-CN" sz="2000" b="1" dirty="0">
+                <a:solidFill>
+                  <a:schemeClr val="folHlink"/>
+                </a:solidFill>
+                <a:latin typeface="Courier New" panose="02070309020205020404" pitchFamily="49" charset="0"/>
+              </a:rPr>
+              <a:t>  area(5);</a:t>
+            </a:r>
+          </a:p>
+          <a:p>
+            <a:r>
+              <a:rPr lang="en-US" altLang="zh-CN" sz="2000" b="1" dirty="0">
                 <a:solidFill>
                   <a:schemeClr val="folHlink"/>
                 </a:solidFill>
@@ -8468,25 +8746,34 @@
           <a:lstStyle/>
           <a:p>
             <a:r>
-              <a:rPr lang="en-US" altLang="zh-CN" sz="2000" b="1">
-                <a:latin typeface="Courier New" panose="02070309020205020404" pitchFamily="49" charset="0"/>
-              </a:rPr>
-              <a:t>// area.c</a:t>
-            </a:r>
-          </a:p>
-          <a:p>
-            <a:r>
-              <a:rPr lang="en-US" altLang="zh-CN" sz="2000" b="1">
+              <a:rPr lang="en-US" altLang="zh-CN" sz="2000" b="1" dirty="0">
+                <a:latin typeface="Courier New" panose="02070309020205020404" pitchFamily="49" charset="0"/>
+              </a:rPr>
+              <a:t>// </a:t>
+            </a:r>
+            <a:r>
+              <a:rPr lang="en-US" altLang="zh-CN" sz="2000" b="1" dirty="0" err="1">
+                <a:latin typeface="Courier New" panose="02070309020205020404" pitchFamily="49" charset="0"/>
+              </a:rPr>
+              <a:t>area.c</a:t>
+            </a:r>
+            <a:endParaRPr lang="en-US" altLang="zh-CN" sz="2000" b="1" dirty="0">
+              <a:latin typeface="Courier New" panose="02070309020205020404" pitchFamily="49" charset="0"/>
+            </a:endParaRPr>
+          </a:p>
+          <a:p>
+            <a:r>
+              <a:rPr lang="en-US" altLang="zh-CN" sz="2000" b="1" dirty="0">
                 <a:solidFill>
                   <a:schemeClr val="hlink"/>
                 </a:solidFill>
                 <a:latin typeface="Courier New" panose="02070309020205020404" pitchFamily="49" charset="0"/>
               </a:rPr>
-              <a:t>double area (int r);</a:t>
-            </a:r>
-          </a:p>
-          <a:p>
-            <a:endParaRPr lang="en-US" altLang="zh-CN" sz="2000" b="1">
+              <a:t>double area(int r);</a:t>
+            </a:r>
+          </a:p>
+          <a:p>
+            <a:endParaRPr lang="en-US" altLang="zh-CN" sz="2000" b="1" dirty="0">
               <a:solidFill>
                 <a:schemeClr val="hlink"/>
               </a:solidFill>
@@ -8495,7 +8782,7 @@
           </a:p>
           <a:p>
             <a:r>
-              <a:rPr lang="en-US" altLang="zh-CN" sz="2000" b="1">
+              <a:rPr lang="en-US" altLang="zh-CN" sz="2000" b="1" dirty="0">
                 <a:solidFill>
                   <a:schemeClr val="folHlink"/>
                 </a:solidFill>
@@ -8506,62 +8793,40 @@
           </a:p>
           <a:p>
             <a:r>
-              <a:rPr lang="en-US" altLang="zh-CN" sz="2000" b="1">
+              <a:rPr lang="en-US" altLang="zh-CN" sz="2000" b="1" dirty="0">
                 <a:solidFill>
                   <a:schemeClr val="folHlink"/>
                 </a:solidFill>
                 <a:latin typeface="Courier New" panose="02070309020205020404" pitchFamily="49" charset="0"/>
               </a:rPr>
-              <a:t>double area (int r)</a:t>
-            </a:r>
-          </a:p>
-          <a:p>
-            <a:r>
-              <a:rPr lang="en-US" altLang="zh-CN" sz="2000" b="1">
+              <a:t>double area(int r){</a:t>
+            </a:r>
+          </a:p>
+          <a:p>
+            <a:r>
+              <a:rPr lang="en-US" altLang="zh-CN" sz="2000" b="1" dirty="0">
                 <a:solidFill>
                   <a:schemeClr val="folHlink"/>
                 </a:solidFill>
                 <a:latin typeface="Courier New" panose="02070309020205020404" pitchFamily="49" charset="0"/>
               </a:rPr>
-              <a:t>{</a:t>
-            </a:r>
-          </a:p>
-          <a:p>
-            <a:r>
-              <a:rPr lang="en-US" altLang="zh-CN" sz="2000" b="1">
+              <a:t>  double f = PI*r*r;</a:t>
+            </a:r>
+          </a:p>
+          <a:p>
+            <a:r>
+              <a:rPr lang="en-US" altLang="zh-CN" sz="2000" b="1" dirty="0">
                 <a:solidFill>
                   <a:schemeClr val="folHlink"/>
                 </a:solidFill>
                 <a:latin typeface="Courier New" panose="02070309020205020404" pitchFamily="49" charset="0"/>
               </a:rPr>
-              <a:t>  double f = PI*r*r;</a:t>
-            </a:r>
-          </a:p>
-          <a:p>
-            <a:r>
-              <a:rPr lang="en-US" altLang="zh-CN" sz="2000" b="1">
-                <a:solidFill>
-                  <a:schemeClr val="folHlink"/>
-                </a:solidFill>
-                <a:latin typeface="Courier New" panose="02070309020205020404" pitchFamily="49" charset="0"/>
-              </a:rPr>
-              <a:t> </a:t>
-            </a:r>
-          </a:p>
-          <a:p>
-            <a:r>
-              <a:rPr lang="en-US" altLang="zh-CN" sz="2000" b="1">
-                <a:solidFill>
-                  <a:schemeClr val="folHlink"/>
-                </a:solidFill>
-                <a:latin typeface="Courier New" panose="02070309020205020404" pitchFamily="49" charset="0"/>
-              </a:rPr>
               <a:t>  return f;</a:t>
             </a:r>
           </a:p>
           <a:p>
             <a:r>
-              <a:rPr lang="en-US" altLang="zh-CN" sz="2000" b="1">
+              <a:rPr lang="en-US" altLang="zh-CN" sz="2000" b="1" dirty="0">
                 <a:solidFill>
                   <a:schemeClr val="folHlink"/>
                 </a:solidFill>
@@ -8785,36 +9050,63 @@
           <a:lstStyle/>
           <a:p>
             <a:r>
-              <a:rPr lang="en-US" altLang="zh-CN" sz="2000" b="1">
-                <a:latin typeface="Courier New" panose="02070309020205020404" pitchFamily="49" charset="0"/>
-              </a:rPr>
-              <a:t>// area.h</a:t>
-            </a:r>
-          </a:p>
-          <a:p>
-            <a:r>
-              <a:rPr lang="en-US" altLang="zh-CN" sz="2000" b="1">
+              <a:rPr lang="en-US" altLang="zh-CN" sz="2000" b="1" dirty="0">
+                <a:latin typeface="Courier New" panose="02070309020205020404" pitchFamily="49" charset="0"/>
+              </a:rPr>
+              <a:t>// </a:t>
+            </a:r>
+            <a:r>
+              <a:rPr lang="en-US" altLang="zh-CN" sz="2000" b="1" dirty="0" err="1">
+                <a:latin typeface="Courier New" panose="02070309020205020404" pitchFamily="49" charset="0"/>
+              </a:rPr>
+              <a:t>area.h</a:t>
+            </a:r>
+            <a:endParaRPr lang="en-US" altLang="zh-CN" sz="2000" b="1" dirty="0">
+              <a:latin typeface="Courier New" panose="02070309020205020404" pitchFamily="49" charset="0"/>
+            </a:endParaRPr>
+          </a:p>
+          <a:p>
+            <a:r>
+              <a:rPr lang="en-US" altLang="zh-CN" sz="2000" b="1" dirty="0">
                 <a:solidFill>
                   <a:schemeClr val="folHlink"/>
                 </a:solidFill>
                 <a:latin typeface="Courier New" panose="02070309020205020404" pitchFamily="49" charset="0"/>
               </a:rPr>
-              <a:t>#ifndef AREA_H</a:t>
-            </a:r>
-          </a:p>
-          <a:p>
-            <a:r>
-              <a:rPr lang="en-US" altLang="zh-CN" sz="2000" b="1">
+              <a:t>#</a:t>
+            </a:r>
+            <a:r>
+              <a:rPr lang="en-US" altLang="zh-CN" sz="2000" b="1" dirty="0" err="1">
                 <a:solidFill>
                   <a:schemeClr val="folHlink"/>
                 </a:solidFill>
                 <a:latin typeface="Courier New" panose="02070309020205020404" pitchFamily="49" charset="0"/>
               </a:rPr>
+              <a:t>ifndef</a:t>
+            </a:r>
+            <a:r>
+              <a:rPr lang="en-US" altLang="zh-CN" sz="2000" b="1" dirty="0">
+                <a:solidFill>
+                  <a:schemeClr val="folHlink"/>
+                </a:solidFill>
+                <a:latin typeface="Courier New" panose="02070309020205020404" pitchFamily="49" charset="0"/>
+              </a:rPr>
+              <a:t> AREA_H</a:t>
+            </a:r>
+          </a:p>
+          <a:p>
+            <a:r>
+              <a:rPr lang="en-US" altLang="zh-CN" sz="2000" b="1" dirty="0">
+                <a:solidFill>
+                  <a:schemeClr val="folHlink"/>
+                </a:solidFill>
+                <a:latin typeface="Courier New" panose="02070309020205020404" pitchFamily="49" charset="0"/>
+              </a:rPr>
               <a:t>#define AREA_H</a:t>
             </a:r>
           </a:p>
           <a:p>
-            <a:endParaRPr lang="en-US" altLang="zh-CN" sz="2000" b="1">
+            <a:endParaRPr lang="en-US" altLang="zh-CN" sz="2000" b="1" dirty="0">
               <a:solidFill>
                 <a:schemeClr val="folHlink"/>
               </a:solidFill>
@@ -8823,17 +9115,17 @@
           </a:p>
           <a:p>
             <a:r>
-              <a:rPr lang="en-US" altLang="zh-CN" sz="2000" b="1">
+              <a:rPr lang="en-US" altLang="zh-CN" sz="2000" b="1" dirty="0">
                 <a:solidFill>
                   <a:schemeClr val="folHlink"/>
                 </a:solidFill>
                 <a:latin typeface="Courier New" panose="02070309020205020404" pitchFamily="49" charset="0"/>
               </a:rPr>
-              <a:t>double area (int r);</a:t>
-            </a:r>
-          </a:p>
-          <a:p>
-            <a:endParaRPr lang="en-US" altLang="zh-CN" sz="2000" b="1">
+              <a:t>double area(int r);</a:t>
+            </a:r>
+          </a:p>
+          <a:p>
+            <a:endParaRPr lang="en-US" altLang="zh-CN" sz="2000" b="1" dirty="0">
               <a:solidFill>
                 <a:schemeClr val="folHlink"/>
               </a:solidFill>
@@ -8842,7 +9134,7 @@
           </a:p>
           <a:p>
             <a:r>
-              <a:rPr lang="en-US" altLang="zh-CN" sz="2000" b="1">
+              <a:rPr lang="en-US" altLang="zh-CN" sz="2000" b="1" dirty="0">
                 <a:solidFill>
                   <a:schemeClr val="folHlink"/>
                 </a:solidFill>
@@ -8906,48 +9198,75 @@
           <a:lstStyle/>
           <a:p>
             <a:r>
-              <a:rPr lang="en-US" altLang="zh-CN" sz="2000" b="1">
-                <a:latin typeface="Courier New" panose="02070309020205020404" pitchFamily="49" charset="0"/>
-              </a:rPr>
-              <a:t>// main.c</a:t>
-            </a:r>
-          </a:p>
-          <a:p>
-            <a:r>
-              <a:rPr lang="en-US" altLang="zh-CN" sz="2000" b="1">
+              <a:rPr lang="en-US" altLang="zh-CN" sz="2000" b="1" dirty="0">
+                <a:latin typeface="Courier New" panose="02070309020205020404" pitchFamily="49" charset="0"/>
+              </a:rPr>
+              <a:t>// </a:t>
+            </a:r>
+            <a:r>
+              <a:rPr lang="en-US" altLang="zh-CN" sz="2000" b="1" dirty="0" err="1">
+                <a:latin typeface="Courier New" panose="02070309020205020404" pitchFamily="49" charset="0"/>
+              </a:rPr>
+              <a:t>main.c</a:t>
+            </a:r>
+            <a:endParaRPr lang="en-US" altLang="zh-CN" sz="2000" b="1" dirty="0">
+              <a:latin typeface="Courier New" panose="02070309020205020404" pitchFamily="49" charset="0"/>
+            </a:endParaRPr>
+          </a:p>
+          <a:p>
+            <a:r>
+              <a:rPr lang="en-US" altLang="zh-CN" sz="2000" b="1" dirty="0">
                 <a:solidFill>
                   <a:schemeClr val="folHlink"/>
                 </a:solidFill>
                 <a:latin typeface="Courier New" panose="02070309020205020404" pitchFamily="49" charset="0"/>
               </a:rPr>
-              <a:t>#include “area.h”</a:t>
-            </a:r>
-          </a:p>
-          <a:p>
-            <a:r>
-              <a:rPr lang="en-US" altLang="zh-CN" sz="2000" b="1">
+              <a:t>#include “</a:t>
+            </a:r>
+            <a:r>
+              <a:rPr lang="en-US" altLang="zh-CN" sz="2000" b="1" dirty="0" err="1">
                 <a:solidFill>
                   <a:schemeClr val="folHlink"/>
                 </a:solidFill>
                 <a:latin typeface="Courier New" panose="02070309020205020404" pitchFamily="49" charset="0"/>
               </a:rPr>
-              <a:t>int main () {</a:t>
-            </a:r>
-          </a:p>
-          <a:p>
-            <a:r>
-              <a:rPr lang="en-US" altLang="zh-CN" sz="2000" b="1">
+              <a:t>area.h</a:t>
+            </a:r>
+            <a:r>
+              <a:rPr lang="en-US" altLang="zh-CN" sz="2000" b="1" dirty="0">
                 <a:solidFill>
                   <a:schemeClr val="folHlink"/>
                 </a:solidFill>
                 <a:latin typeface="Courier New" panose="02070309020205020404" pitchFamily="49" charset="0"/>
               </a:rPr>
-              <a:t>  area (5);</a:t>
-            </a:r>
-          </a:p>
-          <a:p>
-            <a:r>
-              <a:rPr lang="en-US" altLang="zh-CN" sz="2000" b="1">
+              <a:t>”</a:t>
+            </a:r>
+          </a:p>
+          <a:p>
+            <a:r>
+              <a:rPr lang="en-US" altLang="zh-CN" sz="2000" b="1" dirty="0">
+                <a:solidFill>
+                  <a:schemeClr val="folHlink"/>
+                </a:solidFill>
+                <a:latin typeface="Courier New" panose="02070309020205020404" pitchFamily="49" charset="0"/>
+              </a:rPr>
+              <a:t>int main(){</a:t>
+            </a:r>
+          </a:p>
+          <a:p>
+            <a:r>
+              <a:rPr lang="en-US" altLang="zh-CN" sz="2000" b="1" dirty="0">
+                <a:solidFill>
+                  <a:schemeClr val="folHlink"/>
+                </a:solidFill>
+                <a:latin typeface="Courier New" panose="02070309020205020404" pitchFamily="49" charset="0"/>
+              </a:rPr>
+              <a:t>  area(5);</a:t>
+            </a:r>
+          </a:p>
+          <a:p>
+            <a:r>
+              <a:rPr lang="en-US" altLang="zh-CN" sz="2000" b="1" dirty="0">
                 <a:solidFill>
                   <a:schemeClr val="folHlink"/>
                 </a:solidFill>
@@ -9125,118 +9444,105 @@
           <a:lstStyle/>
           <a:p>
             <a:r>
-              <a:rPr lang="en-US" altLang="zh-CN" sz="2000" b="1">
-                <a:latin typeface="Courier New" panose="02070309020205020404" pitchFamily="49" charset="0"/>
-              </a:rPr>
-              <a:t>// area.c</a:t>
-            </a:r>
-          </a:p>
-          <a:p>
-            <a:r>
-              <a:rPr lang="en-US" altLang="zh-CN" sz="2000" b="1">
+              <a:rPr lang="en-US" altLang="zh-CN" sz="2000" b="1" dirty="0">
+                <a:latin typeface="Courier New" panose="02070309020205020404" pitchFamily="49" charset="0"/>
+              </a:rPr>
+              <a:t>// </a:t>
+            </a:r>
+            <a:r>
+              <a:rPr lang="en-US" altLang="zh-CN" sz="2000" b="1" dirty="0" err="1">
+                <a:latin typeface="Courier New" panose="02070309020205020404" pitchFamily="49" charset="0"/>
+              </a:rPr>
+              <a:t>area.c</a:t>
+            </a:r>
+            <a:endParaRPr lang="en-US" altLang="zh-CN" sz="2000" b="1" dirty="0">
+              <a:latin typeface="Courier New" panose="02070309020205020404" pitchFamily="49" charset="0"/>
+            </a:endParaRPr>
+          </a:p>
+          <a:p>
+            <a:r>
+              <a:rPr lang="en-US" altLang="zh-CN" sz="2000" b="1" dirty="0">
                 <a:solidFill>
                   <a:schemeClr val="hlink"/>
                 </a:solidFill>
                 <a:latin typeface="Courier New" panose="02070309020205020404" pitchFamily="49" charset="0"/>
               </a:rPr>
-              <a:t>double area (int r);</a:t>
-            </a:r>
-          </a:p>
-          <a:p>
-            <a:endParaRPr lang="en-US" altLang="zh-CN" sz="2000" b="1">
+              <a:t>double area(int r);</a:t>
+            </a:r>
+          </a:p>
+          <a:p>
+            <a:r>
+              <a:rPr lang="en-US" altLang="zh-CN" sz="2000" b="1" dirty="0">
+                <a:solidFill>
+                  <a:schemeClr val="folHlink"/>
+                </a:solidFill>
+                <a:latin typeface="Courier New" panose="02070309020205020404" pitchFamily="49" charset="0"/>
+              </a:rPr>
+              <a:t>#define PI 3.14</a:t>
+            </a:r>
+          </a:p>
+          <a:p>
+            <a:endParaRPr lang="en-US" altLang="zh-CN" sz="2000" b="1" dirty="0">
               <a:solidFill>
-                <a:schemeClr val="hlink"/>
+                <a:schemeClr val="folHlink"/>
               </a:solidFill>
               <a:latin typeface="Courier New" panose="02070309020205020404" pitchFamily="49" charset="0"/>
             </a:endParaRPr>
           </a:p>
           <a:p>
             <a:r>
-              <a:rPr lang="en-US" altLang="zh-CN" sz="2000" b="1">
+              <a:rPr lang="en-US" altLang="zh-CN" sz="2000" b="1" dirty="0">
                 <a:solidFill>
                   <a:schemeClr val="folHlink"/>
                 </a:solidFill>
                 <a:latin typeface="Courier New" panose="02070309020205020404" pitchFamily="49" charset="0"/>
               </a:rPr>
-              <a:t>#define PI 3.14</a:t>
-            </a:r>
-          </a:p>
-          <a:p>
-            <a:r>
-              <a:rPr lang="en-US" altLang="zh-CN" sz="2000" b="1">
+              <a:t>double area(int r){</a:t>
+            </a:r>
+          </a:p>
+          <a:p>
+            <a:r>
+              <a:rPr lang="en-US" altLang="zh-CN" sz="2000" b="1" dirty="0">
                 <a:solidFill>
                   <a:schemeClr val="folHlink"/>
                 </a:solidFill>
                 <a:latin typeface="Courier New" panose="02070309020205020404" pitchFamily="49" charset="0"/>
               </a:rPr>
-              <a:t>double area (int r)</a:t>
-            </a:r>
-          </a:p>
-          <a:p>
-            <a:r>
-              <a:rPr lang="en-US" altLang="zh-CN" sz="2000" b="1">
+              <a:t>  double f = </a:t>
+            </a:r>
+            <a:r>
+              <a:rPr lang="en-US" altLang="zh-CN" sz="2000" b="1" dirty="0">
+                <a:solidFill>
+                  <a:schemeClr val="hlink"/>
+                </a:solidFill>
+                <a:latin typeface="Courier New" panose="02070309020205020404" pitchFamily="49" charset="0"/>
+              </a:rPr>
+              <a:t>3.14</a:t>
+            </a:r>
+            <a:r>
+              <a:rPr lang="en-US" altLang="zh-CN" sz="2000" b="1" dirty="0">
                 <a:solidFill>
                   <a:schemeClr val="folHlink"/>
                 </a:solidFill>
                 <a:latin typeface="Courier New" panose="02070309020205020404" pitchFamily="49" charset="0"/>
               </a:rPr>
-              <a:t>{</a:t>
-            </a:r>
-          </a:p>
-          <a:p>
-            <a:r>
-              <a:rPr lang="en-US" altLang="zh-CN" sz="2000" b="1">
+              <a:t>*r*r;</a:t>
+            </a:r>
+          </a:p>
+          <a:p>
+            <a:r>
+              <a:rPr lang="en-US" altLang="zh-CN" sz="2000" b="1" dirty="0">
                 <a:solidFill>
                   <a:schemeClr val="folHlink"/>
                 </a:solidFill>
                 <a:latin typeface="Courier New" panose="02070309020205020404" pitchFamily="49" charset="0"/>
               </a:rPr>
-              <a:t>  double f = </a:t>
-            </a:r>
-            <a:r>
-              <a:rPr lang="en-US" altLang="zh-CN" sz="2000" b="1">
-                <a:solidFill>
-                  <a:schemeClr val="hlink"/>
-                </a:solidFill>
-                <a:latin typeface="Courier New" panose="02070309020205020404" pitchFamily="49" charset="0"/>
-              </a:rPr>
-              <a:t>3.14</a:t>
-            </a:r>
-            <a:r>
-              <a:rPr lang="en-US" altLang="zh-CN" sz="2000" b="1">
-                <a:solidFill>
-                  <a:schemeClr val="folHlink"/>
-                </a:solidFill>
-                <a:latin typeface="Courier New" panose="02070309020205020404" pitchFamily="49" charset="0"/>
-              </a:rPr>
-              <a:t>*r*r;</a:t>
-            </a:r>
-          </a:p>
-          <a:p>
-            <a:r>
-              <a:rPr lang="en-US" altLang="zh-CN" sz="2000" b="1">
-                <a:solidFill>
-                  <a:schemeClr val="folHlink"/>
-                </a:solidFill>
-                <a:latin typeface="Courier New" panose="02070309020205020404" pitchFamily="49" charset="0"/>
-              </a:rPr>
-              <a:t> </a:t>
-            </a:r>
-          </a:p>
-          <a:p>
-            <a:r>
-              <a:rPr lang="en-US" altLang="zh-CN" sz="2000" b="1">
-                <a:solidFill>
-                  <a:schemeClr val="folHlink"/>
-                </a:solidFill>
-                <a:latin typeface="Courier New" panose="02070309020205020404" pitchFamily="49" charset="0"/>
-              </a:rPr>
               <a:t>  return f;</a:t>
             </a:r>
           </a:p>
           <a:p>
             <a:r>
-              <a:rPr lang="en-US" altLang="zh-CN" sz="2000" b="1">
+              <a:rPr lang="en-US" altLang="zh-CN" sz="2000" b="1" dirty="0">
                 <a:solidFill>
                   <a:schemeClr val="folHlink"/>
                 </a:solidFill>
@@ -9442,36 +9748,63 @@
           <a:lstStyle/>
           <a:p>
             <a:r>
-              <a:rPr lang="en-US" altLang="zh-CN" sz="2000" b="1">
-                <a:latin typeface="Courier New" panose="02070309020205020404" pitchFamily="49" charset="0"/>
-              </a:rPr>
-              <a:t>// area.h</a:t>
-            </a:r>
-          </a:p>
-          <a:p>
-            <a:r>
-              <a:rPr lang="en-US" altLang="zh-CN" sz="2000" b="1">
+              <a:rPr lang="en-US" altLang="zh-CN" sz="2000" b="1" dirty="0">
+                <a:latin typeface="Courier New" panose="02070309020205020404" pitchFamily="49" charset="0"/>
+              </a:rPr>
+              <a:t>// </a:t>
+            </a:r>
+            <a:r>
+              <a:rPr lang="en-US" altLang="zh-CN" sz="2000" b="1" dirty="0" err="1">
+                <a:latin typeface="Courier New" panose="02070309020205020404" pitchFamily="49" charset="0"/>
+              </a:rPr>
+              <a:t>area.h</a:t>
+            </a:r>
+            <a:endParaRPr lang="en-US" altLang="zh-CN" sz="2000" b="1" dirty="0">
+              <a:latin typeface="Courier New" panose="02070309020205020404" pitchFamily="49" charset="0"/>
+            </a:endParaRPr>
+          </a:p>
+          <a:p>
+            <a:r>
+              <a:rPr lang="en-US" altLang="zh-CN" sz="2000" b="1" dirty="0">
                 <a:solidFill>
                   <a:schemeClr val="folHlink"/>
                 </a:solidFill>
                 <a:latin typeface="Courier New" panose="02070309020205020404" pitchFamily="49" charset="0"/>
               </a:rPr>
-              <a:t>#ifndef AREA_H</a:t>
-            </a:r>
-          </a:p>
-          <a:p>
-            <a:r>
-              <a:rPr lang="en-US" altLang="zh-CN" sz="2000" b="1">
+              <a:t>#</a:t>
+            </a:r>
+            <a:r>
+              <a:rPr lang="en-US" altLang="zh-CN" sz="2000" b="1" dirty="0" err="1">
                 <a:solidFill>
                   <a:schemeClr val="folHlink"/>
                 </a:solidFill>
                 <a:latin typeface="Courier New" panose="02070309020205020404" pitchFamily="49" charset="0"/>
               </a:rPr>
+              <a:t>ifndef</a:t>
+            </a:r>
+            <a:r>
+              <a:rPr lang="en-US" altLang="zh-CN" sz="2000" b="1" dirty="0">
+                <a:solidFill>
+                  <a:schemeClr val="folHlink"/>
+                </a:solidFill>
+                <a:latin typeface="Courier New" panose="02070309020205020404" pitchFamily="49" charset="0"/>
+              </a:rPr>
+              <a:t> AREA_H</a:t>
+            </a:r>
+          </a:p>
+          <a:p>
+            <a:r>
+              <a:rPr lang="en-US" altLang="zh-CN" sz="2000" b="1" dirty="0">
+                <a:solidFill>
+                  <a:schemeClr val="folHlink"/>
+                </a:solidFill>
+                <a:latin typeface="Courier New" panose="02070309020205020404" pitchFamily="49" charset="0"/>
+              </a:rPr>
               <a:t>#define AREA_H</a:t>
             </a:r>
           </a:p>
           <a:p>
-            <a:endParaRPr lang="en-US" altLang="zh-CN" sz="2000" b="1">
+            <a:endParaRPr lang="en-US" altLang="zh-CN" sz="2000" b="1" dirty="0">
               <a:solidFill>
                 <a:schemeClr val="folHlink"/>
               </a:solidFill>
@@ -9480,17 +9813,17 @@
           </a:p>
           <a:p>
             <a:r>
-              <a:rPr lang="en-US" altLang="zh-CN" sz="2000" b="1">
+              <a:rPr lang="en-US" altLang="zh-CN" sz="2000" b="1" dirty="0">
                 <a:solidFill>
                   <a:schemeClr val="folHlink"/>
                 </a:solidFill>
                 <a:latin typeface="Courier New" panose="02070309020205020404" pitchFamily="49" charset="0"/>
               </a:rPr>
-              <a:t>double area (int r);</a:t>
-            </a:r>
-          </a:p>
-          <a:p>
-            <a:endParaRPr lang="en-US" altLang="zh-CN" sz="2000" b="1">
+              <a:t>double area(int r);</a:t>
+            </a:r>
+          </a:p>
+          <a:p>
+            <a:endParaRPr lang="en-US" altLang="zh-CN" sz="2000" b="1" dirty="0">
               <a:solidFill>
                 <a:schemeClr val="folHlink"/>
               </a:solidFill>
@@ -9499,7 +9832,7 @@
           </a:p>
           <a:p>
             <a:r>
-              <a:rPr lang="en-US" altLang="zh-CN" sz="2000" b="1">
+              <a:rPr lang="en-US" altLang="zh-CN" sz="2000" b="1" dirty="0">
                 <a:solidFill>
                   <a:schemeClr val="folHlink"/>
                 </a:solidFill>
@@ -9563,15 +9896,24 @@
           <a:lstStyle/>
           <a:p>
             <a:r>
-              <a:rPr lang="en-US" altLang="zh-CN" sz="2000" b="1">
-                <a:latin typeface="Courier New" panose="02070309020205020404" pitchFamily="49" charset="0"/>
-              </a:rPr>
-              <a:t>// main.c</a:t>
-            </a:r>
-          </a:p>
-          <a:p>
-            <a:r>
-              <a:rPr lang="en-US" altLang="zh-CN" sz="2000" b="1">
+              <a:rPr lang="en-US" altLang="zh-CN" sz="2000" b="1" dirty="0">
+                <a:latin typeface="Courier New" panose="02070309020205020404" pitchFamily="49" charset="0"/>
+              </a:rPr>
+              <a:t>// </a:t>
+            </a:r>
+            <a:r>
+              <a:rPr lang="en-US" altLang="zh-CN" sz="2000" b="1" dirty="0" err="1">
+                <a:latin typeface="Courier New" panose="02070309020205020404" pitchFamily="49" charset="0"/>
+              </a:rPr>
+              <a:t>main.c</a:t>
+            </a:r>
+            <a:endParaRPr lang="en-US" altLang="zh-CN" sz="2000" b="1" dirty="0">
+              <a:latin typeface="Courier New" panose="02070309020205020404" pitchFamily="49" charset="0"/>
+            </a:endParaRPr>
+          </a:p>
+          <a:p>
+            <a:r>
+              <a:rPr lang="en-US" altLang="zh-CN" sz="2000" b="1" dirty="0">
                 <a:solidFill>
                   <a:schemeClr val="hlink"/>
                 </a:solidFill>
@@ -9582,29 +9924,29 @@
           </a:p>
           <a:p>
             <a:r>
-              <a:rPr lang="en-US" altLang="zh-CN" sz="2000" b="1">
+              <a:rPr lang="en-US" altLang="zh-CN" sz="2000" b="1" dirty="0">
                 <a:solidFill>
                   <a:schemeClr val="folHlink"/>
                 </a:solidFill>
                 <a:latin typeface="Courier New" panose="02070309020205020404" pitchFamily="49" charset="0"/>
               </a:rPr>
-              <a:t>int main () {</a:t>
-            </a:r>
-          </a:p>
-          <a:p>
-            <a:r>
-              <a:rPr lang="en-US" altLang="zh-CN" sz="2000" b="1">
+              <a:t>int main(){</a:t>
+            </a:r>
+          </a:p>
+          <a:p>
+            <a:r>
+              <a:rPr lang="en-US" altLang="zh-CN" sz="2000" b="1" dirty="0">
                 <a:solidFill>
                   <a:schemeClr val="folHlink"/>
                 </a:solidFill>
                 <a:latin typeface="Courier New" panose="02070309020205020404" pitchFamily="49" charset="0"/>
               </a:rPr>
-              <a:t>  area (5);</a:t>
-            </a:r>
-          </a:p>
-          <a:p>
-            <a:r>
-              <a:rPr lang="en-US" altLang="zh-CN" sz="2000" b="1">
+              <a:t>  area(5);</a:t>
+            </a:r>
+          </a:p>
+          <a:p>
+            <a:r>
+              <a:rPr lang="en-US" altLang="zh-CN" sz="2000" b="1" dirty="0">
                 <a:solidFill>
                   <a:schemeClr val="folHlink"/>
                 </a:solidFill>
@@ -9782,25 +10124,34 @@
           <a:lstStyle/>
           <a:p>
             <a:r>
-              <a:rPr lang="en-US" altLang="zh-CN" sz="2000" b="1">
-                <a:latin typeface="Courier New" panose="02070309020205020404" pitchFamily="49" charset="0"/>
-              </a:rPr>
-              <a:t>// area.c</a:t>
-            </a:r>
-          </a:p>
-          <a:p>
-            <a:r>
-              <a:rPr lang="en-US" altLang="zh-CN" sz="2000" b="1">
+              <a:rPr lang="en-US" altLang="zh-CN" sz="2000" b="1" dirty="0">
+                <a:latin typeface="Courier New" panose="02070309020205020404" pitchFamily="49" charset="0"/>
+              </a:rPr>
+              <a:t>// </a:t>
+            </a:r>
+            <a:r>
+              <a:rPr lang="en-US" altLang="zh-CN" sz="2000" b="1" dirty="0" err="1">
+                <a:latin typeface="Courier New" panose="02070309020205020404" pitchFamily="49" charset="0"/>
+              </a:rPr>
+              <a:t>area.c</a:t>
+            </a:r>
+            <a:endParaRPr lang="en-US" altLang="zh-CN" sz="2000" b="1" dirty="0">
+              <a:latin typeface="Courier New" panose="02070309020205020404" pitchFamily="49" charset="0"/>
+            </a:endParaRPr>
+          </a:p>
+          <a:p>
+            <a:r>
+              <a:rPr lang="en-US" altLang="zh-CN" sz="2000" b="1" dirty="0">
                 <a:solidFill>
                   <a:schemeClr val="hlink"/>
                 </a:solidFill>
                 <a:latin typeface="Courier New" panose="02070309020205020404" pitchFamily="49" charset="0"/>
               </a:rPr>
-              <a:t>double area (int r);</a:t>
-            </a:r>
-          </a:p>
-          <a:p>
-            <a:endParaRPr lang="en-US" altLang="zh-CN" sz="2000" b="1">
+              <a:t>double area(int r);</a:t>
+            </a:r>
+          </a:p>
+          <a:p>
+            <a:endParaRPr lang="en-US" altLang="zh-CN" sz="2000" b="1" dirty="0">
               <a:solidFill>
                 <a:schemeClr val="hlink"/>
               </a:solidFill>
@@ -9808,7 +10159,7 @@
             </a:endParaRPr>
           </a:p>
           <a:p>
-            <a:endParaRPr lang="en-US" altLang="zh-CN" sz="2000" b="1">
+            <a:endParaRPr lang="en-US" altLang="zh-CN" sz="2000" b="1" dirty="0">
               <a:solidFill>
                 <a:schemeClr val="folHlink"/>
               </a:solidFill>
@@ -9817,80 +10168,58 @@
           </a:p>
           <a:p>
             <a:r>
-              <a:rPr lang="en-US" altLang="zh-CN" sz="2000" b="1">
+              <a:rPr lang="en-US" altLang="zh-CN" sz="2000" b="1" dirty="0">
                 <a:solidFill>
                   <a:schemeClr val="folHlink"/>
                 </a:solidFill>
                 <a:latin typeface="Courier New" panose="02070309020205020404" pitchFamily="49" charset="0"/>
               </a:rPr>
-              <a:t>double area (int r)</a:t>
-            </a:r>
-          </a:p>
-          <a:p>
-            <a:r>
-              <a:rPr lang="en-US" altLang="zh-CN" sz="2000" b="1">
+              <a:t>double area(int r){</a:t>
+            </a:r>
+          </a:p>
+          <a:p>
+            <a:r>
+              <a:rPr lang="en-US" altLang="zh-CN" sz="2000" b="1" dirty="0">
                 <a:solidFill>
                   <a:schemeClr val="folHlink"/>
                 </a:solidFill>
                 <a:latin typeface="Courier New" panose="02070309020205020404" pitchFamily="49" charset="0"/>
               </a:rPr>
-              <a:t>{</a:t>
-            </a:r>
-          </a:p>
-          <a:p>
-            <a:r>
-              <a:rPr lang="en-US" altLang="zh-CN" sz="2000" b="1">
+              <a:t>  double f = </a:t>
+            </a:r>
+            <a:r>
+              <a:rPr lang="en-US" altLang="zh-CN" sz="2000" b="1" dirty="0">
+                <a:solidFill>
+                  <a:schemeClr val="hlink"/>
+                </a:solidFill>
+                <a:latin typeface="Courier New" panose="02070309020205020404" pitchFamily="49" charset="0"/>
+              </a:rPr>
+              <a:t>3.14</a:t>
+            </a:r>
+            <a:r>
+              <a:rPr lang="en-US" altLang="zh-CN" sz="2000" b="1" dirty="0">
                 <a:solidFill>
                   <a:schemeClr val="folHlink"/>
                 </a:solidFill>
                 <a:latin typeface="Courier New" panose="02070309020205020404" pitchFamily="49" charset="0"/>
               </a:rPr>
-              <a:t>  double f = </a:t>
-            </a:r>
-            <a:r>
-              <a:rPr lang="en-US" altLang="zh-CN" sz="2000" b="1">
-                <a:solidFill>
-                  <a:schemeClr val="hlink"/>
-                </a:solidFill>
-                <a:latin typeface="Courier New" panose="02070309020205020404" pitchFamily="49" charset="0"/>
-              </a:rPr>
-              <a:t>3.14</a:t>
-            </a:r>
-            <a:r>
-              <a:rPr lang="en-US" altLang="zh-CN" sz="2000" b="1">
+              <a:t>*r*r;</a:t>
+            </a:r>
+          </a:p>
+          <a:p>
+            <a:r>
+              <a:rPr lang="en-US" altLang="zh-CN" sz="2000" b="1" dirty="0">
                 <a:solidFill>
                   <a:schemeClr val="folHlink"/>
                 </a:solidFill>
                 <a:latin typeface="Courier New" panose="02070309020205020404" pitchFamily="49" charset="0"/>
               </a:rPr>
-              <a:t>*r*r;</a:t>
-            </a:r>
-          </a:p>
-          <a:p>
-            <a:r>
-              <a:rPr lang="en-US" altLang="zh-CN" sz="2000" b="1">
-                <a:solidFill>
-                  <a:schemeClr val="folHlink"/>
-                </a:solidFill>
-                <a:latin typeface="Courier New" panose="02070309020205020404" pitchFamily="49" charset="0"/>
-              </a:rPr>
-              <a:t> </a:t>
-            </a:r>
-          </a:p>
-          <a:p>
-            <a:r>
-              <a:rPr lang="en-US" altLang="zh-CN" sz="2000" b="1">
-                <a:solidFill>
-                  <a:schemeClr val="folHlink"/>
-                </a:solidFill>
-                <a:latin typeface="Courier New" panose="02070309020205020404" pitchFamily="49" charset="0"/>
-              </a:rPr>
               <a:t>  return f;</a:t>
             </a:r>
           </a:p>
           <a:p>
             <a:r>
-              <a:rPr lang="en-US" altLang="zh-CN" sz="2000" b="1">
+              <a:rPr lang="en-US" altLang="zh-CN" sz="2000" b="1" dirty="0">
                 <a:solidFill>
                   <a:schemeClr val="folHlink"/>
                 </a:solidFill>
@@ -10160,15 +10489,24 @@
           <a:lstStyle/>
           <a:p>
             <a:r>
-              <a:rPr lang="en-US" altLang="zh-CN" sz="2000" b="1">
-                <a:latin typeface="Courier New" panose="02070309020205020404" pitchFamily="49" charset="0"/>
-              </a:rPr>
-              <a:t>// main.c</a:t>
-            </a:r>
-          </a:p>
-          <a:p>
-            <a:r>
-              <a:rPr lang="en-US" altLang="zh-CN" sz="2000" b="1">
+              <a:rPr lang="en-US" altLang="zh-CN" sz="2000" b="1" dirty="0">
+                <a:latin typeface="Courier New" panose="02070309020205020404" pitchFamily="49" charset="0"/>
+              </a:rPr>
+              <a:t>// </a:t>
+            </a:r>
+            <a:r>
+              <a:rPr lang="en-US" altLang="zh-CN" sz="2000" b="1" dirty="0" err="1">
+                <a:latin typeface="Courier New" panose="02070309020205020404" pitchFamily="49" charset="0"/>
+              </a:rPr>
+              <a:t>main.c</a:t>
+            </a:r>
+            <a:endParaRPr lang="en-US" altLang="zh-CN" sz="2000" b="1" dirty="0">
+              <a:latin typeface="Courier New" panose="02070309020205020404" pitchFamily="49" charset="0"/>
+            </a:endParaRPr>
+          </a:p>
+          <a:p>
+            <a:r>
+              <a:rPr lang="en-US" altLang="zh-CN" sz="2000" b="1" dirty="0">
                 <a:solidFill>
                   <a:schemeClr val="hlink"/>
                 </a:solidFill>
@@ -10179,29 +10517,29 @@
           </a:p>
           <a:p>
             <a:r>
-              <a:rPr lang="en-US" altLang="zh-CN" sz="2000" b="1">
+              <a:rPr lang="en-US" altLang="zh-CN" sz="2000" b="1" dirty="0">
                 <a:solidFill>
                   <a:schemeClr val="folHlink"/>
                 </a:solidFill>
                 <a:latin typeface="Courier New" panose="02070309020205020404" pitchFamily="49" charset="0"/>
               </a:rPr>
-              <a:t>int main () {</a:t>
-            </a:r>
-          </a:p>
-          <a:p>
-            <a:r>
-              <a:rPr lang="en-US" altLang="zh-CN" sz="2000" b="1">
+              <a:t>int main(){</a:t>
+            </a:r>
+          </a:p>
+          <a:p>
+            <a:r>
+              <a:rPr lang="en-US" altLang="zh-CN" sz="2000" b="1" dirty="0">
                 <a:solidFill>
                   <a:schemeClr val="folHlink"/>
                 </a:solidFill>
                 <a:latin typeface="Courier New" panose="02070309020205020404" pitchFamily="49" charset="0"/>
               </a:rPr>
-              <a:t>  area (5);</a:t>
-            </a:r>
-          </a:p>
-          <a:p>
-            <a:r>
-              <a:rPr lang="en-US" altLang="zh-CN" sz="2000" b="1">
+              <a:t>  area(5);</a:t>
+            </a:r>
+          </a:p>
+          <a:p>
+            <a:r>
+              <a:rPr lang="en-US" altLang="zh-CN" sz="2000" b="1" dirty="0">
                 <a:solidFill>
                   <a:schemeClr val="folHlink"/>
                 </a:solidFill>
@@ -10379,25 +10717,34 @@
           <a:lstStyle/>
           <a:p>
             <a:r>
-              <a:rPr lang="en-US" altLang="zh-CN" sz="2000" b="1">
-                <a:latin typeface="Courier New" panose="02070309020205020404" pitchFamily="49" charset="0"/>
-              </a:rPr>
-              <a:t>// area.c</a:t>
-            </a:r>
-          </a:p>
-          <a:p>
-            <a:r>
-              <a:rPr lang="en-US" altLang="zh-CN" sz="2000" b="1">
+              <a:rPr lang="en-US" altLang="zh-CN" sz="2000" b="1" dirty="0">
+                <a:latin typeface="Courier New" panose="02070309020205020404" pitchFamily="49" charset="0"/>
+              </a:rPr>
+              <a:t>// </a:t>
+            </a:r>
+            <a:r>
+              <a:rPr lang="en-US" altLang="zh-CN" sz="2000" b="1" dirty="0" err="1">
+                <a:latin typeface="Courier New" panose="02070309020205020404" pitchFamily="49" charset="0"/>
+              </a:rPr>
+              <a:t>area.c</a:t>
+            </a:r>
+            <a:endParaRPr lang="en-US" altLang="zh-CN" sz="2000" b="1" dirty="0">
+              <a:latin typeface="Courier New" panose="02070309020205020404" pitchFamily="49" charset="0"/>
+            </a:endParaRPr>
+          </a:p>
+          <a:p>
+            <a:r>
+              <a:rPr lang="en-US" altLang="zh-CN" sz="2000" b="1" dirty="0">
                 <a:solidFill>
                   <a:schemeClr val="hlink"/>
                 </a:solidFill>
                 <a:latin typeface="Courier New" panose="02070309020205020404" pitchFamily="49" charset="0"/>
               </a:rPr>
-              <a:t>double area (int r);</a:t>
-            </a:r>
-          </a:p>
-          <a:p>
-            <a:endParaRPr lang="en-US" altLang="zh-CN" sz="2000" b="1">
+              <a:t>double area(int r);</a:t>
+            </a:r>
+          </a:p>
+          <a:p>
+            <a:endParaRPr lang="en-US" altLang="zh-CN" sz="2000" b="1" dirty="0">
               <a:solidFill>
                 <a:schemeClr val="hlink"/>
               </a:solidFill>
@@ -10405,7 +10752,7 @@
             </a:endParaRPr>
           </a:p>
           <a:p>
-            <a:endParaRPr lang="en-US" altLang="zh-CN" sz="2000" b="1">
+            <a:endParaRPr lang="en-US" altLang="zh-CN" sz="2000" b="1" dirty="0">
               <a:solidFill>
                 <a:schemeClr val="folHlink"/>
               </a:solidFill>
@@ -10414,80 +10761,58 @@
           </a:p>
           <a:p>
             <a:r>
-              <a:rPr lang="en-US" altLang="zh-CN" sz="2000" b="1">
+              <a:rPr lang="en-US" altLang="zh-CN" sz="2000" b="1" dirty="0">
                 <a:solidFill>
                   <a:schemeClr val="folHlink"/>
                 </a:solidFill>
                 <a:latin typeface="Courier New" panose="02070309020205020404" pitchFamily="49" charset="0"/>
               </a:rPr>
-              <a:t>double area (int r)</a:t>
-            </a:r>
-          </a:p>
-          <a:p>
-            <a:r>
-              <a:rPr lang="en-US" altLang="zh-CN" sz="2000" b="1">
+              <a:t>double area(int r){</a:t>
+            </a:r>
+          </a:p>
+          <a:p>
+            <a:r>
+              <a:rPr lang="en-US" altLang="zh-CN" sz="2000" b="1" dirty="0">
                 <a:solidFill>
                   <a:schemeClr val="folHlink"/>
                 </a:solidFill>
                 <a:latin typeface="Courier New" panose="02070309020205020404" pitchFamily="49" charset="0"/>
               </a:rPr>
-              <a:t>{</a:t>
-            </a:r>
-          </a:p>
-          <a:p>
-            <a:r>
-              <a:rPr lang="en-US" altLang="zh-CN" sz="2000" b="1">
+              <a:t>  double f = </a:t>
+            </a:r>
+            <a:r>
+              <a:rPr lang="en-US" altLang="zh-CN" sz="2000" b="1" dirty="0">
+                <a:solidFill>
+                  <a:schemeClr val="hlink"/>
+                </a:solidFill>
+                <a:latin typeface="Courier New" panose="02070309020205020404" pitchFamily="49" charset="0"/>
+              </a:rPr>
+              <a:t>3.14</a:t>
+            </a:r>
+            <a:r>
+              <a:rPr lang="en-US" altLang="zh-CN" sz="2000" b="1" dirty="0">
                 <a:solidFill>
                   <a:schemeClr val="folHlink"/>
                 </a:solidFill>
                 <a:latin typeface="Courier New" panose="02070309020205020404" pitchFamily="49" charset="0"/>
               </a:rPr>
-              <a:t>  double f = </a:t>
-            </a:r>
-            <a:r>
-              <a:rPr lang="en-US" altLang="zh-CN" sz="2000" b="1">
-                <a:solidFill>
-                  <a:schemeClr val="hlink"/>
-                </a:solidFill>
-                <a:latin typeface="Courier New" panose="02070309020205020404" pitchFamily="49" charset="0"/>
-              </a:rPr>
-              <a:t>3.14</a:t>
-            </a:r>
-            <a:r>
-              <a:rPr lang="en-US" altLang="zh-CN" sz="2000" b="1">
+              <a:t>*r*r;</a:t>
+            </a:r>
+          </a:p>
+          <a:p>
+            <a:r>
+              <a:rPr lang="en-US" altLang="zh-CN" sz="2000" b="1" dirty="0">
                 <a:solidFill>
                   <a:schemeClr val="folHlink"/>
                 </a:solidFill>
                 <a:latin typeface="Courier New" panose="02070309020205020404" pitchFamily="49" charset="0"/>
               </a:rPr>
-              <a:t>*r*r;</a:t>
-            </a:r>
-          </a:p>
-          <a:p>
-            <a:r>
-              <a:rPr lang="en-US" altLang="zh-CN" sz="2000" b="1">
-                <a:solidFill>
-                  <a:schemeClr val="folHlink"/>
-                </a:solidFill>
-                <a:latin typeface="Courier New" panose="02070309020205020404" pitchFamily="49" charset="0"/>
-              </a:rPr>
-              <a:t> </a:t>
-            </a:r>
-          </a:p>
-          <a:p>
-            <a:r>
-              <a:rPr lang="en-US" altLang="zh-CN" sz="2000" b="1">
-                <a:solidFill>
-                  <a:schemeClr val="folHlink"/>
-                </a:solidFill>
-                <a:latin typeface="Courier New" panose="02070309020205020404" pitchFamily="49" charset="0"/>
-              </a:rPr>
               <a:t>  return f;</a:t>
             </a:r>
           </a:p>
           <a:p>
             <a:r>
-              <a:rPr lang="en-US" altLang="zh-CN" sz="2000" b="1">
+              <a:rPr lang="en-US" altLang="zh-CN" sz="2000" b="1" dirty="0">
                 <a:solidFill>
                   <a:schemeClr val="folHlink"/>
                 </a:solidFill>
@@ -11146,15 +11471,24 @@
           <a:lstStyle/>
           <a:p>
             <a:r>
-              <a:rPr lang="en-US" altLang="zh-CN" sz="2000" b="1">
-                <a:latin typeface="Courier New" panose="02070309020205020404" pitchFamily="49" charset="0"/>
-              </a:rPr>
-              <a:t>// main.c</a:t>
-            </a:r>
-          </a:p>
-          <a:p>
-            <a:r>
-              <a:rPr lang="en-US" altLang="zh-CN" sz="2000" b="1">
+              <a:rPr lang="en-US" altLang="zh-CN" sz="2000" b="1" dirty="0">
+                <a:latin typeface="Courier New" panose="02070309020205020404" pitchFamily="49" charset="0"/>
+              </a:rPr>
+              <a:t>// </a:t>
+            </a:r>
+            <a:r>
+              <a:rPr lang="en-US" altLang="zh-CN" sz="2000" b="1" dirty="0" err="1">
+                <a:latin typeface="Courier New" panose="02070309020205020404" pitchFamily="49" charset="0"/>
+              </a:rPr>
+              <a:t>main.c</a:t>
+            </a:r>
+            <a:endParaRPr lang="en-US" altLang="zh-CN" sz="2000" b="1" dirty="0">
+              <a:latin typeface="Courier New" panose="02070309020205020404" pitchFamily="49" charset="0"/>
+            </a:endParaRPr>
+          </a:p>
+          <a:p>
+            <a:r>
+              <a:rPr lang="en-US" altLang="zh-CN" sz="2000" b="1" dirty="0">
                 <a:solidFill>
                   <a:schemeClr val="hlink"/>
                 </a:solidFill>
@@ -11165,29 +11499,29 @@
           </a:p>
           <a:p>
             <a:r>
-              <a:rPr lang="en-US" altLang="zh-CN" sz="2000" b="1">
+              <a:rPr lang="en-US" altLang="zh-CN" sz="2000" b="1" dirty="0">
                 <a:solidFill>
                   <a:schemeClr val="folHlink"/>
                 </a:solidFill>
                 <a:latin typeface="Courier New" panose="02070309020205020404" pitchFamily="49" charset="0"/>
               </a:rPr>
-              <a:t>int main () {</a:t>
-            </a:r>
-          </a:p>
-          <a:p>
-            <a:r>
-              <a:rPr lang="en-US" altLang="zh-CN" sz="2000" b="1">
+              <a:t>int main(){</a:t>
+            </a:r>
+          </a:p>
+          <a:p>
+            <a:r>
+              <a:rPr lang="en-US" altLang="zh-CN" sz="2000" b="1" dirty="0">
                 <a:solidFill>
                   <a:schemeClr val="folHlink"/>
                 </a:solidFill>
                 <a:latin typeface="Courier New" panose="02070309020205020404" pitchFamily="49" charset="0"/>
               </a:rPr>
-              <a:t>  area (5);</a:t>
-            </a:r>
-          </a:p>
-          <a:p>
-            <a:r>
-              <a:rPr lang="en-US" altLang="zh-CN" sz="2000" b="1">
+              <a:t>  area(5);</a:t>
+            </a:r>
+          </a:p>
+          <a:p>
+            <a:r>
+              <a:rPr lang="en-US" altLang="zh-CN" sz="2000" b="1" dirty="0">
                 <a:solidFill>
                   <a:schemeClr val="folHlink"/>
                 </a:solidFill>
@@ -11251,25 +11585,34 @@
           <a:lstStyle/>
           <a:p>
             <a:r>
-              <a:rPr lang="en-US" altLang="zh-CN" sz="2000" b="1">
-                <a:latin typeface="Courier New" panose="02070309020205020404" pitchFamily="49" charset="0"/>
-              </a:rPr>
-              <a:t>// area.c</a:t>
-            </a:r>
-          </a:p>
-          <a:p>
-            <a:r>
-              <a:rPr lang="en-US" altLang="zh-CN" sz="2000" b="1">
+              <a:rPr lang="en-US" altLang="zh-CN" sz="2000" b="1" dirty="0">
+                <a:latin typeface="Courier New" panose="02070309020205020404" pitchFamily="49" charset="0"/>
+              </a:rPr>
+              <a:t>// </a:t>
+            </a:r>
+            <a:r>
+              <a:rPr lang="en-US" altLang="zh-CN" sz="2000" b="1" dirty="0" err="1">
+                <a:latin typeface="Courier New" panose="02070309020205020404" pitchFamily="49" charset="0"/>
+              </a:rPr>
+              <a:t>area.c</a:t>
+            </a:r>
+            <a:endParaRPr lang="en-US" altLang="zh-CN" sz="2000" b="1" dirty="0">
+              <a:latin typeface="Courier New" panose="02070309020205020404" pitchFamily="49" charset="0"/>
+            </a:endParaRPr>
+          </a:p>
+          <a:p>
+            <a:r>
+              <a:rPr lang="en-US" altLang="zh-CN" sz="2000" b="1" dirty="0">
                 <a:solidFill>
                   <a:schemeClr val="hlink"/>
                 </a:solidFill>
                 <a:latin typeface="Courier New" panose="02070309020205020404" pitchFamily="49" charset="0"/>
               </a:rPr>
-              <a:t>double area (int r);</a:t>
-            </a:r>
-          </a:p>
-          <a:p>
-            <a:endParaRPr lang="en-US" altLang="zh-CN" sz="2000" b="1">
+              <a:t>double area(int r);</a:t>
+            </a:r>
+          </a:p>
+          <a:p>
+            <a:endParaRPr lang="en-US" altLang="zh-CN" sz="2000" b="1" dirty="0">
               <a:solidFill>
                 <a:schemeClr val="folHlink"/>
               </a:solidFill>
@@ -11278,80 +11621,58 @@
           </a:p>
           <a:p>
             <a:r>
-              <a:rPr lang="en-US" altLang="zh-CN" sz="2000" b="1">
+              <a:rPr lang="en-US" altLang="zh-CN" sz="2000" b="1" dirty="0">
                 <a:solidFill>
                   <a:schemeClr val="folHlink"/>
                 </a:solidFill>
                 <a:latin typeface="Courier New" panose="02070309020205020404" pitchFamily="49" charset="0"/>
               </a:rPr>
-              <a:t>double area (int r)</a:t>
-            </a:r>
-          </a:p>
-          <a:p>
-            <a:r>
-              <a:rPr lang="en-US" altLang="zh-CN" sz="2000" b="1">
+              <a:t>double area(int r){</a:t>
+            </a:r>
+          </a:p>
+          <a:p>
+            <a:r>
+              <a:rPr lang="en-US" altLang="zh-CN" sz="2000" b="1" dirty="0">
                 <a:solidFill>
                   <a:schemeClr val="folHlink"/>
                 </a:solidFill>
                 <a:latin typeface="Courier New" panose="02070309020205020404" pitchFamily="49" charset="0"/>
               </a:rPr>
-              <a:t>{</a:t>
-            </a:r>
-          </a:p>
-          <a:p>
-            <a:r>
-              <a:rPr lang="en-US" altLang="zh-CN" sz="2000" b="1">
+              <a:t>  double f = </a:t>
+            </a:r>
+            <a:r>
+              <a:rPr lang="en-US" altLang="zh-CN" sz="2000" b="1" dirty="0">
+                <a:solidFill>
+                  <a:schemeClr val="hlink"/>
+                </a:solidFill>
+                <a:latin typeface="Courier New" panose="02070309020205020404" pitchFamily="49" charset="0"/>
+              </a:rPr>
+              <a:t>3.14</a:t>
+            </a:r>
+            <a:r>
+              <a:rPr lang="en-US" altLang="zh-CN" sz="2000" b="1" dirty="0">
                 <a:solidFill>
                   <a:schemeClr val="folHlink"/>
                 </a:solidFill>
                 <a:latin typeface="Courier New" panose="02070309020205020404" pitchFamily="49" charset="0"/>
               </a:rPr>
-              <a:t>  double f = </a:t>
-            </a:r>
-            <a:r>
-              <a:rPr lang="en-US" altLang="zh-CN" sz="2000" b="1">
-                <a:solidFill>
-                  <a:schemeClr val="hlink"/>
-                </a:solidFill>
-                <a:latin typeface="Courier New" panose="02070309020205020404" pitchFamily="49" charset="0"/>
-              </a:rPr>
-              <a:t>3.14</a:t>
-            </a:r>
-            <a:r>
-              <a:rPr lang="en-US" altLang="zh-CN" sz="2000" b="1">
+              <a:t>*r*r;</a:t>
+            </a:r>
+          </a:p>
+          <a:p>
+            <a:r>
+              <a:rPr lang="en-US" altLang="zh-CN" sz="2000" b="1" dirty="0">
                 <a:solidFill>
                   <a:schemeClr val="folHlink"/>
                 </a:solidFill>
                 <a:latin typeface="Courier New" panose="02070309020205020404" pitchFamily="49" charset="0"/>
               </a:rPr>
-              <a:t>*r*r;</a:t>
-            </a:r>
-          </a:p>
-          <a:p>
-            <a:r>
-              <a:rPr lang="en-US" altLang="zh-CN" sz="2000" b="1">
-                <a:solidFill>
-                  <a:schemeClr val="folHlink"/>
-                </a:solidFill>
-                <a:latin typeface="Courier New" panose="02070309020205020404" pitchFamily="49" charset="0"/>
-              </a:rPr>
-              <a:t> </a:t>
-            </a:r>
-          </a:p>
-          <a:p>
-            <a:r>
-              <a:rPr lang="en-US" altLang="zh-CN" sz="2000" b="1">
-                <a:solidFill>
-                  <a:schemeClr val="folHlink"/>
-                </a:solidFill>
-                <a:latin typeface="Courier New" panose="02070309020205020404" pitchFamily="49" charset="0"/>
-              </a:rPr>
               <a:t>  return f;</a:t>
             </a:r>
           </a:p>
           <a:p>
             <a:r>
-              <a:rPr lang="en-US" altLang="zh-CN" sz="2000" b="1">
+              <a:rPr lang="en-US" altLang="zh-CN" sz="2000" b="1" dirty="0">
                 <a:solidFill>
                   <a:schemeClr val="folHlink"/>
                 </a:solidFill>
@@ -13061,48 +13382,66 @@
           <a:lstStyle/>
           <a:p>
             <a:r>
+              <a:rPr lang="en-US" altLang="zh-CN" sz="2000" b="1" dirty="0">
+                <a:latin typeface="Courier New" panose="02070309020205020404" pitchFamily="49" charset="0"/>
+              </a:rPr>
+              <a:t>// </a:t>
+            </a:r>
+            <a:r>
+              <a:rPr lang="en-US" altLang="zh-CN" sz="2000" b="1" dirty="0" err="1">
+                <a:latin typeface="Courier New" panose="02070309020205020404" pitchFamily="49" charset="0"/>
+              </a:rPr>
+              <a:t>main.c</a:t>
+            </a:r>
+            <a:endParaRPr lang="en-US" altLang="zh-CN" sz="2000" b="1" dirty="0">
+              <a:latin typeface="Courier New" panose="02070309020205020404" pitchFamily="49" charset="0"/>
+            </a:endParaRPr>
+          </a:p>
+          <a:p>
+            <a:r>
+              <a:rPr lang="en-US" altLang="zh-CN" sz="2000" b="1" dirty="0">
+                <a:solidFill>
+                  <a:schemeClr val="hlink"/>
+                </a:solidFill>
+                <a:latin typeface="Courier New" panose="02070309020205020404" pitchFamily="49" charset="0"/>
+              </a:rPr>
+              <a:t>double area(int r);</a:t>
+            </a:r>
+          </a:p>
+          <a:p>
+            <a:r>
+              <a:rPr lang="en-US" altLang="zh-CN" sz="2000" b="1" dirty="0">
+                <a:solidFill>
+                  <a:schemeClr val="folHlink"/>
+                </a:solidFill>
+                <a:latin typeface="Courier New" panose="02070309020205020404" pitchFamily="49" charset="0"/>
+              </a:rPr>
+              <a:t>int main(){</a:t>
+            </a:r>
+          </a:p>
+          <a:p>
+            <a:r>
               <a:rPr lang="en-US" altLang="zh-CN" sz="2000" b="1">
-                <a:latin typeface="Courier New" panose="02070309020205020404" pitchFamily="49" charset="0"/>
-              </a:rPr>
-              <a:t>// main.c</a:t>
-            </a:r>
-          </a:p>
-          <a:p>
-            <a:r>
-              <a:rPr lang="en-US" altLang="zh-CN" sz="2000" b="1">
-                <a:solidFill>
-                  <a:schemeClr val="hlink"/>
-                </a:solidFill>
-                <a:latin typeface="Courier New" panose="02070309020205020404" pitchFamily="49" charset="0"/>
-              </a:rPr>
-              <a:t>double area(int r);</a:t>
-            </a:r>
-          </a:p>
-          <a:p>
-            <a:r>
-              <a:rPr lang="en-US" altLang="zh-CN" sz="2000" b="1">
                 <a:solidFill>
                   <a:schemeClr val="folHlink"/>
                 </a:solidFill>
                 <a:latin typeface="Courier New" panose="02070309020205020404" pitchFamily="49" charset="0"/>
               </a:rPr>
-              <a:t>int main () {</a:t>
-            </a:r>
-          </a:p>
-          <a:p>
-            <a:r>
-              <a:rPr lang="en-US" altLang="zh-CN" sz="2000" b="1">
+              <a:t>  area(</a:t>
+            </a:r>
+            <a:r>
+              <a:rPr lang="en-US" altLang="zh-CN" sz="2000" b="1" dirty="0">
                 <a:solidFill>
                   <a:schemeClr val="folHlink"/>
                 </a:solidFill>
                 <a:latin typeface="Courier New" panose="02070309020205020404" pitchFamily="49" charset="0"/>
               </a:rPr>
-              <a:t>  area (5);</a:t>
-            </a:r>
-          </a:p>
-          <a:p>
-            <a:r>
-              <a:rPr lang="en-US" altLang="zh-CN" sz="2000" b="1">
+              <a:t>5);</a:t>
+            </a:r>
+          </a:p>
+          <a:p>
+            <a:r>
+              <a:rPr lang="en-US" altLang="zh-CN" sz="2000" b="1" dirty="0">
                 <a:solidFill>
                   <a:schemeClr val="folHlink"/>
                 </a:solidFill>
@@ -13166,25 +13505,34 @@
           <a:lstStyle/>
           <a:p>
             <a:r>
-              <a:rPr lang="en-US" altLang="zh-CN" sz="2000" b="1">
-                <a:latin typeface="Courier New" panose="02070309020205020404" pitchFamily="49" charset="0"/>
-              </a:rPr>
-              <a:t>// area.c</a:t>
-            </a:r>
-          </a:p>
-          <a:p>
-            <a:r>
-              <a:rPr lang="en-US" altLang="zh-CN" sz="2000" b="1">
+              <a:rPr lang="en-US" altLang="zh-CN" sz="2000" b="1" dirty="0">
+                <a:latin typeface="Courier New" panose="02070309020205020404" pitchFamily="49" charset="0"/>
+              </a:rPr>
+              <a:t>// </a:t>
+            </a:r>
+            <a:r>
+              <a:rPr lang="en-US" altLang="zh-CN" sz="2000" b="1" dirty="0" err="1">
+                <a:latin typeface="Courier New" panose="02070309020205020404" pitchFamily="49" charset="0"/>
+              </a:rPr>
+              <a:t>area.c</a:t>
+            </a:r>
+            <a:endParaRPr lang="en-US" altLang="zh-CN" sz="2000" b="1" dirty="0">
+              <a:latin typeface="Courier New" panose="02070309020205020404" pitchFamily="49" charset="0"/>
+            </a:endParaRPr>
+          </a:p>
+          <a:p>
+            <a:r>
+              <a:rPr lang="en-US" altLang="zh-CN" sz="2000" b="1" dirty="0">
                 <a:solidFill>
                   <a:schemeClr val="hlink"/>
                 </a:solidFill>
                 <a:latin typeface="Courier New" panose="02070309020205020404" pitchFamily="49" charset="0"/>
               </a:rPr>
-              <a:t>double area (int r);</a:t>
-            </a:r>
-          </a:p>
-          <a:p>
-            <a:endParaRPr lang="en-US" altLang="zh-CN" sz="2000" b="1">
+              <a:t>double area(int r);</a:t>
+            </a:r>
+          </a:p>
+          <a:p>
+            <a:endParaRPr lang="en-US" altLang="zh-CN" sz="2000" b="1" dirty="0">
               <a:solidFill>
                 <a:schemeClr val="folHlink"/>
               </a:solidFill>
@@ -13193,80 +13541,58 @@
           </a:p>
           <a:p>
             <a:r>
-              <a:rPr lang="en-US" altLang="zh-CN" sz="2000" b="1">
+              <a:rPr lang="en-US" altLang="zh-CN" sz="2000" b="1" dirty="0">
                 <a:solidFill>
                   <a:schemeClr val="folHlink"/>
                 </a:solidFill>
                 <a:latin typeface="Courier New" panose="02070309020205020404" pitchFamily="49" charset="0"/>
               </a:rPr>
-              <a:t>double area (int r)</a:t>
-            </a:r>
-          </a:p>
-          <a:p>
-            <a:r>
-              <a:rPr lang="en-US" altLang="zh-CN" sz="2000" b="1">
+              <a:t>double area(int r){</a:t>
+            </a:r>
+          </a:p>
+          <a:p>
+            <a:r>
+              <a:rPr lang="en-US" altLang="zh-CN" sz="2000" b="1" dirty="0">
                 <a:solidFill>
                   <a:schemeClr val="folHlink"/>
                 </a:solidFill>
                 <a:latin typeface="Courier New" panose="02070309020205020404" pitchFamily="49" charset="0"/>
               </a:rPr>
-              <a:t>{</a:t>
-            </a:r>
-          </a:p>
-          <a:p>
-            <a:r>
-              <a:rPr lang="en-US" altLang="zh-CN" sz="2000" b="1">
+              <a:t>  double f = </a:t>
+            </a:r>
+            <a:r>
+              <a:rPr lang="en-US" altLang="zh-CN" sz="2000" b="1" dirty="0">
+                <a:solidFill>
+                  <a:schemeClr val="hlink"/>
+                </a:solidFill>
+                <a:latin typeface="Courier New" panose="02070309020205020404" pitchFamily="49" charset="0"/>
+              </a:rPr>
+              <a:t>3.14</a:t>
+            </a:r>
+            <a:r>
+              <a:rPr lang="en-US" altLang="zh-CN" sz="2000" b="1" dirty="0">
                 <a:solidFill>
                   <a:schemeClr val="folHlink"/>
                 </a:solidFill>
                 <a:latin typeface="Courier New" panose="02070309020205020404" pitchFamily="49" charset="0"/>
               </a:rPr>
-              <a:t>  double f = </a:t>
-            </a:r>
-            <a:r>
-              <a:rPr lang="en-US" altLang="zh-CN" sz="2000" b="1">
-                <a:solidFill>
-                  <a:schemeClr val="hlink"/>
-                </a:solidFill>
-                <a:latin typeface="Courier New" panose="02070309020205020404" pitchFamily="49" charset="0"/>
-              </a:rPr>
-              <a:t>3.14</a:t>
-            </a:r>
-            <a:r>
-              <a:rPr lang="en-US" altLang="zh-CN" sz="2000" b="1">
+              <a:t>*r*r;</a:t>
+            </a:r>
+          </a:p>
+          <a:p>
+            <a:r>
+              <a:rPr lang="en-US" altLang="zh-CN" sz="2000" b="1" dirty="0">
                 <a:solidFill>
                   <a:schemeClr val="folHlink"/>
                 </a:solidFill>
                 <a:latin typeface="Courier New" panose="02070309020205020404" pitchFamily="49" charset="0"/>
               </a:rPr>
-              <a:t>*r*r;</a:t>
-            </a:r>
-          </a:p>
-          <a:p>
-            <a:r>
-              <a:rPr lang="en-US" altLang="zh-CN" sz="2000" b="1">
-                <a:solidFill>
-                  <a:schemeClr val="folHlink"/>
-                </a:solidFill>
-                <a:latin typeface="Courier New" panose="02070309020205020404" pitchFamily="49" charset="0"/>
-              </a:rPr>
-              <a:t> </a:t>
-            </a:r>
-          </a:p>
-          <a:p>
-            <a:r>
-              <a:rPr lang="en-US" altLang="zh-CN" sz="2000" b="1">
-                <a:solidFill>
-                  <a:schemeClr val="folHlink"/>
-                </a:solidFill>
-                <a:latin typeface="Courier New" panose="02070309020205020404" pitchFamily="49" charset="0"/>
-              </a:rPr>
               <a:t>  return f;</a:t>
             </a:r>
           </a:p>
           <a:p>
             <a:r>
-              <a:rPr lang="en-US" altLang="zh-CN" sz="2000" b="1">
+              <a:rPr lang="en-US" altLang="zh-CN" sz="2000" b="1" dirty="0">
                 <a:solidFill>
                   <a:schemeClr val="folHlink"/>
                 </a:solidFill>
@@ -23002,13 +23328,13 @@
               <a:buNone/>
             </a:pPr>
             <a:r>
-              <a:rPr lang="en-US" altLang="zh-CN" sz="2000" b="1">
+              <a:rPr lang="en-US" altLang="zh-CN" sz="2000" b="1" dirty="0">
                 <a:solidFill>
                   <a:schemeClr val="folHlink"/>
                 </a:solidFill>
                 <a:latin typeface="Courier New" panose="02070309020205020404" pitchFamily="49" charset="0"/>
               </a:rPr>
-              <a:t>double area (int r);</a:t>
+              <a:t>double area(int r);</a:t>
             </a:r>
           </a:p>
           <a:p>
@@ -23019,7 +23345,7 @@
               <a:buFont typeface="Wingdings" pitchFamily="2" charset="2"/>
               <a:buNone/>
             </a:pPr>
-            <a:endParaRPr lang="en-US" altLang="zh-CN" sz="2000" b="1">
+            <a:endParaRPr lang="en-US" altLang="zh-CN" sz="2000" b="1" dirty="0">
               <a:solidFill>
                 <a:schemeClr val="folHlink"/>
               </a:solidFill>
@@ -23035,13 +23361,13 @@
               <a:buNone/>
             </a:pPr>
             <a:r>
-              <a:rPr lang="en-US" altLang="zh-CN" sz="2000" b="1">
+              <a:rPr lang="en-US" altLang="zh-CN" sz="2000" b="1" dirty="0">
                 <a:solidFill>
                   <a:schemeClr val="folHlink"/>
                 </a:solidFill>
                 <a:latin typeface="Courier New" panose="02070309020205020404" pitchFamily="49" charset="0"/>
               </a:rPr>
-              <a:t>double area (int r)</a:t>
+              <a:t>double area(int r){</a:t>
             </a:r>
           </a:p>
           <a:p>
@@ -23053,13 +23379,13 @@
               <a:buNone/>
             </a:pPr>
             <a:r>
-              <a:rPr lang="en-US" altLang="zh-CN" sz="2000" b="1">
+              <a:rPr lang="en-US" altLang="zh-CN" sz="2000" b="1" dirty="0">
                 <a:solidFill>
                   <a:schemeClr val="folHlink"/>
                 </a:solidFill>
                 <a:latin typeface="Courier New" panose="02070309020205020404" pitchFamily="49" charset="0"/>
               </a:rPr>
-              <a:t>{</a:t>
+              <a:t>  double pi = 3.14;</a:t>
             </a:r>
           </a:p>
           <a:p>
@@ -23071,13 +23397,13 @@
               <a:buNone/>
             </a:pPr>
             <a:r>
-              <a:rPr lang="en-US" altLang="zh-CN" sz="2000" b="1">
+              <a:rPr lang="en-US" altLang="zh-CN" sz="2000" b="1" dirty="0">
                 <a:solidFill>
                   <a:schemeClr val="folHlink"/>
                 </a:solidFill>
                 <a:latin typeface="Courier New" panose="02070309020205020404" pitchFamily="49" charset="0"/>
               </a:rPr>
-              <a:t>  double pi = 3.14;</a:t>
+              <a:t>  return pi*r*r;</a:t>
             </a:r>
           </a:p>
           <a:p>
@@ -23089,13 +23415,13 @@
               <a:buNone/>
             </a:pPr>
             <a:r>
-              <a:rPr lang="en-US" altLang="zh-CN" sz="2000" b="1">
+              <a:rPr lang="en-US" altLang="zh-CN" sz="2000" b="1" dirty="0">
                 <a:solidFill>
                   <a:schemeClr val="folHlink"/>
                 </a:solidFill>
                 <a:latin typeface="Courier New" panose="02070309020205020404" pitchFamily="49" charset="0"/>
               </a:rPr>
-              <a:t>  return (pi*r*r);</a:t>
+              <a:t>}</a:t>
             </a:r>
           </a:p>
           <a:p>
@@ -23106,15 +23432,12 @@
               <a:buFont typeface="Wingdings" pitchFamily="2" charset="2"/>
               <a:buNone/>
             </a:pPr>
-            <a:r>
-              <a:rPr lang="en-US" altLang="zh-CN" sz="2000" b="1">
-                <a:solidFill>
-                  <a:schemeClr val="folHlink"/>
-                </a:solidFill>
-                <a:latin typeface="Courier New" panose="02070309020205020404" pitchFamily="49" charset="0"/>
-              </a:rPr>
-              <a:t>}</a:t>
-            </a:r>
+            <a:endParaRPr lang="en-US" altLang="zh-CN" sz="2000" b="1" dirty="0">
+              <a:solidFill>
+                <a:schemeClr val="folHlink"/>
+              </a:solidFill>
+              <a:latin typeface="Courier New" panose="02070309020205020404" pitchFamily="49" charset="0"/>
+            </a:endParaRPr>
           </a:p>
           <a:p>
             <a:pPr>
@@ -23124,12 +23447,15 @@
               <a:buFont typeface="Wingdings" pitchFamily="2" charset="2"/>
               <a:buNone/>
             </a:pPr>
-            <a:endParaRPr lang="en-US" altLang="zh-CN" sz="2000" b="1">
-              <a:solidFill>
-                <a:schemeClr val="folHlink"/>
-              </a:solidFill>
-              <a:latin typeface="Courier New" panose="02070309020205020404" pitchFamily="49" charset="0"/>
-            </a:endParaRPr>
+            <a:r>
+              <a:rPr lang="en-US" altLang="zh-CN" sz="2000" b="1" dirty="0">
+                <a:solidFill>
+                  <a:schemeClr val="folHlink"/>
+                </a:solidFill>
+                <a:latin typeface="Courier New" panose="02070309020205020404" pitchFamily="49" charset="0"/>
+              </a:rPr>
+              <a:t>int main(){</a:t>
+            </a:r>
           </a:p>
           <a:p>
             <a:pPr>
@@ -23140,13 +23466,13 @@
               <a:buNone/>
             </a:pPr>
             <a:r>
-              <a:rPr lang="en-US" altLang="zh-CN" sz="2000" b="1">
+              <a:rPr lang="en-US" altLang="zh-CN" sz="2000" b="1" dirty="0">
                 <a:solidFill>
                   <a:schemeClr val="folHlink"/>
                 </a:solidFill>
                 <a:latin typeface="Courier New" panose="02070309020205020404" pitchFamily="49" charset="0"/>
               </a:rPr>
-              <a:t>int main()</a:t>
+              <a:t>  double f;</a:t>
             </a:r>
           </a:p>
           <a:p>
@@ -23158,13 +23484,13 @@
               <a:buNone/>
             </a:pPr>
             <a:r>
-              <a:rPr lang="en-US" altLang="zh-CN" sz="2000" b="1">
+              <a:rPr lang="en-US" altLang="zh-CN" sz="2000" b="1" dirty="0">
                 <a:solidFill>
                   <a:schemeClr val="folHlink"/>
                 </a:solidFill>
                 <a:latin typeface="Courier New" panose="02070309020205020404" pitchFamily="49" charset="0"/>
               </a:rPr>
-              <a:t>{</a:t>
+              <a:t>  f = area(5);</a:t>
             </a:r>
           </a:p>
           <a:p>
@@ -23176,13 +23502,13 @@
               <a:buNone/>
             </a:pPr>
             <a:r>
-              <a:rPr lang="en-US" altLang="zh-CN" sz="2000" b="1">
+              <a:rPr lang="en-US" altLang="zh-CN" sz="2000" b="1" dirty="0">
                 <a:solidFill>
                   <a:schemeClr val="folHlink"/>
                 </a:solidFill>
                 <a:latin typeface="Courier New" panose="02070309020205020404" pitchFamily="49" charset="0"/>
               </a:rPr>
-              <a:t>  double f;</a:t>
+              <a:t>  return 0;</a:t>
             </a:r>
           </a:p>
           <a:p>
@@ -23194,51 +23520,15 @@
               <a:buNone/>
             </a:pPr>
             <a:r>
-              <a:rPr lang="en-US" altLang="zh-CN" sz="2000" b="1">
+              <a:rPr lang="en-US" altLang="zh-CN" sz="2000" b="1" dirty="0">
                 <a:solidFill>
                   <a:schemeClr val="folHlink"/>
                 </a:solidFill>
                 <a:latin typeface="Courier New" panose="02070309020205020404" pitchFamily="49" charset="0"/>
               </a:rPr>
-              <a:t>  f = area(5);</a:t>
-            </a:r>
-          </a:p>
-          <a:p>
-            <a:pPr>
-              <a:lnSpc>
-                <a:spcPct val="80000"/>
-              </a:lnSpc>
-              <a:buFont typeface="Wingdings" pitchFamily="2" charset="2"/>
-              <a:buNone/>
-            </a:pPr>
-            <a:r>
-              <a:rPr lang="en-US" altLang="zh-CN" sz="2000" b="1">
-                <a:solidFill>
-                  <a:schemeClr val="folHlink"/>
-                </a:solidFill>
-                <a:latin typeface="Courier New" panose="02070309020205020404" pitchFamily="49" charset="0"/>
-              </a:rPr>
-              <a:t>  return 0;</a:t>
-            </a:r>
-          </a:p>
-          <a:p>
-            <a:pPr>
-              <a:lnSpc>
-                <a:spcPct val="80000"/>
-              </a:lnSpc>
-              <a:buFont typeface="Wingdings" pitchFamily="2" charset="2"/>
-              <a:buNone/>
-            </a:pPr>
-            <a:r>
-              <a:rPr lang="en-US" altLang="zh-CN" sz="2000" b="1">
-                <a:solidFill>
-                  <a:schemeClr val="folHlink"/>
-                </a:solidFill>
-                <a:latin typeface="Courier New" panose="02070309020205020404" pitchFamily="49" charset="0"/>
-              </a:rPr>
               <a:t>}</a:t>
             </a:r>
-            <a:endParaRPr lang="en-US" altLang="zh-CN" sz="2000"/>
+            <a:endParaRPr lang="en-US" altLang="zh-CN" sz="2000" dirty="0"/>
           </a:p>
         </p:txBody>
       </p:sp>
@@ -23348,14 +23638,23 @@
           <a:lstStyle/>
           <a:p>
             <a:r>
-              <a:rPr lang="en-US" altLang="zh-CN" sz="2000" b="1">
-                <a:latin typeface="Courier New" panose="02070309020205020404" pitchFamily="49" charset="0"/>
-              </a:rPr>
-              <a:t>// main.c</a:t>
-            </a:r>
-          </a:p>
-          <a:p>
-            <a:endParaRPr lang="en-US" altLang="zh-CN" sz="2000" b="1">
+              <a:rPr lang="en-US" altLang="zh-CN" sz="2000" b="1" dirty="0">
+                <a:latin typeface="Courier New" panose="02070309020205020404" pitchFamily="49" charset="0"/>
+              </a:rPr>
+              <a:t>// </a:t>
+            </a:r>
+            <a:r>
+              <a:rPr lang="en-US" altLang="zh-CN" sz="2000" b="1" dirty="0" err="1">
+                <a:latin typeface="Courier New" panose="02070309020205020404" pitchFamily="49" charset="0"/>
+              </a:rPr>
+              <a:t>main.c</a:t>
+            </a:r>
+            <a:endParaRPr lang="en-US" altLang="zh-CN" sz="2000" b="1" dirty="0">
+              <a:latin typeface="Courier New" panose="02070309020205020404" pitchFamily="49" charset="0"/>
+            </a:endParaRPr>
+          </a:p>
+          <a:p>
+            <a:endParaRPr lang="en-US" altLang="zh-CN" sz="2000" b="1" dirty="0">
               <a:solidFill>
                 <a:schemeClr val="folHlink"/>
               </a:solidFill>
@@ -23364,62 +23663,51 @@
           </a:p>
           <a:p>
             <a:r>
-              <a:rPr lang="en-US" altLang="zh-CN" sz="2000" b="1">
+              <a:rPr lang="en-US" altLang="zh-CN" sz="2000" b="1" dirty="0">
                 <a:solidFill>
                   <a:schemeClr val="folHlink"/>
                 </a:solidFill>
                 <a:latin typeface="Courier New" panose="02070309020205020404" pitchFamily="49" charset="0"/>
               </a:rPr>
-              <a:t>int main ()</a:t>
-            </a:r>
-          </a:p>
-          <a:p>
-            <a:r>
-              <a:rPr lang="en-US" altLang="zh-CN" sz="2000" b="1">
+              <a:t>int main(){</a:t>
+            </a:r>
+          </a:p>
+          <a:p>
+            <a:r>
+              <a:rPr lang="en-US" altLang="zh-CN" sz="2000" b="1" dirty="0">
                 <a:solidFill>
                   <a:schemeClr val="folHlink"/>
                 </a:solidFill>
                 <a:latin typeface="Courier New" panose="02070309020205020404" pitchFamily="49" charset="0"/>
               </a:rPr>
-              <a:t>{</a:t>
-            </a:r>
-          </a:p>
-          <a:p>
-            <a:r>
-              <a:rPr lang="en-US" altLang="zh-CN" sz="2000" b="1">
+              <a:t>  double f;</a:t>
+            </a:r>
+          </a:p>
+          <a:p>
+            <a:r>
+              <a:rPr lang="en-US" altLang="zh-CN" sz="2000" b="1" dirty="0">
                 <a:solidFill>
                   <a:schemeClr val="folHlink"/>
                 </a:solidFill>
                 <a:latin typeface="Courier New" panose="02070309020205020404" pitchFamily="49" charset="0"/>
               </a:rPr>
-              <a:t>  double f;</a:t>
-            </a:r>
-          </a:p>
-          <a:p>
-            <a:r>
-              <a:rPr lang="en-US" altLang="zh-CN" sz="2000" b="1">
+              <a:t>  f = area (5);</a:t>
+            </a:r>
+          </a:p>
+          <a:p>
+            <a:r>
+              <a:rPr lang="en-US" altLang="zh-CN" sz="2000" b="1" dirty="0">
                 <a:solidFill>
                   <a:schemeClr val="folHlink"/>
                 </a:solidFill>
                 <a:latin typeface="Courier New" panose="02070309020205020404" pitchFamily="49" charset="0"/>
               </a:rPr>
-              <a:t>  f = area (5);</a:t>
-            </a:r>
-          </a:p>
-          <a:p>
-            <a:r>
-              <a:rPr lang="en-US" altLang="zh-CN" sz="2000" b="1">
-                <a:solidFill>
-                  <a:schemeClr val="folHlink"/>
-                </a:solidFill>
-                <a:latin typeface="Courier New" panose="02070309020205020404" pitchFamily="49" charset="0"/>
-              </a:rPr>
               <a:t>  return 0;</a:t>
             </a:r>
           </a:p>
           <a:p>
             <a:r>
-              <a:rPr lang="en-US" altLang="zh-CN" sz="2000" b="1">
+              <a:rPr lang="en-US" altLang="zh-CN" sz="2000" b="1" dirty="0">
                 <a:solidFill>
                   <a:schemeClr val="folHlink"/>
                 </a:solidFill>
@@ -23483,25 +23771,34 @@
           <a:lstStyle/>
           <a:p>
             <a:r>
-              <a:rPr lang="en-US" altLang="zh-CN" sz="2000" b="1">
-                <a:latin typeface="Courier New" panose="02070309020205020404" pitchFamily="49" charset="0"/>
-              </a:rPr>
-              <a:t>// area.c</a:t>
-            </a:r>
-          </a:p>
-          <a:p>
-            <a:r>
-              <a:rPr lang="en-US" altLang="zh-CN" sz="2000" b="1">
+              <a:rPr lang="en-US" altLang="zh-CN" sz="2000" b="1" dirty="0">
+                <a:latin typeface="Courier New" panose="02070309020205020404" pitchFamily="49" charset="0"/>
+              </a:rPr>
+              <a:t>// </a:t>
+            </a:r>
+            <a:r>
+              <a:rPr lang="en-US" altLang="zh-CN" sz="2000" b="1" dirty="0" err="1">
+                <a:latin typeface="Courier New" panose="02070309020205020404" pitchFamily="49" charset="0"/>
+              </a:rPr>
+              <a:t>area.c</a:t>
+            </a:r>
+            <a:endParaRPr lang="en-US" altLang="zh-CN" sz="2000" b="1" dirty="0">
+              <a:latin typeface="Courier New" panose="02070309020205020404" pitchFamily="49" charset="0"/>
+            </a:endParaRPr>
+          </a:p>
+          <a:p>
+            <a:r>
+              <a:rPr lang="en-US" altLang="zh-CN" sz="2000" b="1" dirty="0">
                 <a:solidFill>
                   <a:schemeClr val="folHlink"/>
                 </a:solidFill>
                 <a:latin typeface="Courier New" panose="02070309020205020404" pitchFamily="49" charset="0"/>
               </a:rPr>
-              <a:t>double area (int r);</a:t>
-            </a:r>
-          </a:p>
-          <a:p>
-            <a:endParaRPr lang="en-US" altLang="zh-CN" sz="2000" b="1">
+              <a:t>double area(int r);</a:t>
+            </a:r>
+          </a:p>
+          <a:p>
+            <a:endParaRPr lang="en-US" altLang="zh-CN" sz="2000" b="1" dirty="0">
               <a:solidFill>
                 <a:schemeClr val="folHlink"/>
               </a:solidFill>
@@ -23510,7 +23807,7 @@
           </a:p>
           <a:p>
             <a:r>
-              <a:rPr lang="en-US" altLang="zh-CN" sz="2000" b="1">
+              <a:rPr lang="en-US" altLang="zh-CN" sz="2000" b="1" dirty="0">
                 <a:solidFill>
                   <a:schemeClr val="folHlink"/>
                 </a:solidFill>
@@ -23521,51 +23818,40 @@
           </a:p>
           <a:p>
             <a:r>
-              <a:rPr lang="en-US" altLang="zh-CN" sz="2000" b="1">
+              <a:rPr lang="en-US" altLang="zh-CN" sz="2000" b="1" dirty="0">
                 <a:solidFill>
                   <a:schemeClr val="folHlink"/>
                 </a:solidFill>
                 <a:latin typeface="Courier New" panose="02070309020205020404" pitchFamily="49" charset="0"/>
               </a:rPr>
-              <a:t>double area (int r)</a:t>
-            </a:r>
-          </a:p>
-          <a:p>
-            <a:r>
-              <a:rPr lang="en-US" altLang="zh-CN" sz="2000" b="1">
+              <a:t>double area(int r){</a:t>
+            </a:r>
+          </a:p>
+          <a:p>
+            <a:r>
+              <a:rPr lang="en-US" altLang="zh-CN" sz="2000" b="1" dirty="0">
                 <a:solidFill>
                   <a:schemeClr val="folHlink"/>
                 </a:solidFill>
                 <a:latin typeface="Courier New" panose="02070309020205020404" pitchFamily="49" charset="0"/>
               </a:rPr>
-              <a:t>{</a:t>
-            </a:r>
-          </a:p>
-          <a:p>
-            <a:r>
-              <a:rPr lang="en-US" altLang="zh-CN" sz="2000" b="1">
+              <a:t>  double f = PI *r *r; </a:t>
+            </a:r>
+          </a:p>
+          <a:p>
+            <a:r>
+              <a:rPr lang="en-US" altLang="zh-CN" sz="2000" b="1" dirty="0">
                 <a:solidFill>
                   <a:schemeClr val="folHlink"/>
                 </a:solidFill>
                 <a:latin typeface="Courier New" panose="02070309020205020404" pitchFamily="49" charset="0"/>
               </a:rPr>
-              <a:t>  double f = PI *r *r; </a:t>
-            </a:r>
-          </a:p>
-          <a:p>
-            <a:r>
-              <a:rPr lang="en-US" altLang="zh-CN" sz="2000" b="1">
-                <a:solidFill>
-                  <a:schemeClr val="folHlink"/>
-                </a:solidFill>
-                <a:latin typeface="Courier New" panose="02070309020205020404" pitchFamily="49" charset="0"/>
-              </a:rPr>
               <a:t>  return f;</a:t>
             </a:r>
           </a:p>
           <a:p>
             <a:r>
-              <a:rPr lang="en-US" altLang="zh-CN" sz="2000" b="1">
+              <a:rPr lang="en-US" altLang="zh-CN" sz="2000" b="1" dirty="0">
                 <a:solidFill>
                   <a:schemeClr val="folHlink"/>
                 </a:solidFill>
@@ -24106,25 +24392,34 @@
           <a:lstStyle/>
           <a:p>
             <a:r>
-              <a:rPr lang="en-US" altLang="zh-CN" sz="2000" b="1">
-                <a:latin typeface="Courier New" panose="02070309020205020404" pitchFamily="49" charset="0"/>
-              </a:rPr>
-              <a:t>// main.c</a:t>
-            </a:r>
-          </a:p>
-          <a:p>
-            <a:r>
-              <a:rPr lang="en-US" altLang="zh-CN" sz="2000" b="1">
+              <a:rPr lang="en-US" altLang="zh-CN" sz="2000" b="1" dirty="0">
+                <a:latin typeface="Courier New" panose="02070309020205020404" pitchFamily="49" charset="0"/>
+              </a:rPr>
+              <a:t>// </a:t>
+            </a:r>
+            <a:r>
+              <a:rPr lang="en-US" altLang="zh-CN" sz="2000" b="1" dirty="0" err="1">
+                <a:latin typeface="Courier New" panose="02070309020205020404" pitchFamily="49" charset="0"/>
+              </a:rPr>
+              <a:t>main.c</a:t>
+            </a:r>
+            <a:endParaRPr lang="en-US" altLang="zh-CN" sz="2000" b="1" dirty="0">
+              <a:latin typeface="Courier New" panose="02070309020205020404" pitchFamily="49" charset="0"/>
+            </a:endParaRPr>
+          </a:p>
+          <a:p>
+            <a:r>
+              <a:rPr lang="en-US" altLang="zh-CN" sz="2000" b="1" dirty="0">
                 <a:solidFill>
                   <a:schemeClr val="folHlink"/>
                 </a:solidFill>
                 <a:latin typeface="Courier New" panose="02070309020205020404" pitchFamily="49" charset="0"/>
               </a:rPr>
-              <a:t>double area (int r);</a:t>
-            </a:r>
-          </a:p>
-          <a:p>
-            <a:endParaRPr lang="en-US" altLang="zh-CN" sz="2000" b="1">
+              <a:t>double area(int r);</a:t>
+            </a:r>
+          </a:p>
+          <a:p>
+            <a:endParaRPr lang="en-US" altLang="zh-CN" sz="2000" b="1" dirty="0">
               <a:solidFill>
                 <a:schemeClr val="folHlink"/>
               </a:solidFill>
@@ -24133,62 +24428,51 @@
           </a:p>
           <a:p>
             <a:r>
-              <a:rPr lang="en-US" altLang="zh-CN" sz="2000" b="1">
+              <a:rPr lang="en-US" altLang="zh-CN" sz="2000" b="1" dirty="0">
                 <a:solidFill>
                   <a:schemeClr val="folHlink"/>
                 </a:solidFill>
                 <a:latin typeface="Courier New" panose="02070309020205020404" pitchFamily="49" charset="0"/>
               </a:rPr>
-              <a:t>int main ()</a:t>
-            </a:r>
-          </a:p>
-          <a:p>
-            <a:r>
-              <a:rPr lang="en-US" altLang="zh-CN" sz="2000" b="1">
+              <a:t>int main(){</a:t>
+            </a:r>
+          </a:p>
+          <a:p>
+            <a:r>
+              <a:rPr lang="en-US" altLang="zh-CN" sz="2000" b="1" dirty="0">
                 <a:solidFill>
                   <a:schemeClr val="folHlink"/>
                 </a:solidFill>
                 <a:latin typeface="Courier New" panose="02070309020205020404" pitchFamily="49" charset="0"/>
               </a:rPr>
-              <a:t>{</a:t>
-            </a:r>
-          </a:p>
-          <a:p>
-            <a:r>
-              <a:rPr lang="en-US" altLang="zh-CN" sz="2000" b="1">
+              <a:t>  double f;</a:t>
+            </a:r>
+          </a:p>
+          <a:p>
+            <a:r>
+              <a:rPr lang="en-US" altLang="zh-CN" sz="2000" b="1" dirty="0">
                 <a:solidFill>
                   <a:schemeClr val="folHlink"/>
                 </a:solidFill>
                 <a:latin typeface="Courier New" panose="02070309020205020404" pitchFamily="49" charset="0"/>
               </a:rPr>
-              <a:t>  double f;</a:t>
-            </a:r>
-          </a:p>
-          <a:p>
-            <a:r>
-              <a:rPr lang="en-US" altLang="zh-CN" sz="2000" b="1">
+              <a:t>  f = area (5);</a:t>
+            </a:r>
+          </a:p>
+          <a:p>
+            <a:r>
+              <a:rPr lang="en-US" altLang="zh-CN" sz="2000" b="1" dirty="0">
                 <a:solidFill>
                   <a:schemeClr val="folHlink"/>
                 </a:solidFill>
                 <a:latin typeface="Courier New" panose="02070309020205020404" pitchFamily="49" charset="0"/>
               </a:rPr>
-              <a:t>  f = area (5);</a:t>
-            </a:r>
-          </a:p>
-          <a:p>
-            <a:r>
-              <a:rPr lang="en-US" altLang="zh-CN" sz="2000" b="1">
-                <a:solidFill>
-                  <a:schemeClr val="folHlink"/>
-                </a:solidFill>
-                <a:latin typeface="Courier New" panose="02070309020205020404" pitchFamily="49" charset="0"/>
-              </a:rPr>
               <a:t>  return 0;</a:t>
             </a:r>
           </a:p>
           <a:p>
             <a:r>
-              <a:rPr lang="en-US" altLang="zh-CN" sz="2000" b="1">
+              <a:rPr lang="en-US" altLang="zh-CN" sz="2000" b="1" dirty="0">
                 <a:solidFill>
                   <a:schemeClr val="folHlink"/>
                 </a:solidFill>
@@ -24252,25 +24536,34 @@
           <a:lstStyle/>
           <a:p>
             <a:r>
-              <a:rPr lang="en-US" altLang="zh-CN" sz="2000" b="1">
-                <a:latin typeface="Courier New" panose="02070309020205020404" pitchFamily="49" charset="0"/>
-              </a:rPr>
-              <a:t>// area.c</a:t>
-            </a:r>
-          </a:p>
-          <a:p>
-            <a:r>
-              <a:rPr lang="en-US" altLang="zh-CN" sz="2000" b="1">
+              <a:rPr lang="en-US" altLang="zh-CN" sz="2000" b="1" dirty="0">
+                <a:latin typeface="Courier New" panose="02070309020205020404" pitchFamily="49" charset="0"/>
+              </a:rPr>
+              <a:t>// </a:t>
+            </a:r>
+            <a:r>
+              <a:rPr lang="en-US" altLang="zh-CN" sz="2000" b="1" dirty="0" err="1">
+                <a:latin typeface="Courier New" panose="02070309020205020404" pitchFamily="49" charset="0"/>
+              </a:rPr>
+              <a:t>area.c</a:t>
+            </a:r>
+            <a:endParaRPr lang="en-US" altLang="zh-CN" sz="2000" b="1" dirty="0">
+              <a:latin typeface="Courier New" panose="02070309020205020404" pitchFamily="49" charset="0"/>
+            </a:endParaRPr>
+          </a:p>
+          <a:p>
+            <a:r>
+              <a:rPr lang="en-US" altLang="zh-CN" sz="2000" b="1" dirty="0">
                 <a:solidFill>
                   <a:schemeClr val="folHlink"/>
                 </a:solidFill>
                 <a:latin typeface="Courier New" panose="02070309020205020404" pitchFamily="49" charset="0"/>
               </a:rPr>
-              <a:t>double area (int r);</a:t>
-            </a:r>
-          </a:p>
-          <a:p>
-            <a:endParaRPr lang="en-US" altLang="zh-CN" sz="2000" b="1">
+              <a:t>double area(int r);</a:t>
+            </a:r>
+          </a:p>
+          <a:p>
+            <a:endParaRPr lang="en-US" altLang="zh-CN" sz="2000" b="1" dirty="0">
               <a:solidFill>
                 <a:schemeClr val="folHlink"/>
               </a:solidFill>
@@ -24279,7 +24572,7 @@
           </a:p>
           <a:p>
             <a:r>
-              <a:rPr lang="en-US" altLang="zh-CN" sz="2000" b="1">
+              <a:rPr lang="en-US" altLang="zh-CN" sz="2000" b="1" dirty="0">
                 <a:solidFill>
                   <a:schemeClr val="folHlink"/>
                 </a:solidFill>
@@ -24290,51 +24583,40 @@
           </a:p>
           <a:p>
             <a:r>
-              <a:rPr lang="en-US" altLang="zh-CN" sz="2000" b="1">
+              <a:rPr lang="en-US" altLang="zh-CN" sz="2000" b="1" dirty="0">
                 <a:solidFill>
                   <a:schemeClr val="folHlink"/>
                 </a:solidFill>
                 <a:latin typeface="Courier New" panose="02070309020205020404" pitchFamily="49" charset="0"/>
               </a:rPr>
-              <a:t>double area (int r)</a:t>
-            </a:r>
-          </a:p>
-          <a:p>
-            <a:r>
-              <a:rPr lang="en-US" altLang="zh-CN" sz="2000" b="1">
+              <a:t>double area(int r){</a:t>
+            </a:r>
+          </a:p>
+          <a:p>
+            <a:r>
+              <a:rPr lang="en-US" altLang="zh-CN" sz="2000" b="1" dirty="0">
                 <a:solidFill>
                   <a:schemeClr val="folHlink"/>
                 </a:solidFill>
                 <a:latin typeface="Courier New" panose="02070309020205020404" pitchFamily="49" charset="0"/>
               </a:rPr>
-              <a:t>{</a:t>
-            </a:r>
-          </a:p>
-          <a:p>
-            <a:r>
-              <a:rPr lang="en-US" altLang="zh-CN" sz="2000" b="1">
+              <a:t>  double f = PI *r *r; </a:t>
+            </a:r>
+          </a:p>
+          <a:p>
+            <a:r>
+              <a:rPr lang="en-US" altLang="zh-CN" sz="2000" b="1" dirty="0">
                 <a:solidFill>
                   <a:schemeClr val="folHlink"/>
                 </a:solidFill>
                 <a:latin typeface="Courier New" panose="02070309020205020404" pitchFamily="49" charset="0"/>
               </a:rPr>
-              <a:t>  double f = PI *r *r; </a:t>
-            </a:r>
-          </a:p>
-          <a:p>
-            <a:r>
-              <a:rPr lang="en-US" altLang="zh-CN" sz="2000" b="1">
-                <a:solidFill>
-                  <a:schemeClr val="folHlink"/>
-                </a:solidFill>
-                <a:latin typeface="Courier New" panose="02070309020205020404" pitchFamily="49" charset="0"/>
-              </a:rPr>
               <a:t>  return f;</a:t>
             </a:r>
           </a:p>
           <a:p>
             <a:r>
-              <a:rPr lang="en-US" altLang="zh-CN" sz="2000" b="1">
+              <a:rPr lang="en-US" altLang="zh-CN" sz="2000" b="1" dirty="0">
                 <a:solidFill>
                   <a:schemeClr val="folHlink"/>
                 </a:solidFill>

--- a/courses/sysprog/slides/lec08-module.pptx
+++ b/courses/sysprog/slides/lec08-module.pptx
@@ -14822,40 +14822,45 @@
           <a:lstStyle/>
           <a:p>
             <a:r>
-              <a:rPr lang="en-US" altLang="zh-CN"/>
+              <a:rPr lang="en-US" altLang="zh-CN" dirty="0"/>
               <a:t>In order to familiarize you with libraries implementation techniques and others, we next study carefully an example</a:t>
             </a:r>
           </a:p>
           <a:p>
             <a:pPr lvl="1"/>
             <a:r>
-              <a:rPr lang="en-US" altLang="zh-CN"/>
-              <a:t> stdio.h</a:t>
-            </a:r>
-          </a:p>
-          <a:p>
-            <a:r>
-              <a:rPr lang="en-US" altLang="zh-CN"/>
-              <a:t>Our goal is to study the </a:t>
-            </a:r>
-            <a:r>
-              <a:rPr lang="en-US" altLang="zh-CN">
+              <a:rPr lang="en-US" altLang="zh-CN" dirty="0"/>
+              <a:t> </a:t>
+            </a:r>
+            <a:r>
+              <a:rPr lang="en-US" altLang="zh-CN" dirty="0" err="1"/>
+              <a:t>stdio.h</a:t>
+            </a:r>
+            <a:endParaRPr lang="en-US" altLang="zh-CN" dirty="0"/>
+          </a:p>
+          <a:p>
+            <a:r>
+              <a:rPr lang="en-US" altLang="zh-CN" dirty="0"/>
+              <a:t>Our goal is to investigate the </a:t>
+            </a:r>
+            <a:r>
+              <a:rPr lang="en-US" altLang="zh-CN" dirty="0">
                 <a:latin typeface="Arial" panose="020B0604020202020204" pitchFamily="34" charset="0"/>
               </a:rPr>
               <a:t>“</a:t>
             </a:r>
             <a:r>
-              <a:rPr lang="en-US" altLang="zh-CN"/>
+              <a:rPr lang="en-US" altLang="zh-CN" dirty="0" err="1"/>
               <a:t>printf</a:t>
             </a:r>
             <a:r>
-              <a:rPr lang="en-US" altLang="zh-CN">
+              <a:rPr lang="en-US" altLang="zh-CN" dirty="0">
                 <a:latin typeface="Arial" panose="020B0604020202020204" pitchFamily="34" charset="0"/>
               </a:rPr>
               <a:t>”</a:t>
             </a:r>
             <a:r>
-              <a:rPr lang="en-US" altLang="zh-CN"/>
+              <a:rPr lang="en-US" altLang="zh-CN" dirty="0"/>
               <a:t> function</a:t>
             </a:r>
           </a:p>
@@ -14865,13 +14870,31 @@
               <a:buNone/>
             </a:pPr>
             <a:r>
-              <a:rPr lang="en-US" altLang="zh-CN" sz="2000" b="1">
+              <a:rPr lang="en-US" altLang="zh-CN" sz="2000" b="1" dirty="0">
                 <a:solidFill>
                   <a:schemeClr val="folHlink"/>
                 </a:solidFill>
                 <a:latin typeface="Courier New" panose="02070309020205020404" pitchFamily="49" charset="0"/>
               </a:rPr>
-              <a:t>int printf (const char *format, …);</a:t>
+              <a:t>int </a:t>
+            </a:r>
+            <a:r>
+              <a:rPr lang="en-US" altLang="zh-CN" sz="2000" b="1" dirty="0" err="1">
+                <a:solidFill>
+                  <a:schemeClr val="folHlink"/>
+                </a:solidFill>
+                <a:latin typeface="Courier New" panose="02070309020205020404" pitchFamily="49" charset="0"/>
+              </a:rPr>
+              <a:t>printf</a:t>
+            </a:r>
+            <a:r>
+              <a:rPr lang="en-US" altLang="zh-CN" sz="2000" b="1" dirty="0">
+                <a:solidFill>
+                  <a:schemeClr val="folHlink"/>
+                </a:solidFill>
+                <a:latin typeface="Courier New" panose="02070309020205020404" pitchFamily="49" charset="0"/>
+              </a:rPr>
+              <a:t>(const char *format, …);</a:t>
             </a:r>
           </a:p>
         </p:txBody>
@@ -14956,33 +14979,45 @@
           <a:lstStyle/>
           <a:p>
             <a:r>
-              <a:rPr lang="en-US" altLang="zh-CN" sz="2800"/>
-              <a:t>User program call the library function printf ()</a:t>
-            </a:r>
-          </a:p>
-          <a:p>
-            <a:r>
-              <a:rPr lang="en-US" altLang="zh-CN" sz="2800"/>
-              <a:t>printf () internally makes operating system call to do the real work</a:t>
+              <a:rPr lang="en-US" altLang="zh-CN" sz="2800" dirty="0"/>
+              <a:t>User program call the library function </a:t>
+            </a:r>
+            <a:r>
+              <a:rPr lang="en-US" altLang="zh-CN" sz="2800" dirty="0" err="1"/>
+              <a:t>printf</a:t>
+            </a:r>
+            <a:r>
+              <a:rPr lang="en-US" altLang="zh-CN" sz="2800" dirty="0"/>
+              <a:t>()</a:t>
+            </a:r>
+          </a:p>
+          <a:p>
+            <a:r>
+              <a:rPr lang="en-US" altLang="zh-CN" sz="2800" dirty="0" err="1"/>
+              <a:t>printf</a:t>
+            </a:r>
+            <a:r>
+              <a:rPr lang="en-US" altLang="zh-CN" sz="2800" dirty="0"/>
+              <a:t>() internally invokes operating system interfaces to do the real work</a:t>
             </a:r>
           </a:p>
           <a:p>
             <a:pPr lvl="1"/>
             <a:r>
-              <a:rPr lang="en-US" altLang="zh-CN" sz="2400"/>
+              <a:rPr lang="en-US" altLang="zh-CN" sz="2400" dirty="0"/>
               <a:t>details vary on different OS</a:t>
             </a:r>
           </a:p>
           <a:p>
             <a:r>
-              <a:rPr lang="en-US" altLang="zh-CN" sz="2800"/>
+              <a:rPr lang="en-US" altLang="zh-CN" sz="2800" dirty="0"/>
               <a:t>OS calls hardware driver</a:t>
             </a:r>
           </a:p>
           <a:p>
             <a:pPr lvl="1"/>
             <a:r>
-              <a:rPr lang="en-US" altLang="zh-CN" sz="2400"/>
+              <a:rPr lang="en-US" altLang="zh-CN" sz="2400" dirty="0"/>
               <a:t>Offered by hardware company</a:t>
             </a:r>
           </a:p>
@@ -15163,14 +15198,14 @@
           <a:p>
             <a:pPr algn="ctr"/>
             <a:r>
-              <a:rPr lang="en-US" altLang="zh-CN" sz="2000"/>
+              <a:rPr lang="en-US" altLang="zh-CN" sz="2000" dirty="0"/>
               <a:t>OS</a:t>
             </a:r>
           </a:p>
           <a:p>
             <a:pPr algn="ctr"/>
             <a:r>
-              <a:rPr lang="en-US" altLang="zh-CN" sz="2000"/>
+              <a:rPr lang="en-US" altLang="zh-CN" sz="2000" dirty="0"/>
               <a:t>routines</a:t>
             </a:r>
           </a:p>
@@ -15848,14 +15883,18 @@
           <a:p>
             <a:pPr algn="ctr"/>
             <a:r>
-              <a:rPr lang="en-US" altLang="zh-CN" sz="2000"/>
-              <a:t>fwrite ()</a:t>
+              <a:rPr lang="en-US" altLang="zh-CN" sz="2000" dirty="0" err="1"/>
+              <a:t>fwrite</a:t>
+            </a:r>
+            <a:r>
+              <a:rPr lang="en-US" altLang="zh-CN" sz="2000" dirty="0"/>
+              <a:t>()</a:t>
             </a:r>
           </a:p>
           <a:p>
             <a:pPr algn="ctr"/>
             <a:r>
-              <a:rPr lang="en-US" altLang="zh-CN" sz="2000"/>
+              <a:rPr lang="en-US" altLang="zh-CN" sz="2000" dirty="0"/>
               <a:t>user program</a:t>
             </a:r>
           </a:p>
@@ -15913,14 +15952,14 @@
           <a:p>
             <a:pPr algn="ctr"/>
             <a:r>
-              <a:rPr lang="en-US" altLang="zh-CN" sz="2000"/>
-              <a:t>write ()</a:t>
+              <a:rPr lang="en-US" altLang="zh-CN" sz="2000" dirty="0"/>
+              <a:t>write()</a:t>
             </a:r>
           </a:p>
           <a:p>
             <a:pPr algn="ctr"/>
             <a:r>
-              <a:rPr lang="en-US" altLang="zh-CN" sz="2000"/>
+              <a:rPr lang="en-US" altLang="zh-CN" sz="2000" dirty="0"/>
               <a:t>int 0x80</a:t>
             </a:r>
           </a:p>
@@ -16035,14 +16074,18 @@
           <a:p>
             <a:pPr algn="ctr"/>
             <a:r>
-              <a:rPr lang="en-US" altLang="zh-CN" sz="2000"/>
-              <a:t>sys_write ()</a:t>
+              <a:rPr lang="en-US" altLang="zh-CN" sz="2000" dirty="0" err="1"/>
+              <a:t>sys_write</a:t>
+            </a:r>
+            <a:r>
+              <a:rPr lang="en-US" altLang="zh-CN" sz="2000" dirty="0"/>
+              <a:t>()</a:t>
             </a:r>
           </a:p>
           <a:p>
             <a:pPr algn="ctr"/>
             <a:r>
-              <a:rPr lang="en-US" altLang="zh-CN" sz="2000"/>
+              <a:rPr lang="en-US" altLang="zh-CN" sz="2000" dirty="0"/>
               <a:t>Kernel</a:t>
             </a:r>
           </a:p>
@@ -16157,14 +16200,18 @@
           <a:p>
             <a:pPr algn="ctr"/>
             <a:r>
-              <a:rPr lang="en-US" altLang="zh-CN" sz="2000"/>
-              <a:t>fwrite ()</a:t>
+              <a:rPr lang="en-US" altLang="zh-CN" sz="2000" dirty="0" err="1"/>
+              <a:t>fwrite</a:t>
+            </a:r>
+            <a:r>
+              <a:rPr lang="en-US" altLang="zh-CN" sz="2000" dirty="0"/>
+              <a:t>()</a:t>
             </a:r>
           </a:p>
           <a:p>
             <a:pPr algn="ctr"/>
             <a:r>
-              <a:rPr lang="en-US" altLang="zh-CN" sz="2000"/>
+              <a:rPr lang="en-US" altLang="zh-CN" sz="2000" dirty="0"/>
               <a:t>user program</a:t>
             </a:r>
           </a:p>
@@ -16222,8 +16269,8 @@
           <a:p>
             <a:pPr algn="ctr"/>
             <a:r>
-              <a:rPr lang="en-US" altLang="zh-CN" sz="2000"/>
-              <a:t>write ()</a:t>
+              <a:rPr lang="en-US" altLang="zh-CN" sz="2000" dirty="0"/>
+              <a:t>write()</a:t>
             </a:r>
           </a:p>
         </p:txBody>
@@ -16280,14 +16327,18 @@
           <a:p>
             <a:pPr algn="ctr"/>
             <a:r>
-              <a:rPr lang="en-US" altLang="zh-CN" sz="2000"/>
-              <a:t>NtWriteFile ()</a:t>
+              <a:rPr lang="en-US" altLang="zh-CN" sz="2000" dirty="0" err="1"/>
+              <a:t>NtWriteFile</a:t>
+            </a:r>
+            <a:r>
+              <a:rPr lang="en-US" altLang="zh-CN" sz="2000" dirty="0"/>
+              <a:t>()</a:t>
             </a:r>
           </a:p>
           <a:p>
             <a:pPr algn="ctr"/>
             <a:r>
-              <a:rPr lang="en-US" altLang="zh-CN" sz="2000"/>
+              <a:rPr lang="en-US" altLang="zh-CN" sz="2000" dirty="0"/>
               <a:t>int 0x2e</a:t>
             </a:r>
           </a:p>
@@ -16459,14 +16510,18 @@
           <a:p>
             <a:pPr algn="ctr"/>
             <a:r>
-              <a:rPr lang="en-US" altLang="zh-CN" sz="2000"/>
-              <a:t>IoWriteFile ()</a:t>
+              <a:rPr lang="en-US" altLang="zh-CN" sz="2000" dirty="0" err="1"/>
+              <a:t>IoWriteFile</a:t>
+            </a:r>
+            <a:r>
+              <a:rPr lang="en-US" altLang="zh-CN" sz="2000" dirty="0"/>
+              <a:t>()</a:t>
             </a:r>
           </a:p>
           <a:p>
             <a:pPr algn="ctr"/>
             <a:r>
-              <a:rPr lang="en-US" altLang="zh-CN" sz="2000"/>
+              <a:rPr lang="en-US" altLang="zh-CN" sz="2000" dirty="0"/>
               <a:t>Kernel</a:t>
             </a:r>
           </a:p>
@@ -17716,8 +17771,16 @@
               </a:lnSpc>
             </a:pPr>
             <a:r>
-              <a:rPr lang="en-US" altLang="zh-CN" sz="2800"/>
-              <a:t>Different styles of module systems in languages:</a:t>
+              <a:rPr lang="en-US" altLang="zh-CN" sz="2800" dirty="0"/>
+              <a:t>Different styles of module systems in</a:t>
+            </a:r>
+            <a:r>
+              <a:rPr lang="zh-CN" altLang="en-US" sz="2800" dirty="0"/>
+              <a:t> </a:t>
+            </a:r>
+            <a:r>
+              <a:rPr lang="en-US" altLang="zh-CN" sz="2800" dirty="0"/>
+              <a:t>diverse languages:</a:t>
             </a:r>
           </a:p>
           <a:p>
@@ -17727,8 +17790,12 @@
               </a:lnSpc>
             </a:pPr>
             <a:r>
-              <a:rPr lang="en-US" altLang="zh-CN" sz="2400"/>
-              <a:t>ML signature and structure</a:t>
+              <a:rPr lang="en-US" altLang="zh-CN" sz="2400" dirty="0">
+                <a:solidFill>
+                  <a:srgbClr val="0432FF"/>
+                </a:solidFill>
+              </a:rPr>
+              <a:t>C: header files (.h) + C files (.c)</a:t>
             </a:r>
           </a:p>
           <a:p>
@@ -17738,8 +17805,8 @@
               </a:lnSpc>
             </a:pPr>
             <a:r>
-              <a:rPr lang="en-US" altLang="zh-CN" sz="2400"/>
-              <a:t>Java interface and class</a:t>
+              <a:rPr lang="en-US" altLang="zh-CN" sz="2400" dirty="0"/>
+              <a:t>ML: signature + structure</a:t>
             </a:r>
           </a:p>
           <a:p>
@@ -17749,12 +17816,8 @@
               </a:lnSpc>
             </a:pPr>
             <a:r>
-              <a:rPr lang="en-US" altLang="zh-CN" sz="2400">
-                <a:solidFill>
-                  <a:schemeClr val="folHlink"/>
-                </a:solidFill>
-              </a:rPr>
-              <a:t>C (C++) header files (.h) and C files (.c)</a:t>
+              <a:rPr lang="en-US" altLang="zh-CN" sz="2400" dirty="0"/>
+              <a:t>Java: interface + class</a:t>
             </a:r>
           </a:p>
           <a:p>
@@ -17764,17 +17827,17 @@
               </a:lnSpc>
             </a:pPr>
             <a:r>
-              <a:rPr lang="en-US" altLang="zh-CN" sz="2800"/>
-              <a:t>This slide shows how to manage C</a:t>
-            </a:r>
-            <a:r>
-              <a:rPr lang="en-US" altLang="zh-CN" sz="2800">
+              <a:rPr lang="en-US" altLang="zh-CN" sz="2800" dirty="0"/>
+              <a:t>This lecture discusses how to manage C</a:t>
+            </a:r>
+            <a:r>
+              <a:rPr lang="en-US" altLang="zh-CN" sz="2800" dirty="0">
                 <a:latin typeface="Arial" panose="020B0604020202020204" pitchFamily="34" charset="0"/>
               </a:rPr>
               <a:t>’</a:t>
             </a:r>
             <a:r>
-              <a:rPr lang="en-US" altLang="zh-CN" sz="2800"/>
+              <a:rPr lang="en-US" altLang="zh-CN" sz="2800" dirty="0"/>
               <a:t>s module system:</a:t>
             </a:r>
           </a:p>
@@ -17785,7 +17848,7 @@
               </a:lnSpc>
             </a:pPr>
             <a:r>
-              <a:rPr lang="en-US" altLang="zh-CN" sz="2400"/>
+              <a:rPr lang="en-US" altLang="zh-CN" sz="2400" dirty="0"/>
               <a:t>source programs</a:t>
             </a:r>
           </a:p>
@@ -17796,8 +17859,24 @@
               </a:lnSpc>
             </a:pPr>
             <a:r>
-              <a:rPr lang="en-US" altLang="zh-CN" sz="2400"/>
-              <a:t>(separate) compiling, linking, loading</a:t>
+              <a:rPr lang="en-US" altLang="zh-CN" sz="2400" dirty="0"/>
+              <a:t>(separate) compiling, </a:t>
+            </a:r>
+            <a:r>
+              <a:rPr lang="en-US" altLang="zh-CN" sz="2400" dirty="0" err="1"/>
+              <a:t>assemblying</a:t>
+            </a:r>
+            <a:r>
+              <a:rPr lang="en-US" altLang="zh-CN" sz="2400" dirty="0"/>
+              <a:t>,</a:t>
+            </a:r>
+            <a:r>
+              <a:rPr lang="zh-CN" altLang="en-US" sz="2400" dirty="0"/>
+              <a:t> </a:t>
+            </a:r>
+            <a:r>
+              <a:rPr lang="en-US" altLang="zh-CN" sz="2400" dirty="0"/>
+              <a:t>linking, loading</a:t>
             </a:r>
           </a:p>
           <a:p>
@@ -17807,7 +17886,7 @@
               </a:lnSpc>
             </a:pPr>
             <a:r>
-              <a:rPr lang="en-US" altLang="zh-CN" sz="2400"/>
+              <a:rPr lang="en-US" altLang="zh-CN" sz="2400" dirty="0"/>
               <a:t>and tools</a:t>
             </a:r>
           </a:p>
@@ -23330,7 +23409,7 @@
             <a:r>
               <a:rPr lang="en-US" altLang="zh-CN" sz="2000" b="1" dirty="0">
                 <a:solidFill>
-                  <a:schemeClr val="folHlink"/>
+                  <a:srgbClr val="0432FF"/>
                 </a:solidFill>
                 <a:latin typeface="Courier New" panose="02070309020205020404" pitchFamily="49" charset="0"/>
               </a:rPr>
@@ -23347,7 +23426,7 @@
             </a:pPr>
             <a:endParaRPr lang="en-US" altLang="zh-CN" sz="2000" b="1" dirty="0">
               <a:solidFill>
-                <a:schemeClr val="folHlink"/>
+                <a:srgbClr val="0432FF"/>
               </a:solidFill>
               <a:latin typeface="Courier New" panose="02070309020205020404" pitchFamily="49" charset="0"/>
             </a:endParaRPr>
@@ -23363,7 +23442,7 @@
             <a:r>
               <a:rPr lang="en-US" altLang="zh-CN" sz="2000" b="1" dirty="0">
                 <a:solidFill>
-                  <a:schemeClr val="folHlink"/>
+                  <a:srgbClr val="0432FF"/>
                 </a:solidFill>
                 <a:latin typeface="Courier New" panose="02070309020205020404" pitchFamily="49" charset="0"/>
               </a:rPr>
@@ -23381,7 +23460,7 @@
             <a:r>
               <a:rPr lang="en-US" altLang="zh-CN" sz="2000" b="1" dirty="0">
                 <a:solidFill>
-                  <a:schemeClr val="folHlink"/>
+                  <a:srgbClr val="0432FF"/>
                 </a:solidFill>
                 <a:latin typeface="Courier New" panose="02070309020205020404" pitchFamily="49" charset="0"/>
               </a:rPr>
@@ -23399,7 +23478,7 @@
             <a:r>
               <a:rPr lang="en-US" altLang="zh-CN" sz="2000" b="1" dirty="0">
                 <a:solidFill>
-                  <a:schemeClr val="folHlink"/>
+                  <a:srgbClr val="0432FF"/>
                 </a:solidFill>
                 <a:latin typeface="Courier New" panose="02070309020205020404" pitchFamily="49" charset="0"/>
               </a:rPr>
@@ -23417,7 +23496,7 @@
             <a:r>
               <a:rPr lang="en-US" altLang="zh-CN" sz="2000" b="1" dirty="0">
                 <a:solidFill>
-                  <a:schemeClr val="folHlink"/>
+                  <a:srgbClr val="0432FF"/>
                 </a:solidFill>
                 <a:latin typeface="Courier New" panose="02070309020205020404" pitchFamily="49" charset="0"/>
               </a:rPr>
@@ -23434,7 +23513,7 @@
             </a:pPr>
             <a:endParaRPr lang="en-US" altLang="zh-CN" sz="2000" b="1" dirty="0">
               <a:solidFill>
-                <a:schemeClr val="folHlink"/>
+                <a:srgbClr val="0432FF"/>
               </a:solidFill>
               <a:latin typeface="Courier New" panose="02070309020205020404" pitchFamily="49" charset="0"/>
             </a:endParaRPr>
@@ -23450,7 +23529,7 @@
             <a:r>
               <a:rPr lang="en-US" altLang="zh-CN" sz="2000" b="1" dirty="0">
                 <a:solidFill>
-                  <a:schemeClr val="folHlink"/>
+                  <a:srgbClr val="0432FF"/>
                 </a:solidFill>
                 <a:latin typeface="Courier New" panose="02070309020205020404" pitchFamily="49" charset="0"/>
               </a:rPr>
@@ -23468,7 +23547,7 @@
             <a:r>
               <a:rPr lang="en-US" altLang="zh-CN" sz="2000" b="1" dirty="0">
                 <a:solidFill>
-                  <a:schemeClr val="folHlink"/>
+                  <a:srgbClr val="0432FF"/>
                 </a:solidFill>
                 <a:latin typeface="Courier New" panose="02070309020205020404" pitchFamily="49" charset="0"/>
               </a:rPr>
@@ -23486,7 +23565,7 @@
             <a:r>
               <a:rPr lang="en-US" altLang="zh-CN" sz="2000" b="1" dirty="0">
                 <a:solidFill>
-                  <a:schemeClr val="folHlink"/>
+                  <a:srgbClr val="0432FF"/>
                 </a:solidFill>
                 <a:latin typeface="Courier New" panose="02070309020205020404" pitchFamily="49" charset="0"/>
               </a:rPr>
@@ -23504,7 +23583,7 @@
             <a:r>
               <a:rPr lang="en-US" altLang="zh-CN" sz="2000" b="1" dirty="0">
                 <a:solidFill>
-                  <a:schemeClr val="folHlink"/>
+                  <a:srgbClr val="0432FF"/>
                 </a:solidFill>
                 <a:latin typeface="Courier New" panose="02070309020205020404" pitchFamily="49" charset="0"/>
               </a:rPr>
@@ -23522,13 +23601,17 @@
             <a:r>
               <a:rPr lang="en-US" altLang="zh-CN" sz="2000" b="1" dirty="0">
                 <a:solidFill>
-                  <a:schemeClr val="folHlink"/>
+                  <a:srgbClr val="0432FF"/>
                 </a:solidFill>
                 <a:latin typeface="Courier New" panose="02070309020205020404" pitchFamily="49" charset="0"/>
               </a:rPr>
               <a:t>}</a:t>
             </a:r>
-            <a:endParaRPr lang="en-US" altLang="zh-CN" sz="2000" dirty="0"/>
+            <a:endParaRPr lang="en-US" altLang="zh-CN" sz="2000" dirty="0">
+              <a:solidFill>
+                <a:srgbClr val="0432FF"/>
+              </a:solidFill>
+            </a:endParaRPr>
           </a:p>
         </p:txBody>
       </p:sp>

--- a/courses/sysprog/slides/lec08-module.pptx
+++ b/courses/sysprog/slides/lec08-module.pptx
@@ -5287,7 +5287,7 @@
             <a:r>
               <a:rPr lang="en-US" altLang="zh-CN" sz="2000" b="1" dirty="0">
                 <a:solidFill>
-                  <a:schemeClr val="folHlink"/>
+                  <a:srgbClr val="0432FF"/>
                 </a:solidFill>
                 <a:latin typeface="Courier New" panose="02070309020205020404" pitchFamily="49" charset="0"/>
               </a:rPr>
@@ -5384,7 +5384,7 @@
             <a:r>
               <a:rPr lang="en-US" altLang="zh-CN" sz="2000" b="1" dirty="0">
                 <a:solidFill>
-                  <a:schemeClr val="folHlink"/>
+                  <a:srgbClr val="0432FF"/>
                 </a:solidFill>
                 <a:latin typeface="Courier New" panose="02070309020205020404" pitchFamily="49" charset="0"/>
               </a:rPr>
@@ -5393,7 +5393,7 @@
             <a:r>
               <a:rPr lang="en-US" altLang="zh-CN" sz="2000" b="1" dirty="0" err="1">
                 <a:solidFill>
-                  <a:schemeClr val="folHlink"/>
+                  <a:srgbClr val="0432FF"/>
                 </a:solidFill>
                 <a:latin typeface="Courier New" panose="02070309020205020404" pitchFamily="49" charset="0"/>
               </a:rPr>
@@ -5402,7 +5402,7 @@
             <a:r>
               <a:rPr lang="en-US" altLang="zh-CN" sz="2000" b="1" dirty="0">
                 <a:solidFill>
-                  <a:schemeClr val="folHlink"/>
+                  <a:srgbClr val="0432FF"/>
                 </a:solidFill>
                 <a:latin typeface="Courier New" panose="02070309020205020404" pitchFamily="49" charset="0"/>
               </a:rPr>
@@ -5412,7 +5412,7 @@
           <a:p>
             <a:endParaRPr lang="en-US" altLang="zh-CN" sz="2000" b="1" dirty="0">
               <a:solidFill>
-                <a:schemeClr val="folHlink"/>
+                <a:srgbClr val="0432FF"/>
               </a:solidFill>
               <a:latin typeface="Courier New" panose="02070309020205020404" pitchFamily="49" charset="0"/>
             </a:endParaRPr>
@@ -5421,7 +5421,7 @@
             <a:r>
               <a:rPr lang="en-US" altLang="zh-CN" sz="2000" b="1" dirty="0">
                 <a:solidFill>
-                  <a:schemeClr val="folHlink"/>
+                  <a:srgbClr val="0432FF"/>
                 </a:solidFill>
                 <a:latin typeface="Courier New" panose="02070309020205020404" pitchFamily="49" charset="0"/>
               </a:rPr>
@@ -5616,7 +5616,7 @@
             <a:r>
               <a:rPr lang="en-US" altLang="zh-CN" sz="2000" b="1" dirty="0">
                 <a:solidFill>
-                  <a:schemeClr val="folHlink"/>
+                  <a:srgbClr val="0432FF"/>
                 </a:solidFill>
                 <a:latin typeface="Courier New" panose="02070309020205020404" pitchFamily="49" charset="0"/>
               </a:rPr>
@@ -5625,7 +5625,7 @@
             <a:r>
               <a:rPr lang="en-US" altLang="zh-CN" sz="2000" b="1" dirty="0" err="1">
                 <a:solidFill>
-                  <a:schemeClr val="folHlink"/>
+                  <a:srgbClr val="0432FF"/>
                 </a:solidFill>
                 <a:latin typeface="Courier New" panose="02070309020205020404" pitchFamily="49" charset="0"/>
               </a:rPr>
@@ -5634,7 +5634,7 @@
             <a:r>
               <a:rPr lang="en-US" altLang="zh-CN" sz="2000" b="1" dirty="0">
                 <a:solidFill>
-                  <a:schemeClr val="folHlink"/>
+                  <a:srgbClr val="0432FF"/>
                 </a:solidFill>
                 <a:latin typeface="Courier New" panose="02070309020205020404" pitchFamily="49" charset="0"/>
               </a:rPr>
@@ -5644,7 +5644,7 @@
           <a:p>
             <a:endParaRPr lang="en-US" altLang="zh-CN" sz="2000" b="1" dirty="0">
               <a:solidFill>
-                <a:schemeClr val="folHlink"/>
+                <a:srgbClr val="0432FF"/>
               </a:solidFill>
               <a:latin typeface="Courier New" panose="02070309020205020404" pitchFamily="49" charset="0"/>
             </a:endParaRPr>
@@ -5653,7 +5653,7 @@
             <a:r>
               <a:rPr lang="en-US" altLang="zh-CN" sz="2000" b="1" dirty="0">
                 <a:solidFill>
-                  <a:schemeClr val="folHlink"/>
+                  <a:srgbClr val="0432FF"/>
                 </a:solidFill>
                 <a:latin typeface="Courier New" panose="02070309020205020404" pitchFamily="49" charset="0"/>
               </a:rPr>
@@ -5664,7 +5664,7 @@
             <a:r>
               <a:rPr lang="en-US" altLang="zh-CN" sz="2000" b="1" dirty="0">
                 <a:solidFill>
-                  <a:schemeClr val="folHlink"/>
+                  <a:srgbClr val="0432FF"/>
                 </a:solidFill>
                 <a:latin typeface="Courier New" panose="02070309020205020404" pitchFamily="49" charset="0"/>
               </a:rPr>
@@ -5675,7 +5675,7 @@
             <a:r>
               <a:rPr lang="en-US" altLang="zh-CN" sz="2000" b="1" dirty="0">
                 <a:solidFill>
-                  <a:schemeClr val="folHlink"/>
+                  <a:srgbClr val="0432FF"/>
                 </a:solidFill>
                 <a:latin typeface="Courier New" panose="02070309020205020404" pitchFamily="49" charset="0"/>
               </a:rPr>
@@ -5686,7 +5686,7 @@
             <a:r>
               <a:rPr lang="en-US" altLang="zh-CN" sz="2000" b="1" dirty="0">
                 <a:solidFill>
-                  <a:schemeClr val="folHlink"/>
+                  <a:srgbClr val="0432FF"/>
                 </a:solidFill>
                 <a:latin typeface="Courier New" panose="02070309020205020404" pitchFamily="49" charset="0"/>
               </a:rPr>
@@ -5697,7 +5697,7 @@
             <a:r>
               <a:rPr lang="en-US" altLang="zh-CN" sz="2000" b="1" dirty="0">
                 <a:solidFill>
-                  <a:schemeClr val="folHlink"/>
+                  <a:srgbClr val="0432FF"/>
                 </a:solidFill>
                 <a:latin typeface="Courier New" panose="02070309020205020404" pitchFamily="49" charset="0"/>
               </a:rPr>
@@ -6151,7 +6151,7 @@
             <a:r>
               <a:rPr lang="en-US" altLang="zh-CN" sz="2000" b="1" dirty="0">
                 <a:solidFill>
-                  <a:schemeClr val="folHlink"/>
+                  <a:srgbClr val="0432FF"/>
                 </a:solidFill>
                 <a:latin typeface="Courier New" panose="02070309020205020404" pitchFamily="49" charset="0"/>
               </a:rPr>
@@ -6162,7 +6162,7 @@
             <a:r>
               <a:rPr lang="en-US" altLang="zh-CN" sz="2000" b="1" dirty="0">
                 <a:solidFill>
-                  <a:schemeClr val="folHlink"/>
+                  <a:srgbClr val="0432FF"/>
                 </a:solidFill>
                 <a:latin typeface="Courier New" panose="02070309020205020404" pitchFamily="49" charset="0"/>
               </a:rPr>
@@ -6171,7 +6171,7 @@
             <a:r>
               <a:rPr lang="en-US" altLang="zh-CN" sz="2000" b="1" dirty="0" err="1">
                 <a:solidFill>
-                  <a:schemeClr val="folHlink"/>
+                  <a:srgbClr val="0432FF"/>
                 </a:solidFill>
                 <a:latin typeface="Courier New" panose="02070309020205020404" pitchFamily="49" charset="0"/>
               </a:rPr>
@@ -6180,7 +6180,7 @@
             <a:r>
               <a:rPr lang="en-US" altLang="zh-CN" sz="2000" b="1" dirty="0">
                 <a:solidFill>
-                  <a:schemeClr val="folHlink"/>
+                  <a:srgbClr val="0432FF"/>
                 </a:solidFill>
                 <a:latin typeface="Courier New" panose="02070309020205020404" pitchFamily="49" charset="0"/>
               </a:rPr>
@@ -6269,7 +6269,7 @@
             <a:r>
               <a:rPr lang="en-US" altLang="zh-CN" sz="2000" b="1" dirty="0">
                 <a:solidFill>
-                  <a:schemeClr val="folHlink"/>
+                  <a:srgbClr val="0432FF"/>
                 </a:solidFill>
                 <a:latin typeface="Courier New" panose="02070309020205020404" pitchFamily="49" charset="0"/>
               </a:rPr>
@@ -6278,7 +6278,7 @@
             <a:r>
               <a:rPr lang="en-US" altLang="zh-CN" sz="2000" b="1" dirty="0" err="1">
                 <a:solidFill>
-                  <a:schemeClr val="folHlink"/>
+                  <a:srgbClr val="0432FF"/>
                 </a:solidFill>
                 <a:latin typeface="Courier New" panose="02070309020205020404" pitchFamily="49" charset="0"/>
               </a:rPr>
@@ -6287,7 +6287,7 @@
             <a:r>
               <a:rPr lang="en-US" altLang="zh-CN" sz="2000" b="1" dirty="0">
                 <a:solidFill>
-                  <a:schemeClr val="folHlink"/>
+                  <a:srgbClr val="0432FF"/>
                 </a:solidFill>
                 <a:latin typeface="Courier New" panose="02070309020205020404" pitchFamily="49" charset="0"/>
               </a:rPr>
@@ -6297,7 +6297,7 @@
           <a:p>
             <a:endParaRPr lang="en-US" altLang="zh-CN" sz="2000" b="1" dirty="0">
               <a:solidFill>
-                <a:schemeClr val="folHlink"/>
+                <a:srgbClr val="0432FF"/>
               </a:solidFill>
               <a:latin typeface="Courier New" panose="02070309020205020404" pitchFamily="49" charset="0"/>
             </a:endParaRPr>
@@ -6306,7 +6306,7 @@
             <a:r>
               <a:rPr lang="en-US" altLang="zh-CN" sz="2000" b="1" dirty="0">
                 <a:solidFill>
-                  <a:schemeClr val="folHlink"/>
+                  <a:srgbClr val="0432FF"/>
                 </a:solidFill>
                 <a:latin typeface="Courier New" panose="02070309020205020404" pitchFamily="49" charset="0"/>
               </a:rPr>
@@ -6501,7 +6501,7 @@
             <a:r>
               <a:rPr lang="en-US" altLang="zh-CN" sz="2000" b="1" dirty="0">
                 <a:solidFill>
-                  <a:schemeClr val="folHlink"/>
+                  <a:srgbClr val="0432FF"/>
                 </a:solidFill>
                 <a:latin typeface="Courier New" panose="02070309020205020404" pitchFamily="49" charset="0"/>
               </a:rPr>
@@ -6510,7 +6510,7 @@
             <a:r>
               <a:rPr lang="en-US" altLang="zh-CN" sz="2000" b="1" dirty="0" err="1">
                 <a:solidFill>
-                  <a:schemeClr val="folHlink"/>
+                  <a:srgbClr val="0432FF"/>
                 </a:solidFill>
                 <a:latin typeface="Courier New" panose="02070309020205020404" pitchFamily="49" charset="0"/>
               </a:rPr>
@@ -6519,7 +6519,7 @@
             <a:r>
               <a:rPr lang="en-US" altLang="zh-CN" sz="2000" b="1" dirty="0">
                 <a:solidFill>
-                  <a:schemeClr val="folHlink"/>
+                  <a:srgbClr val="0432FF"/>
                 </a:solidFill>
                 <a:latin typeface="Courier New" panose="02070309020205020404" pitchFamily="49" charset="0"/>
               </a:rPr>
@@ -6529,7 +6529,7 @@
           <a:p>
             <a:endParaRPr lang="en-US" altLang="zh-CN" sz="2000" b="1" dirty="0">
               <a:solidFill>
-                <a:schemeClr val="folHlink"/>
+                <a:srgbClr val="0432FF"/>
               </a:solidFill>
               <a:latin typeface="Courier New" panose="02070309020205020404" pitchFamily="49" charset="0"/>
             </a:endParaRPr>
@@ -6538,7 +6538,7 @@
             <a:r>
               <a:rPr lang="en-US" altLang="zh-CN" sz="2000" b="1" dirty="0">
                 <a:solidFill>
-                  <a:schemeClr val="folHlink"/>
+                  <a:srgbClr val="0432FF"/>
                 </a:solidFill>
                 <a:latin typeface="Courier New" panose="02070309020205020404" pitchFamily="49" charset="0"/>
               </a:rPr>
@@ -6549,7 +6549,7 @@
             <a:r>
               <a:rPr lang="en-US" altLang="zh-CN" sz="2000" b="1" dirty="0">
                 <a:solidFill>
-                  <a:schemeClr val="folHlink"/>
+                  <a:srgbClr val="0432FF"/>
                 </a:solidFill>
                 <a:latin typeface="Courier New" panose="02070309020205020404" pitchFamily="49" charset="0"/>
               </a:rPr>
@@ -6560,7 +6560,7 @@
             <a:r>
               <a:rPr lang="en-US" altLang="zh-CN" sz="2000" b="1" dirty="0">
                 <a:solidFill>
-                  <a:schemeClr val="folHlink"/>
+                  <a:srgbClr val="0432FF"/>
                 </a:solidFill>
                 <a:latin typeface="Courier New" panose="02070309020205020404" pitchFamily="49" charset="0"/>
               </a:rPr>
@@ -6571,7 +6571,7 @@
             <a:r>
               <a:rPr lang="en-US" altLang="zh-CN" sz="2000" b="1" dirty="0">
                 <a:solidFill>
-                  <a:schemeClr val="folHlink"/>
+                  <a:srgbClr val="0432FF"/>
                 </a:solidFill>
                 <a:latin typeface="Courier New" panose="02070309020205020404" pitchFamily="49" charset="0"/>
               </a:rPr>
@@ -6582,7 +6582,7 @@
             <a:r>
               <a:rPr lang="en-US" altLang="zh-CN" sz="2000" b="1" dirty="0">
                 <a:solidFill>
-                  <a:schemeClr val="folHlink"/>
+                  <a:srgbClr val="0432FF"/>
                 </a:solidFill>
                 <a:latin typeface="Courier New" panose="02070309020205020404" pitchFamily="49" charset="0"/>
               </a:rPr>
@@ -6908,7 +6908,7 @@
             <a:r>
               <a:rPr lang="en-US" altLang="zh-CN" sz="2000" b="1" dirty="0">
                 <a:solidFill>
-                  <a:schemeClr val="folHlink"/>
+                  <a:srgbClr val="0432FF"/>
                 </a:solidFill>
                 <a:latin typeface="Courier New" panose="02070309020205020404" pitchFamily="49" charset="0"/>
               </a:rPr>
@@ -6917,7 +6917,7 @@
             <a:r>
               <a:rPr lang="en-US" altLang="zh-CN" sz="2000" b="1" dirty="0" err="1">
                 <a:solidFill>
-                  <a:schemeClr val="folHlink"/>
+                  <a:srgbClr val="0432FF"/>
                 </a:solidFill>
                 <a:latin typeface="Courier New" panose="02070309020205020404" pitchFamily="49" charset="0"/>
               </a:rPr>
@@ -6926,7 +6926,7 @@
             <a:r>
               <a:rPr lang="en-US" altLang="zh-CN" sz="2000" b="1" dirty="0">
                 <a:solidFill>
-                  <a:schemeClr val="folHlink"/>
+                  <a:srgbClr val="0432FF"/>
                 </a:solidFill>
                 <a:latin typeface="Courier New" panose="02070309020205020404" pitchFamily="49" charset="0"/>
               </a:rPr>
@@ -6937,7 +6937,7 @@
             <a:r>
               <a:rPr lang="en-US" altLang="zh-CN" sz="2000" b="1" dirty="0">
                 <a:solidFill>
-                  <a:schemeClr val="folHlink"/>
+                  <a:srgbClr val="0432FF"/>
                 </a:solidFill>
                 <a:latin typeface="Courier New" panose="02070309020205020404" pitchFamily="49" charset="0"/>
               </a:rPr>
@@ -6947,7 +6947,7 @@
           <a:p>
             <a:endParaRPr lang="en-US" altLang="zh-CN" sz="2000" b="1" dirty="0">
               <a:solidFill>
-                <a:schemeClr val="folHlink"/>
+                <a:srgbClr val="0432FF"/>
               </a:solidFill>
               <a:latin typeface="Courier New" panose="02070309020205020404" pitchFamily="49" charset="0"/>
             </a:endParaRPr>
@@ -6956,7 +6956,7 @@
             <a:r>
               <a:rPr lang="en-US" altLang="zh-CN" sz="2000" b="1" dirty="0">
                 <a:solidFill>
-                  <a:schemeClr val="folHlink"/>
+                  <a:srgbClr val="0432FF"/>
                 </a:solidFill>
                 <a:latin typeface="Courier New" panose="02070309020205020404" pitchFamily="49" charset="0"/>
               </a:rPr>
@@ -6966,7 +6966,7 @@
           <a:p>
             <a:endParaRPr lang="en-US" altLang="zh-CN" sz="2000" b="1" dirty="0">
               <a:solidFill>
-                <a:schemeClr val="folHlink"/>
+                <a:srgbClr val="0432FF"/>
               </a:solidFill>
               <a:latin typeface="Courier New" panose="02070309020205020404" pitchFamily="49" charset="0"/>
             </a:endParaRPr>
@@ -6975,7 +6975,7 @@
             <a:r>
               <a:rPr lang="en-US" altLang="zh-CN" sz="2000" b="1" dirty="0">
                 <a:solidFill>
-                  <a:schemeClr val="folHlink"/>
+                  <a:srgbClr val="0432FF"/>
                 </a:solidFill>
                 <a:latin typeface="Courier New" panose="02070309020205020404" pitchFamily="49" charset="0"/>
               </a:rPr>
@@ -7037,28 +7037,55 @@
           <a:lstStyle/>
           <a:p>
             <a:r>
-              <a:rPr lang="en-US" altLang="zh-CN" sz="2000" b="1">
-                <a:latin typeface="Courier New" panose="02070309020205020404" pitchFamily="49" charset="0"/>
-              </a:rPr>
-              <a:t>// main.c</a:t>
-            </a:r>
-          </a:p>
-          <a:p>
-            <a:r>
-              <a:rPr lang="en-US" altLang="zh-CN" sz="2000" b="1">
-                <a:solidFill>
-                  <a:schemeClr val="folHlink"/>
-                </a:solidFill>
-                <a:latin typeface="Courier New" panose="02070309020205020404" pitchFamily="49" charset="0"/>
-              </a:rPr>
-              <a:t>#include “area.h”</a:t>
-            </a:r>
-          </a:p>
-          <a:p>
-            <a:r>
-              <a:rPr lang="en-US" altLang="zh-CN" sz="2000" b="1">
-                <a:solidFill>
-                  <a:schemeClr val="folHlink"/>
+              <a:rPr lang="en-US" altLang="zh-CN" sz="2000" b="1" dirty="0">
+                <a:latin typeface="Courier New" panose="02070309020205020404" pitchFamily="49" charset="0"/>
+              </a:rPr>
+              <a:t>// </a:t>
+            </a:r>
+            <a:r>
+              <a:rPr lang="en-US" altLang="zh-CN" sz="2000" b="1" dirty="0" err="1">
+                <a:latin typeface="Courier New" panose="02070309020205020404" pitchFamily="49" charset="0"/>
+              </a:rPr>
+              <a:t>main.c</a:t>
+            </a:r>
+            <a:endParaRPr lang="en-US" altLang="zh-CN" sz="2000" b="1" dirty="0">
+              <a:latin typeface="Courier New" panose="02070309020205020404" pitchFamily="49" charset="0"/>
+            </a:endParaRPr>
+          </a:p>
+          <a:p>
+            <a:r>
+              <a:rPr lang="en-US" altLang="zh-CN" sz="2000" b="1" dirty="0">
+                <a:solidFill>
+                  <a:srgbClr val="0432FF"/>
+                </a:solidFill>
+                <a:latin typeface="Courier New" panose="02070309020205020404" pitchFamily="49" charset="0"/>
+              </a:rPr>
+              <a:t>#include “</a:t>
+            </a:r>
+            <a:r>
+              <a:rPr lang="en-US" altLang="zh-CN" sz="2000" b="1" dirty="0" err="1">
+                <a:solidFill>
+                  <a:srgbClr val="0432FF"/>
+                </a:solidFill>
+                <a:latin typeface="Courier New" panose="02070309020205020404" pitchFamily="49" charset="0"/>
+              </a:rPr>
+              <a:t>area.h</a:t>
+            </a:r>
+            <a:r>
+              <a:rPr lang="en-US" altLang="zh-CN" sz="2000" b="1" dirty="0">
+                <a:solidFill>
+                  <a:srgbClr val="0432FF"/>
+                </a:solidFill>
+                <a:latin typeface="Courier New" panose="02070309020205020404" pitchFamily="49" charset="0"/>
+              </a:rPr>
+              <a:t>”</a:t>
+            </a:r>
+          </a:p>
+          <a:p>
+            <a:r>
+              <a:rPr lang="en-US" altLang="zh-CN" sz="2000" b="1" dirty="0">
+                <a:solidFill>
+                  <a:srgbClr val="0432FF"/>
                 </a:solidFill>
                 <a:latin typeface="Courier New" panose="02070309020205020404" pitchFamily="49" charset="0"/>
               </a:rPr>
@@ -7253,7 +7280,7 @@
             <a:r>
               <a:rPr lang="en-US" altLang="zh-CN" sz="2000" b="1" dirty="0">
                 <a:solidFill>
-                  <a:schemeClr val="folHlink"/>
+                  <a:srgbClr val="0432FF"/>
                 </a:solidFill>
                 <a:latin typeface="Courier New" panose="02070309020205020404" pitchFamily="49" charset="0"/>
               </a:rPr>
@@ -7262,7 +7289,7 @@
             <a:r>
               <a:rPr lang="en-US" altLang="zh-CN" sz="2000" b="1" dirty="0" err="1">
                 <a:solidFill>
-                  <a:schemeClr val="folHlink"/>
+                  <a:srgbClr val="0432FF"/>
                 </a:solidFill>
                 <a:latin typeface="Courier New" panose="02070309020205020404" pitchFamily="49" charset="0"/>
               </a:rPr>
@@ -7271,7 +7298,7 @@
             <a:r>
               <a:rPr lang="en-US" altLang="zh-CN" sz="2000" b="1" dirty="0">
                 <a:solidFill>
-                  <a:schemeClr val="folHlink"/>
+                  <a:srgbClr val="0432FF"/>
                 </a:solidFill>
                 <a:latin typeface="Courier New" panose="02070309020205020404" pitchFamily="49" charset="0"/>
               </a:rPr>
@@ -7281,7 +7308,7 @@
           <a:p>
             <a:endParaRPr lang="en-US" altLang="zh-CN" sz="2000" b="1" dirty="0">
               <a:solidFill>
-                <a:schemeClr val="folHlink"/>
+                <a:srgbClr val="0432FF"/>
               </a:solidFill>
               <a:latin typeface="Courier New" panose="02070309020205020404" pitchFamily="49" charset="0"/>
             </a:endParaRPr>
@@ -7290,7 +7317,7 @@
             <a:r>
               <a:rPr lang="en-US" altLang="zh-CN" sz="2000" b="1" dirty="0">
                 <a:solidFill>
-                  <a:schemeClr val="folHlink"/>
+                  <a:srgbClr val="0432FF"/>
                 </a:solidFill>
                 <a:latin typeface="Courier New" panose="02070309020205020404" pitchFamily="49" charset="0"/>
               </a:rPr>
@@ -7301,7 +7328,7 @@
             <a:r>
               <a:rPr lang="en-US" altLang="zh-CN" sz="2000" b="1" dirty="0">
                 <a:solidFill>
-                  <a:schemeClr val="folHlink"/>
+                  <a:srgbClr val="0432FF"/>
                 </a:solidFill>
                 <a:latin typeface="Courier New" panose="02070309020205020404" pitchFamily="49" charset="0"/>
               </a:rPr>
@@ -7312,7 +7339,7 @@
             <a:r>
               <a:rPr lang="en-US" altLang="zh-CN" sz="2000" b="1" dirty="0">
                 <a:solidFill>
-                  <a:schemeClr val="folHlink"/>
+                  <a:srgbClr val="0432FF"/>
                 </a:solidFill>
                 <a:latin typeface="Courier New" panose="02070309020205020404" pitchFamily="49" charset="0"/>
               </a:rPr>
@@ -7323,7 +7350,7 @@
             <a:r>
               <a:rPr lang="en-US" altLang="zh-CN" sz="2000" b="1" dirty="0">
                 <a:solidFill>
-                  <a:schemeClr val="folHlink"/>
+                  <a:srgbClr val="0432FF"/>
                 </a:solidFill>
                 <a:latin typeface="Courier New" panose="02070309020205020404" pitchFamily="49" charset="0"/>
               </a:rPr>
@@ -7334,7 +7361,7 @@
             <a:r>
               <a:rPr lang="en-US" altLang="zh-CN" sz="2000" b="1" dirty="0">
                 <a:solidFill>
-                  <a:schemeClr val="folHlink"/>
+                  <a:srgbClr val="0432FF"/>
                 </a:solidFill>
                 <a:latin typeface="Courier New" panose="02070309020205020404" pitchFamily="49" charset="0"/>
               </a:rPr>
@@ -7655,7 +7682,7 @@
             <a:r>
               <a:rPr lang="en-US" altLang="zh-CN" sz="2000" b="1" dirty="0">
                 <a:solidFill>
-                  <a:schemeClr val="folHlink"/>
+                  <a:srgbClr val="0432FF"/>
                 </a:solidFill>
                 <a:latin typeface="Courier New" panose="02070309020205020404" pitchFamily="49" charset="0"/>
               </a:rPr>
@@ -7664,7 +7691,7 @@
             <a:r>
               <a:rPr lang="en-US" altLang="zh-CN" sz="2000" b="1" dirty="0" err="1">
                 <a:solidFill>
-                  <a:schemeClr val="folHlink"/>
+                  <a:srgbClr val="0432FF"/>
                 </a:solidFill>
                 <a:latin typeface="Courier New" panose="02070309020205020404" pitchFamily="49" charset="0"/>
               </a:rPr>
@@ -7673,7 +7700,7 @@
             <a:r>
               <a:rPr lang="en-US" altLang="zh-CN" sz="2000" b="1" dirty="0">
                 <a:solidFill>
-                  <a:schemeClr val="folHlink"/>
+                  <a:srgbClr val="0432FF"/>
                 </a:solidFill>
                 <a:latin typeface="Courier New" panose="02070309020205020404" pitchFamily="49" charset="0"/>
               </a:rPr>
@@ -7684,7 +7711,7 @@
             <a:r>
               <a:rPr lang="en-US" altLang="zh-CN" sz="2000" b="1" dirty="0">
                 <a:solidFill>
-                  <a:schemeClr val="folHlink"/>
+                  <a:srgbClr val="0432FF"/>
                 </a:solidFill>
                 <a:latin typeface="Courier New" panose="02070309020205020404" pitchFamily="49" charset="0"/>
               </a:rPr>
@@ -7694,7 +7721,7 @@
           <a:p>
             <a:endParaRPr lang="en-US" altLang="zh-CN" sz="2000" b="1" dirty="0">
               <a:solidFill>
-                <a:schemeClr val="folHlink"/>
+                <a:srgbClr val="0432FF"/>
               </a:solidFill>
               <a:latin typeface="Courier New" panose="02070309020205020404" pitchFamily="49" charset="0"/>
             </a:endParaRPr>
@@ -7703,7 +7730,7 @@
             <a:r>
               <a:rPr lang="en-US" altLang="zh-CN" sz="2000" b="1" dirty="0">
                 <a:solidFill>
-                  <a:schemeClr val="folHlink"/>
+                  <a:srgbClr val="0432FF"/>
                 </a:solidFill>
                 <a:latin typeface="Courier New" panose="02070309020205020404" pitchFamily="49" charset="0"/>
               </a:rPr>
@@ -7713,7 +7740,7 @@
           <a:p>
             <a:endParaRPr lang="en-US" altLang="zh-CN" sz="2000" b="1" dirty="0">
               <a:solidFill>
-                <a:schemeClr val="folHlink"/>
+                <a:srgbClr val="0432FF"/>
               </a:solidFill>
               <a:latin typeface="Courier New" panose="02070309020205020404" pitchFamily="49" charset="0"/>
             </a:endParaRPr>
@@ -7722,7 +7749,7 @@
             <a:r>
               <a:rPr lang="en-US" altLang="zh-CN" sz="2000" b="1" dirty="0">
                 <a:solidFill>
-                  <a:schemeClr val="folHlink"/>
+                  <a:srgbClr val="0432FF"/>
                 </a:solidFill>
                 <a:latin typeface="Courier New" panose="02070309020205020404" pitchFamily="49" charset="0"/>
               </a:rPr>
@@ -7803,7 +7830,7 @@
             <a:r>
               <a:rPr lang="en-US" altLang="zh-CN" sz="2000" b="1" dirty="0">
                 <a:solidFill>
-                  <a:schemeClr val="folHlink"/>
+                  <a:srgbClr val="0432FF"/>
                 </a:solidFill>
                 <a:latin typeface="Courier New" panose="02070309020205020404" pitchFamily="49" charset="0"/>
               </a:rPr>
@@ -7812,7 +7839,7 @@
             <a:r>
               <a:rPr lang="en-US" altLang="zh-CN" sz="2000" b="1" dirty="0" err="1">
                 <a:solidFill>
-                  <a:schemeClr val="folHlink"/>
+                  <a:srgbClr val="0432FF"/>
                 </a:solidFill>
                 <a:latin typeface="Courier New" panose="02070309020205020404" pitchFamily="49" charset="0"/>
               </a:rPr>
@@ -7821,7 +7848,7 @@
             <a:r>
               <a:rPr lang="en-US" altLang="zh-CN" sz="2000" b="1" dirty="0">
                 <a:solidFill>
-                  <a:schemeClr val="folHlink"/>
+                  <a:srgbClr val="0432FF"/>
                 </a:solidFill>
                 <a:latin typeface="Courier New" panose="02070309020205020404" pitchFamily="49" charset="0"/>
               </a:rPr>
@@ -7832,7 +7859,7 @@
             <a:r>
               <a:rPr lang="en-US" altLang="zh-CN" sz="2000" b="1" dirty="0">
                 <a:solidFill>
-                  <a:schemeClr val="folHlink"/>
+                  <a:srgbClr val="0432FF"/>
                 </a:solidFill>
                 <a:latin typeface="Courier New" panose="02070309020205020404" pitchFamily="49" charset="0"/>
               </a:rPr>
@@ -7843,7 +7870,7 @@
             <a:r>
               <a:rPr lang="en-US" altLang="zh-CN" sz="2000" b="1" dirty="0">
                 <a:solidFill>
-                  <a:schemeClr val="folHlink"/>
+                  <a:srgbClr val="0432FF"/>
                 </a:solidFill>
                 <a:latin typeface="Courier New" panose="02070309020205020404" pitchFamily="49" charset="0"/>
               </a:rPr>
@@ -7854,7 +7881,7 @@
             <a:r>
               <a:rPr lang="en-US" altLang="zh-CN" sz="2000" b="1" dirty="0">
                 <a:solidFill>
-                  <a:schemeClr val="folHlink"/>
+                  <a:srgbClr val="0432FF"/>
                 </a:solidFill>
                 <a:latin typeface="Courier New" panose="02070309020205020404" pitchFamily="49" charset="0"/>
               </a:rPr>
@@ -8049,7 +8076,7 @@
             <a:r>
               <a:rPr lang="en-US" altLang="zh-CN" sz="2000" b="1" dirty="0">
                 <a:solidFill>
-                  <a:schemeClr val="folHlink"/>
+                  <a:srgbClr val="0432FF"/>
                 </a:solidFill>
                 <a:latin typeface="Courier New" panose="02070309020205020404" pitchFamily="49" charset="0"/>
               </a:rPr>
@@ -8058,7 +8085,7 @@
             <a:r>
               <a:rPr lang="en-US" altLang="zh-CN" sz="2000" b="1" dirty="0" err="1">
                 <a:solidFill>
-                  <a:schemeClr val="folHlink"/>
+                  <a:srgbClr val="0432FF"/>
                 </a:solidFill>
                 <a:latin typeface="Courier New" panose="02070309020205020404" pitchFamily="49" charset="0"/>
               </a:rPr>
@@ -8067,7 +8094,7 @@
             <a:r>
               <a:rPr lang="en-US" altLang="zh-CN" sz="2000" b="1" dirty="0">
                 <a:solidFill>
-                  <a:schemeClr val="folHlink"/>
+                  <a:srgbClr val="0432FF"/>
                 </a:solidFill>
                 <a:latin typeface="Courier New" panose="02070309020205020404" pitchFamily="49" charset="0"/>
               </a:rPr>
@@ -8077,7 +8104,7 @@
           <a:p>
             <a:endParaRPr lang="en-US" altLang="zh-CN" sz="2000" b="1" dirty="0">
               <a:solidFill>
-                <a:schemeClr val="folHlink"/>
+                <a:srgbClr val="0432FF"/>
               </a:solidFill>
               <a:latin typeface="Courier New" panose="02070309020205020404" pitchFamily="49" charset="0"/>
             </a:endParaRPr>
@@ -8086,7 +8113,7 @@
             <a:r>
               <a:rPr lang="en-US" altLang="zh-CN" sz="2000" b="1" dirty="0">
                 <a:solidFill>
-                  <a:schemeClr val="folHlink"/>
+                  <a:srgbClr val="0432FF"/>
                 </a:solidFill>
                 <a:latin typeface="Courier New" panose="02070309020205020404" pitchFamily="49" charset="0"/>
               </a:rPr>
@@ -8097,7 +8124,7 @@
             <a:r>
               <a:rPr lang="en-US" altLang="zh-CN" sz="2000" b="1" dirty="0">
                 <a:solidFill>
-                  <a:schemeClr val="folHlink"/>
+                  <a:srgbClr val="0432FF"/>
                 </a:solidFill>
                 <a:latin typeface="Courier New" panose="02070309020205020404" pitchFamily="49" charset="0"/>
               </a:rPr>
@@ -8108,7 +8135,7 @@
             <a:r>
               <a:rPr lang="en-US" altLang="zh-CN" sz="2000" b="1" dirty="0">
                 <a:solidFill>
-                  <a:schemeClr val="folHlink"/>
+                  <a:srgbClr val="0432FF"/>
                 </a:solidFill>
                 <a:latin typeface="Courier New" panose="02070309020205020404" pitchFamily="49" charset="0"/>
               </a:rPr>
@@ -8119,7 +8146,7 @@
             <a:r>
               <a:rPr lang="en-US" altLang="zh-CN" sz="2000" b="1" dirty="0">
                 <a:solidFill>
-                  <a:schemeClr val="folHlink"/>
+                  <a:srgbClr val="0432FF"/>
                 </a:solidFill>
                 <a:latin typeface="Courier New" panose="02070309020205020404" pitchFamily="49" charset="0"/>
               </a:rPr>
@@ -8130,7 +8157,7 @@
             <a:r>
               <a:rPr lang="en-US" altLang="zh-CN" sz="2000" b="1" dirty="0">
                 <a:solidFill>
-                  <a:schemeClr val="folHlink"/>
+                  <a:srgbClr val="0432FF"/>
                 </a:solidFill>
                 <a:latin typeface="Courier New" panose="02070309020205020404" pitchFamily="49" charset="0"/>
               </a:rPr>
@@ -8371,7 +8398,7 @@
             <a:r>
               <a:rPr lang="en-US" altLang="zh-CN" sz="2000" b="1" dirty="0">
                 <a:solidFill>
-                  <a:schemeClr val="folHlink"/>
+                  <a:srgbClr val="0432FF"/>
                 </a:solidFill>
                 <a:latin typeface="Courier New" panose="02070309020205020404" pitchFamily="49" charset="0"/>
               </a:rPr>
@@ -8380,7 +8407,7 @@
             <a:r>
               <a:rPr lang="en-US" altLang="zh-CN" sz="2000" b="1" dirty="0" err="1">
                 <a:solidFill>
-                  <a:schemeClr val="folHlink"/>
+                  <a:srgbClr val="0432FF"/>
                 </a:solidFill>
                 <a:latin typeface="Courier New" panose="02070309020205020404" pitchFamily="49" charset="0"/>
               </a:rPr>
@@ -8389,7 +8416,7 @@
             <a:r>
               <a:rPr lang="en-US" altLang="zh-CN" sz="2000" b="1" dirty="0">
                 <a:solidFill>
-                  <a:schemeClr val="folHlink"/>
+                  <a:srgbClr val="0432FF"/>
                 </a:solidFill>
                 <a:latin typeface="Courier New" panose="02070309020205020404" pitchFamily="49" charset="0"/>
               </a:rPr>
@@ -8400,7 +8427,7 @@
             <a:r>
               <a:rPr lang="en-US" altLang="zh-CN" sz="2000" b="1" dirty="0">
                 <a:solidFill>
-                  <a:schemeClr val="folHlink"/>
+                  <a:srgbClr val="0432FF"/>
                 </a:solidFill>
                 <a:latin typeface="Courier New" panose="02070309020205020404" pitchFamily="49" charset="0"/>
               </a:rPr>
@@ -8410,7 +8437,7 @@
           <a:p>
             <a:endParaRPr lang="en-US" altLang="zh-CN" sz="2000" b="1" dirty="0">
               <a:solidFill>
-                <a:schemeClr val="folHlink"/>
+                <a:srgbClr val="0432FF"/>
               </a:solidFill>
               <a:latin typeface="Courier New" panose="02070309020205020404" pitchFamily="49" charset="0"/>
             </a:endParaRPr>
@@ -8419,7 +8446,7 @@
             <a:r>
               <a:rPr lang="en-US" altLang="zh-CN" sz="2000" b="1" dirty="0">
                 <a:solidFill>
-                  <a:schemeClr val="folHlink"/>
+                  <a:srgbClr val="0432FF"/>
                 </a:solidFill>
                 <a:latin typeface="Courier New" panose="02070309020205020404" pitchFamily="49" charset="0"/>
               </a:rPr>
@@ -8429,7 +8456,7 @@
           <a:p>
             <a:endParaRPr lang="en-US" altLang="zh-CN" sz="2000" b="1" dirty="0">
               <a:solidFill>
-                <a:schemeClr val="folHlink"/>
+                <a:srgbClr val="0432FF"/>
               </a:solidFill>
               <a:latin typeface="Courier New" panose="02070309020205020404" pitchFamily="49" charset="0"/>
             </a:endParaRPr>
@@ -8438,7 +8465,7 @@
             <a:r>
               <a:rPr lang="en-US" altLang="zh-CN" sz="2000" b="1" dirty="0">
                 <a:solidFill>
-                  <a:schemeClr val="folHlink"/>
+                  <a:srgbClr val="0432FF"/>
                 </a:solidFill>
                 <a:latin typeface="Courier New" panose="02070309020205020404" pitchFamily="49" charset="0"/>
               </a:rPr>
@@ -8519,7 +8546,7 @@
             <a:r>
               <a:rPr lang="en-US" altLang="zh-CN" sz="2000" b="1" dirty="0">
                 <a:solidFill>
-                  <a:schemeClr val="folHlink"/>
+                  <a:srgbClr val="0432FF"/>
                 </a:solidFill>
                 <a:latin typeface="Courier New" panose="02070309020205020404" pitchFamily="49" charset="0"/>
               </a:rPr>
@@ -8528,7 +8555,7 @@
             <a:r>
               <a:rPr lang="en-US" altLang="zh-CN" sz="2000" b="1" dirty="0" err="1">
                 <a:solidFill>
-                  <a:schemeClr val="folHlink"/>
+                  <a:srgbClr val="0432FF"/>
                 </a:solidFill>
                 <a:latin typeface="Courier New" panose="02070309020205020404" pitchFamily="49" charset="0"/>
               </a:rPr>
@@ -8537,7 +8564,7 @@
             <a:r>
               <a:rPr lang="en-US" altLang="zh-CN" sz="2000" b="1" dirty="0">
                 <a:solidFill>
-                  <a:schemeClr val="folHlink"/>
+                  <a:srgbClr val="0432FF"/>
                 </a:solidFill>
                 <a:latin typeface="Courier New" panose="02070309020205020404" pitchFamily="49" charset="0"/>
               </a:rPr>
@@ -8548,7 +8575,7 @@
             <a:r>
               <a:rPr lang="en-US" altLang="zh-CN" sz="2000" b="1" dirty="0">
                 <a:solidFill>
-                  <a:schemeClr val="folHlink"/>
+                  <a:srgbClr val="0432FF"/>
                 </a:solidFill>
                 <a:latin typeface="Courier New" panose="02070309020205020404" pitchFamily="49" charset="0"/>
               </a:rPr>
@@ -8559,7 +8586,7 @@
             <a:r>
               <a:rPr lang="en-US" altLang="zh-CN" sz="2000" b="1" dirty="0">
                 <a:solidFill>
-                  <a:schemeClr val="folHlink"/>
+                  <a:srgbClr val="0432FF"/>
                 </a:solidFill>
                 <a:latin typeface="Courier New" panose="02070309020205020404" pitchFamily="49" charset="0"/>
               </a:rPr>
@@ -8570,7 +8597,7 @@
             <a:r>
               <a:rPr lang="en-US" altLang="zh-CN" sz="2000" b="1" dirty="0">
                 <a:solidFill>
-                  <a:schemeClr val="folHlink"/>
+                  <a:srgbClr val="0432FF"/>
                 </a:solidFill>
                 <a:latin typeface="Courier New" panose="02070309020205020404" pitchFamily="49" charset="0"/>
               </a:rPr>
@@ -8775,7 +8802,7 @@
           <a:p>
             <a:endParaRPr lang="en-US" altLang="zh-CN" sz="2000" b="1" dirty="0">
               <a:solidFill>
-                <a:schemeClr val="hlink"/>
+                <a:srgbClr val="0432FF"/>
               </a:solidFill>
               <a:latin typeface="Courier New" panose="02070309020205020404" pitchFamily="49" charset="0"/>
             </a:endParaRPr>
@@ -8784,7 +8811,7 @@
             <a:r>
               <a:rPr lang="en-US" altLang="zh-CN" sz="2000" b="1" dirty="0">
                 <a:solidFill>
-                  <a:schemeClr val="folHlink"/>
+                  <a:srgbClr val="0432FF"/>
                 </a:solidFill>
                 <a:latin typeface="Courier New" panose="02070309020205020404" pitchFamily="49" charset="0"/>
               </a:rPr>
@@ -8795,7 +8822,7 @@
             <a:r>
               <a:rPr lang="en-US" altLang="zh-CN" sz="2000" b="1" dirty="0">
                 <a:solidFill>
-                  <a:schemeClr val="folHlink"/>
+                  <a:srgbClr val="0432FF"/>
                 </a:solidFill>
                 <a:latin typeface="Courier New" panose="02070309020205020404" pitchFamily="49" charset="0"/>
               </a:rPr>
@@ -8806,7 +8833,7 @@
             <a:r>
               <a:rPr lang="en-US" altLang="zh-CN" sz="2000" b="1" dirty="0">
                 <a:solidFill>
-                  <a:schemeClr val="folHlink"/>
+                  <a:srgbClr val="0432FF"/>
                 </a:solidFill>
                 <a:latin typeface="Courier New" panose="02070309020205020404" pitchFamily="49" charset="0"/>
               </a:rPr>
@@ -8817,7 +8844,7 @@
             <a:r>
               <a:rPr lang="en-US" altLang="zh-CN" sz="2000" b="1" dirty="0">
                 <a:solidFill>
-                  <a:schemeClr val="folHlink"/>
+                  <a:srgbClr val="0432FF"/>
                 </a:solidFill>
                 <a:latin typeface="Courier New" panose="02070309020205020404" pitchFamily="49" charset="0"/>
               </a:rPr>
@@ -8828,7 +8855,7 @@
             <a:r>
               <a:rPr lang="en-US" altLang="zh-CN" sz="2000" b="1" dirty="0">
                 <a:solidFill>
-                  <a:schemeClr val="folHlink"/>
+                  <a:srgbClr val="0432FF"/>
                 </a:solidFill>
                 <a:latin typeface="Courier New" panose="02070309020205020404" pitchFamily="49" charset="0"/>
               </a:rPr>
@@ -9069,7 +9096,7 @@
             <a:r>
               <a:rPr lang="en-US" altLang="zh-CN" sz="2000" b="1" dirty="0">
                 <a:solidFill>
-                  <a:schemeClr val="folHlink"/>
+                  <a:srgbClr val="0432FF"/>
                 </a:solidFill>
                 <a:latin typeface="Courier New" panose="02070309020205020404" pitchFamily="49" charset="0"/>
               </a:rPr>
@@ -9078,7 +9105,7 @@
             <a:r>
               <a:rPr lang="en-US" altLang="zh-CN" sz="2000" b="1" dirty="0" err="1">
                 <a:solidFill>
-                  <a:schemeClr val="folHlink"/>
+                  <a:srgbClr val="0432FF"/>
                 </a:solidFill>
                 <a:latin typeface="Courier New" panose="02070309020205020404" pitchFamily="49" charset="0"/>
               </a:rPr>
@@ -9087,7 +9114,7 @@
             <a:r>
               <a:rPr lang="en-US" altLang="zh-CN" sz="2000" b="1" dirty="0">
                 <a:solidFill>
-                  <a:schemeClr val="folHlink"/>
+                  <a:srgbClr val="0432FF"/>
                 </a:solidFill>
                 <a:latin typeface="Courier New" panose="02070309020205020404" pitchFamily="49" charset="0"/>
               </a:rPr>
@@ -9098,7 +9125,7 @@
             <a:r>
               <a:rPr lang="en-US" altLang="zh-CN" sz="2000" b="1" dirty="0">
                 <a:solidFill>
-                  <a:schemeClr val="folHlink"/>
+                  <a:srgbClr val="0432FF"/>
                 </a:solidFill>
                 <a:latin typeface="Courier New" panose="02070309020205020404" pitchFamily="49" charset="0"/>
               </a:rPr>
@@ -9108,7 +9135,7 @@
           <a:p>
             <a:endParaRPr lang="en-US" altLang="zh-CN" sz="2000" b="1" dirty="0">
               <a:solidFill>
-                <a:schemeClr val="folHlink"/>
+                <a:srgbClr val="0432FF"/>
               </a:solidFill>
               <a:latin typeface="Courier New" panose="02070309020205020404" pitchFamily="49" charset="0"/>
             </a:endParaRPr>
@@ -9117,7 +9144,7 @@
             <a:r>
               <a:rPr lang="en-US" altLang="zh-CN" sz="2000" b="1" dirty="0">
                 <a:solidFill>
-                  <a:schemeClr val="folHlink"/>
+                  <a:srgbClr val="0432FF"/>
                 </a:solidFill>
                 <a:latin typeface="Courier New" panose="02070309020205020404" pitchFamily="49" charset="0"/>
               </a:rPr>
@@ -9127,7 +9154,7 @@
           <a:p>
             <a:endParaRPr lang="en-US" altLang="zh-CN" sz="2000" b="1" dirty="0">
               <a:solidFill>
-                <a:schemeClr val="folHlink"/>
+                <a:srgbClr val="0432FF"/>
               </a:solidFill>
               <a:latin typeface="Courier New" panose="02070309020205020404" pitchFamily="49" charset="0"/>
             </a:endParaRPr>
@@ -9136,7 +9163,7 @@
             <a:r>
               <a:rPr lang="en-US" altLang="zh-CN" sz="2000" b="1" dirty="0">
                 <a:solidFill>
-                  <a:schemeClr val="folHlink"/>
+                  <a:srgbClr val="0432FF"/>
                 </a:solidFill>
                 <a:latin typeface="Courier New" panose="02070309020205020404" pitchFamily="49" charset="0"/>
               </a:rPr>
@@ -9217,7 +9244,7 @@
             <a:r>
               <a:rPr lang="en-US" altLang="zh-CN" sz="2000" b="1" dirty="0">
                 <a:solidFill>
-                  <a:schemeClr val="folHlink"/>
+                  <a:srgbClr val="0432FF"/>
                 </a:solidFill>
                 <a:latin typeface="Courier New" panose="02070309020205020404" pitchFamily="49" charset="0"/>
               </a:rPr>
@@ -9226,7 +9253,7 @@
             <a:r>
               <a:rPr lang="en-US" altLang="zh-CN" sz="2000" b="1" dirty="0" err="1">
                 <a:solidFill>
-                  <a:schemeClr val="folHlink"/>
+                  <a:srgbClr val="0432FF"/>
                 </a:solidFill>
                 <a:latin typeface="Courier New" panose="02070309020205020404" pitchFamily="49" charset="0"/>
               </a:rPr>
@@ -9235,7 +9262,7 @@
             <a:r>
               <a:rPr lang="en-US" altLang="zh-CN" sz="2000" b="1" dirty="0">
                 <a:solidFill>
-                  <a:schemeClr val="folHlink"/>
+                  <a:srgbClr val="0432FF"/>
                 </a:solidFill>
                 <a:latin typeface="Courier New" panose="02070309020205020404" pitchFamily="49" charset="0"/>
               </a:rPr>
@@ -9246,7 +9273,7 @@
             <a:r>
               <a:rPr lang="en-US" altLang="zh-CN" sz="2000" b="1" dirty="0">
                 <a:solidFill>
-                  <a:schemeClr val="folHlink"/>
+                  <a:srgbClr val="0432FF"/>
                 </a:solidFill>
                 <a:latin typeface="Courier New" panose="02070309020205020404" pitchFamily="49" charset="0"/>
               </a:rPr>
@@ -9257,7 +9284,7 @@
             <a:r>
               <a:rPr lang="en-US" altLang="zh-CN" sz="2000" b="1" dirty="0">
                 <a:solidFill>
-                  <a:schemeClr val="folHlink"/>
+                  <a:srgbClr val="0432FF"/>
                 </a:solidFill>
                 <a:latin typeface="Courier New" panose="02070309020205020404" pitchFamily="49" charset="0"/>
               </a:rPr>
@@ -9268,7 +9295,7 @@
             <a:r>
               <a:rPr lang="en-US" altLang="zh-CN" sz="2000" b="1" dirty="0">
                 <a:solidFill>
-                  <a:schemeClr val="folHlink"/>
+                  <a:srgbClr val="0432FF"/>
                 </a:solidFill>
                 <a:latin typeface="Courier New" panose="02070309020205020404" pitchFamily="49" charset="0"/>
               </a:rPr>
@@ -9474,7 +9501,7 @@
             <a:r>
               <a:rPr lang="en-US" altLang="zh-CN" sz="2000" b="1" dirty="0">
                 <a:solidFill>
-                  <a:schemeClr val="folHlink"/>
+                  <a:srgbClr val="0432FF"/>
                 </a:solidFill>
                 <a:latin typeface="Courier New" panose="02070309020205020404" pitchFamily="49" charset="0"/>
               </a:rPr>
@@ -9484,7 +9511,7 @@
           <a:p>
             <a:endParaRPr lang="en-US" altLang="zh-CN" sz="2000" b="1" dirty="0">
               <a:solidFill>
-                <a:schemeClr val="folHlink"/>
+                <a:srgbClr val="0432FF"/>
               </a:solidFill>
               <a:latin typeface="Courier New" panose="02070309020205020404" pitchFamily="49" charset="0"/>
             </a:endParaRPr>
@@ -9493,7 +9520,7 @@
             <a:r>
               <a:rPr lang="en-US" altLang="zh-CN" sz="2000" b="1" dirty="0">
                 <a:solidFill>
-                  <a:schemeClr val="folHlink"/>
+                  <a:srgbClr val="0432FF"/>
                 </a:solidFill>
                 <a:latin typeface="Courier New" panose="02070309020205020404" pitchFamily="49" charset="0"/>
               </a:rPr>
@@ -9504,47 +9531,29 @@
             <a:r>
               <a:rPr lang="en-US" altLang="zh-CN" sz="2000" b="1" dirty="0">
                 <a:solidFill>
-                  <a:schemeClr val="folHlink"/>
-                </a:solidFill>
-                <a:latin typeface="Courier New" panose="02070309020205020404" pitchFamily="49" charset="0"/>
-              </a:rPr>
-              <a:t>  double f = </a:t>
-            </a:r>
+                  <a:srgbClr val="0432FF"/>
+                </a:solidFill>
+                <a:latin typeface="Courier New" panose="02070309020205020404" pitchFamily="49" charset="0"/>
+              </a:rPr>
+              <a:t>  double f = 3.14*r*r;</a:t>
+            </a:r>
+          </a:p>
+          <a:p>
             <a:r>
               <a:rPr lang="en-US" altLang="zh-CN" sz="2000" b="1" dirty="0">
                 <a:solidFill>
-                  <a:schemeClr val="hlink"/>
-                </a:solidFill>
-                <a:latin typeface="Courier New" panose="02070309020205020404" pitchFamily="49" charset="0"/>
-              </a:rPr>
-              <a:t>3.14</a:t>
-            </a:r>
+                  <a:srgbClr val="0432FF"/>
+                </a:solidFill>
+                <a:latin typeface="Courier New" panose="02070309020205020404" pitchFamily="49" charset="0"/>
+              </a:rPr>
+              <a:t>  return f;</a:t>
+            </a:r>
+          </a:p>
+          <a:p>
             <a:r>
               <a:rPr lang="en-US" altLang="zh-CN" sz="2000" b="1" dirty="0">
                 <a:solidFill>
-                  <a:schemeClr val="folHlink"/>
-                </a:solidFill>
-                <a:latin typeface="Courier New" panose="02070309020205020404" pitchFamily="49" charset="0"/>
-              </a:rPr>
-              <a:t>*r*r;</a:t>
-            </a:r>
-          </a:p>
-          <a:p>
-            <a:r>
-              <a:rPr lang="en-US" altLang="zh-CN" sz="2000" b="1" dirty="0">
-                <a:solidFill>
-                  <a:schemeClr val="folHlink"/>
-                </a:solidFill>
-                <a:latin typeface="Courier New" panose="02070309020205020404" pitchFamily="49" charset="0"/>
-              </a:rPr>
-              <a:t>  return f;</a:t>
-            </a:r>
-          </a:p>
-          <a:p>
-            <a:r>
-              <a:rPr lang="en-US" altLang="zh-CN" sz="2000" b="1" dirty="0">
-                <a:solidFill>
-                  <a:schemeClr val="folHlink"/>
+                  <a:srgbClr val="0432FF"/>
                 </a:solidFill>
                 <a:latin typeface="Courier New" panose="02070309020205020404" pitchFamily="49" charset="0"/>
               </a:rPr>
@@ -9767,7 +9776,7 @@
             <a:r>
               <a:rPr lang="en-US" altLang="zh-CN" sz="2000" b="1" dirty="0">
                 <a:solidFill>
-                  <a:schemeClr val="folHlink"/>
+                  <a:srgbClr val="0432FF"/>
                 </a:solidFill>
                 <a:latin typeface="Courier New" panose="02070309020205020404" pitchFamily="49" charset="0"/>
               </a:rPr>
@@ -9776,7 +9785,7 @@
             <a:r>
               <a:rPr lang="en-US" altLang="zh-CN" sz="2000" b="1" dirty="0" err="1">
                 <a:solidFill>
-                  <a:schemeClr val="folHlink"/>
+                  <a:srgbClr val="0432FF"/>
                 </a:solidFill>
                 <a:latin typeface="Courier New" panose="02070309020205020404" pitchFamily="49" charset="0"/>
               </a:rPr>
@@ -9785,7 +9794,7 @@
             <a:r>
               <a:rPr lang="en-US" altLang="zh-CN" sz="2000" b="1" dirty="0">
                 <a:solidFill>
-                  <a:schemeClr val="folHlink"/>
+                  <a:srgbClr val="0432FF"/>
                 </a:solidFill>
                 <a:latin typeface="Courier New" panose="02070309020205020404" pitchFamily="49" charset="0"/>
               </a:rPr>
@@ -9796,7 +9805,7 @@
             <a:r>
               <a:rPr lang="en-US" altLang="zh-CN" sz="2000" b="1" dirty="0">
                 <a:solidFill>
-                  <a:schemeClr val="folHlink"/>
+                  <a:srgbClr val="0432FF"/>
                 </a:solidFill>
                 <a:latin typeface="Courier New" panose="02070309020205020404" pitchFamily="49" charset="0"/>
               </a:rPr>
@@ -9806,7 +9815,7 @@
           <a:p>
             <a:endParaRPr lang="en-US" altLang="zh-CN" sz="2000" b="1" dirty="0">
               <a:solidFill>
-                <a:schemeClr val="folHlink"/>
+                <a:srgbClr val="0432FF"/>
               </a:solidFill>
               <a:latin typeface="Courier New" panose="02070309020205020404" pitchFamily="49" charset="0"/>
             </a:endParaRPr>
@@ -9815,7 +9824,7 @@
             <a:r>
               <a:rPr lang="en-US" altLang="zh-CN" sz="2000" b="1" dirty="0">
                 <a:solidFill>
-                  <a:schemeClr val="folHlink"/>
+                  <a:srgbClr val="0432FF"/>
                 </a:solidFill>
                 <a:latin typeface="Courier New" panose="02070309020205020404" pitchFamily="49" charset="0"/>
               </a:rPr>
@@ -9825,7 +9834,7 @@
           <a:p>
             <a:endParaRPr lang="en-US" altLang="zh-CN" sz="2000" b="1" dirty="0">
               <a:solidFill>
-                <a:schemeClr val="folHlink"/>
+                <a:srgbClr val="0432FF"/>
               </a:solidFill>
               <a:latin typeface="Courier New" panose="02070309020205020404" pitchFamily="49" charset="0"/>
             </a:endParaRPr>
@@ -9834,7 +9843,7 @@
             <a:r>
               <a:rPr lang="en-US" altLang="zh-CN" sz="2000" b="1" dirty="0">
                 <a:solidFill>
-                  <a:schemeClr val="folHlink"/>
+                  <a:srgbClr val="0432FF"/>
                 </a:solidFill>
                 <a:latin typeface="Courier New" panose="02070309020205020404" pitchFamily="49" charset="0"/>
               </a:rPr>
@@ -9926,7 +9935,7 @@
             <a:r>
               <a:rPr lang="en-US" altLang="zh-CN" sz="2000" b="1" dirty="0">
                 <a:solidFill>
-                  <a:schemeClr val="folHlink"/>
+                  <a:srgbClr val="0432FF"/>
                 </a:solidFill>
                 <a:latin typeface="Courier New" panose="02070309020205020404" pitchFamily="49" charset="0"/>
               </a:rPr>
@@ -9937,7 +9946,7 @@
             <a:r>
               <a:rPr lang="en-US" altLang="zh-CN" sz="2000" b="1" dirty="0">
                 <a:solidFill>
-                  <a:schemeClr val="folHlink"/>
+                  <a:srgbClr val="0432FF"/>
                 </a:solidFill>
                 <a:latin typeface="Courier New" panose="02070309020205020404" pitchFamily="49" charset="0"/>
               </a:rPr>
@@ -9948,7 +9957,7 @@
             <a:r>
               <a:rPr lang="en-US" altLang="zh-CN" sz="2000" b="1" dirty="0">
                 <a:solidFill>
-                  <a:schemeClr val="folHlink"/>
+                  <a:srgbClr val="0432FF"/>
                 </a:solidFill>
                 <a:latin typeface="Courier New" panose="02070309020205020404" pitchFamily="49" charset="0"/>
               </a:rPr>
@@ -10161,7 +10170,7 @@
           <a:p>
             <a:endParaRPr lang="en-US" altLang="zh-CN" sz="2000" b="1" dirty="0">
               <a:solidFill>
-                <a:schemeClr val="folHlink"/>
+                <a:srgbClr val="0432FF"/>
               </a:solidFill>
               <a:latin typeface="Courier New" panose="02070309020205020404" pitchFamily="49" charset="0"/>
             </a:endParaRPr>
@@ -10170,7 +10179,7 @@
             <a:r>
               <a:rPr lang="en-US" altLang="zh-CN" sz="2000" b="1" dirty="0">
                 <a:solidFill>
-                  <a:schemeClr val="folHlink"/>
+                  <a:srgbClr val="0432FF"/>
                 </a:solidFill>
                 <a:latin typeface="Courier New" panose="02070309020205020404" pitchFamily="49" charset="0"/>
               </a:rPr>
@@ -10181,47 +10190,29 @@
             <a:r>
               <a:rPr lang="en-US" altLang="zh-CN" sz="2000" b="1" dirty="0">
                 <a:solidFill>
-                  <a:schemeClr val="folHlink"/>
-                </a:solidFill>
-                <a:latin typeface="Courier New" panose="02070309020205020404" pitchFamily="49" charset="0"/>
-              </a:rPr>
-              <a:t>  double f = </a:t>
-            </a:r>
+                  <a:srgbClr val="0432FF"/>
+                </a:solidFill>
+                <a:latin typeface="Courier New" panose="02070309020205020404" pitchFamily="49" charset="0"/>
+              </a:rPr>
+              <a:t>  double f = 3.14*r*r;</a:t>
+            </a:r>
+          </a:p>
+          <a:p>
             <a:r>
               <a:rPr lang="en-US" altLang="zh-CN" sz="2000" b="1" dirty="0">
                 <a:solidFill>
-                  <a:schemeClr val="hlink"/>
-                </a:solidFill>
-                <a:latin typeface="Courier New" panose="02070309020205020404" pitchFamily="49" charset="0"/>
-              </a:rPr>
-              <a:t>3.14</a:t>
-            </a:r>
+                  <a:srgbClr val="0432FF"/>
+                </a:solidFill>
+                <a:latin typeface="Courier New" panose="02070309020205020404" pitchFamily="49" charset="0"/>
+              </a:rPr>
+              <a:t>  return f;</a:t>
+            </a:r>
+          </a:p>
+          <a:p>
             <a:r>
               <a:rPr lang="en-US" altLang="zh-CN" sz="2000" b="1" dirty="0">
                 <a:solidFill>
-                  <a:schemeClr val="folHlink"/>
-                </a:solidFill>
-                <a:latin typeface="Courier New" panose="02070309020205020404" pitchFamily="49" charset="0"/>
-              </a:rPr>
-              <a:t>*r*r;</a:t>
-            </a:r>
-          </a:p>
-          <a:p>
-            <a:r>
-              <a:rPr lang="en-US" altLang="zh-CN" sz="2000" b="1" dirty="0">
-                <a:solidFill>
-                  <a:schemeClr val="folHlink"/>
-                </a:solidFill>
-                <a:latin typeface="Courier New" panose="02070309020205020404" pitchFamily="49" charset="0"/>
-              </a:rPr>
-              <a:t>  return f;</a:t>
-            </a:r>
-          </a:p>
-          <a:p>
-            <a:r>
-              <a:rPr lang="en-US" altLang="zh-CN" sz="2000" b="1" dirty="0">
-                <a:solidFill>
-                  <a:schemeClr val="folHlink"/>
+                  <a:srgbClr val="0432FF"/>
                 </a:solidFill>
                 <a:latin typeface="Courier New" panose="02070309020205020404" pitchFamily="49" charset="0"/>
               </a:rPr>
@@ -12546,22 +12537,34 @@
           <a:lstStyle/>
           <a:p>
             <a:r>
-              <a:rPr lang="en-US" altLang="zh-CN" sz="2000" b="1">
-                <a:latin typeface="Courier New" panose="02070309020205020404" pitchFamily="49" charset="0"/>
-              </a:rPr>
-              <a:t>// main.o</a:t>
-            </a:r>
-          </a:p>
-          <a:p>
-            <a:endParaRPr lang="en-US" altLang="zh-CN" sz="2000" b="1">
+              <a:rPr lang="en-US" altLang="zh-CN" sz="2000" b="1" dirty="0">
+                <a:latin typeface="Courier New" panose="02070309020205020404" pitchFamily="49" charset="0"/>
+              </a:rPr>
+              <a:t>// </a:t>
+            </a:r>
+            <a:r>
+              <a:rPr lang="en-US" altLang="zh-CN" sz="2000" b="1" dirty="0" err="1">
+                <a:latin typeface="Courier New" panose="02070309020205020404" pitchFamily="49" charset="0"/>
+              </a:rPr>
+              <a:t>main.o</a:t>
+            </a:r>
+            <a:endParaRPr lang="en-US" altLang="zh-CN" sz="2000" b="1" dirty="0">
               <a:latin typeface="Courier New" panose="02070309020205020404" pitchFamily="49" charset="0"/>
             </a:endParaRPr>
           </a:p>
           <a:p>
-            <a:r>
-              <a:rPr lang="en-US" altLang="zh-CN" sz="2000" b="1">
-                <a:solidFill>
-                  <a:schemeClr val="folHlink"/>
+            <a:endParaRPr lang="en-US" altLang="zh-CN" sz="2000" b="1" dirty="0">
+              <a:solidFill>
+                <a:srgbClr val="0432FF"/>
+              </a:solidFill>
+              <a:latin typeface="Courier New" panose="02070309020205020404" pitchFamily="49" charset="0"/>
+            </a:endParaRPr>
+          </a:p>
+          <a:p>
+            <a:r>
+              <a:rPr lang="en-US" altLang="zh-CN" sz="2000" b="1" dirty="0">
+                <a:solidFill>
+                  <a:srgbClr val="0432FF"/>
                 </a:solidFill>
                 <a:latin typeface="Courier New" panose="02070309020205020404" pitchFamily="49" charset="0"/>
               </a:rPr>
@@ -12570,13 +12573,22 @@
           </a:p>
           <a:p>
             <a:r>
-              <a:rPr lang="en-US" altLang="zh-CN" sz="2000" b="1">
-                <a:solidFill>
-                  <a:schemeClr val="folHlink"/>
-                </a:solidFill>
-                <a:latin typeface="Courier New" panose="02070309020205020404" pitchFamily="49" charset="0"/>
-              </a:rPr>
-              <a:t>printf(…)</a:t>
+              <a:rPr lang="en-US" altLang="zh-CN" sz="2000" b="1" dirty="0" err="1">
+                <a:solidFill>
+                  <a:srgbClr val="0432FF"/>
+                </a:solidFill>
+                <a:latin typeface="Courier New" panose="02070309020205020404" pitchFamily="49" charset="0"/>
+              </a:rPr>
+              <a:t>printf</a:t>
+            </a:r>
+            <a:r>
+              <a:rPr lang="en-US" altLang="zh-CN" sz="2000" b="1" dirty="0">
+                <a:solidFill>
+                  <a:srgbClr val="0432FF"/>
+                </a:solidFill>
+                <a:latin typeface="Courier New" panose="02070309020205020404" pitchFamily="49" charset="0"/>
+              </a:rPr>
+              <a:t>(…)</a:t>
             </a:r>
           </a:p>
         </p:txBody>
@@ -23739,7 +23751,7 @@
           <a:p>
             <a:endParaRPr lang="en-US" altLang="zh-CN" sz="2000" b="1" dirty="0">
               <a:solidFill>
-                <a:schemeClr val="folHlink"/>
+                <a:srgbClr val="0432FF"/>
               </a:solidFill>
               <a:latin typeface="Courier New" panose="02070309020205020404" pitchFamily="49" charset="0"/>
             </a:endParaRPr>
@@ -23748,7 +23760,7 @@
             <a:r>
               <a:rPr lang="en-US" altLang="zh-CN" sz="2000" b="1" dirty="0">
                 <a:solidFill>
-                  <a:schemeClr val="folHlink"/>
+                  <a:srgbClr val="0432FF"/>
                 </a:solidFill>
                 <a:latin typeface="Courier New" panose="02070309020205020404" pitchFamily="49" charset="0"/>
               </a:rPr>
@@ -23759,7 +23771,7 @@
             <a:r>
               <a:rPr lang="en-US" altLang="zh-CN" sz="2000" b="1" dirty="0">
                 <a:solidFill>
-                  <a:schemeClr val="folHlink"/>
+                  <a:srgbClr val="0432FF"/>
                 </a:solidFill>
                 <a:latin typeface="Courier New" panose="02070309020205020404" pitchFamily="49" charset="0"/>
               </a:rPr>
@@ -23770,7 +23782,7 @@
             <a:r>
               <a:rPr lang="en-US" altLang="zh-CN" sz="2000" b="1" dirty="0">
                 <a:solidFill>
-                  <a:schemeClr val="folHlink"/>
+                  <a:srgbClr val="0432FF"/>
                 </a:solidFill>
                 <a:latin typeface="Courier New" panose="02070309020205020404" pitchFamily="49" charset="0"/>
               </a:rPr>
@@ -23781,7 +23793,7 @@
             <a:r>
               <a:rPr lang="en-US" altLang="zh-CN" sz="2000" b="1" dirty="0">
                 <a:solidFill>
-                  <a:schemeClr val="folHlink"/>
+                  <a:srgbClr val="0432FF"/>
                 </a:solidFill>
                 <a:latin typeface="Courier New" panose="02070309020205020404" pitchFamily="49" charset="0"/>
               </a:rPr>
@@ -23792,7 +23804,7 @@
             <a:r>
               <a:rPr lang="en-US" altLang="zh-CN" sz="2000" b="1" dirty="0">
                 <a:solidFill>
-                  <a:schemeClr val="folHlink"/>
+                  <a:srgbClr val="0432FF"/>
                 </a:solidFill>
                 <a:latin typeface="Courier New" panose="02070309020205020404" pitchFamily="49" charset="0"/>
               </a:rPr>
@@ -23873,7 +23885,7 @@
             <a:r>
               <a:rPr lang="en-US" altLang="zh-CN" sz="2000" b="1" dirty="0">
                 <a:solidFill>
-                  <a:schemeClr val="folHlink"/>
+                  <a:srgbClr val="0432FF"/>
                 </a:solidFill>
                 <a:latin typeface="Courier New" panose="02070309020205020404" pitchFamily="49" charset="0"/>
               </a:rPr>
@@ -23883,7 +23895,7 @@
           <a:p>
             <a:endParaRPr lang="en-US" altLang="zh-CN" sz="2000" b="1" dirty="0">
               <a:solidFill>
-                <a:schemeClr val="folHlink"/>
+                <a:srgbClr val="0432FF"/>
               </a:solidFill>
               <a:latin typeface="Courier New" panose="02070309020205020404" pitchFamily="49" charset="0"/>
             </a:endParaRPr>
@@ -23892,7 +23904,7 @@
             <a:r>
               <a:rPr lang="en-US" altLang="zh-CN" sz="2000" b="1" dirty="0">
                 <a:solidFill>
-                  <a:schemeClr val="folHlink"/>
+                  <a:srgbClr val="0432FF"/>
                 </a:solidFill>
                 <a:latin typeface="Courier New" panose="02070309020205020404" pitchFamily="49" charset="0"/>
               </a:rPr>
@@ -23903,7 +23915,7 @@
             <a:r>
               <a:rPr lang="en-US" altLang="zh-CN" sz="2000" b="1" dirty="0">
                 <a:solidFill>
-                  <a:schemeClr val="folHlink"/>
+                  <a:srgbClr val="0432FF"/>
                 </a:solidFill>
                 <a:latin typeface="Courier New" panose="02070309020205020404" pitchFamily="49" charset="0"/>
               </a:rPr>
@@ -23914,18 +23926,18 @@
             <a:r>
               <a:rPr lang="en-US" altLang="zh-CN" sz="2000" b="1" dirty="0">
                 <a:solidFill>
-                  <a:schemeClr val="folHlink"/>
-                </a:solidFill>
-                <a:latin typeface="Courier New" panose="02070309020205020404" pitchFamily="49" charset="0"/>
-              </a:rPr>
-              <a:t>  double f = PI *r *r; </a:t>
+                  <a:srgbClr val="0432FF"/>
+                </a:solidFill>
+                <a:latin typeface="Courier New" panose="02070309020205020404" pitchFamily="49" charset="0"/>
+              </a:rPr>
+              <a:t>  double f = PI*r*r; </a:t>
             </a:r>
           </a:p>
           <a:p>
             <a:r>
               <a:rPr lang="en-US" altLang="zh-CN" sz="2000" b="1" dirty="0">
                 <a:solidFill>
-                  <a:schemeClr val="folHlink"/>
+                  <a:srgbClr val="0432FF"/>
                 </a:solidFill>
                 <a:latin typeface="Courier New" panose="02070309020205020404" pitchFamily="49" charset="0"/>
               </a:rPr>
@@ -23936,7 +23948,7 @@
             <a:r>
               <a:rPr lang="en-US" altLang="zh-CN" sz="2000" b="1" dirty="0">
                 <a:solidFill>
-                  <a:schemeClr val="folHlink"/>
+                  <a:srgbClr val="0432FF"/>
                 </a:solidFill>
                 <a:latin typeface="Courier New" panose="02070309020205020404" pitchFamily="49" charset="0"/>
               </a:rPr>
@@ -24161,13 +24173,13 @@
               </a:spcBef>
             </a:pPr>
             <a:r>
-              <a:rPr lang="en-US" altLang="zh-CN" sz="2000"/>
+              <a:rPr lang="en-US" altLang="zh-CN" sz="2000" dirty="0"/>
               <a:t>Or even worse? </a:t>
             </a:r>
             <a:r>
-              <a:rPr lang="en-US" altLang="zh-CN" sz="2000">
-                <a:solidFill>
-                  <a:schemeClr val="folHlink"/>
+              <a:rPr lang="en-US" altLang="zh-CN" sz="2000" dirty="0">
+                <a:solidFill>
+                  <a:srgbClr val="0432FF"/>
                 </a:solidFill>
               </a:rPr>
               <a:t>f = area(5, 6, 7, 8, 9);</a:t>
@@ -24494,7 +24506,7 @@
             <a:r>
               <a:rPr lang="en-US" altLang="zh-CN" sz="2000" b="1" dirty="0">
                 <a:solidFill>
-                  <a:schemeClr val="folHlink"/>
+                  <a:srgbClr val="0432FF"/>
                 </a:solidFill>
                 <a:latin typeface="Courier New" panose="02070309020205020404" pitchFamily="49" charset="0"/>
               </a:rPr>
@@ -24504,7 +24516,7 @@
           <a:p>
             <a:endParaRPr lang="en-US" altLang="zh-CN" sz="2000" b="1" dirty="0">
               <a:solidFill>
-                <a:schemeClr val="folHlink"/>
+                <a:srgbClr val="0432FF"/>
               </a:solidFill>
               <a:latin typeface="Courier New" panose="02070309020205020404" pitchFamily="49" charset="0"/>
             </a:endParaRPr>
@@ -24513,7 +24525,7 @@
             <a:r>
               <a:rPr lang="en-US" altLang="zh-CN" sz="2000" b="1" dirty="0">
                 <a:solidFill>
-                  <a:schemeClr val="folHlink"/>
+                  <a:srgbClr val="0432FF"/>
                 </a:solidFill>
                 <a:latin typeface="Courier New" panose="02070309020205020404" pitchFamily="49" charset="0"/>
               </a:rPr>
@@ -24524,7 +24536,7 @@
             <a:r>
               <a:rPr lang="en-US" altLang="zh-CN" sz="2000" b="1" dirty="0">
                 <a:solidFill>
-                  <a:schemeClr val="folHlink"/>
+                  <a:srgbClr val="0432FF"/>
                 </a:solidFill>
                 <a:latin typeface="Courier New" panose="02070309020205020404" pitchFamily="49" charset="0"/>
               </a:rPr>
@@ -24535,18 +24547,18 @@
             <a:r>
               <a:rPr lang="en-US" altLang="zh-CN" sz="2000" b="1" dirty="0">
                 <a:solidFill>
-                  <a:schemeClr val="folHlink"/>
-                </a:solidFill>
-                <a:latin typeface="Courier New" panose="02070309020205020404" pitchFamily="49" charset="0"/>
-              </a:rPr>
-              <a:t>  f = area (5);</a:t>
+                  <a:srgbClr val="0432FF"/>
+                </a:solidFill>
+                <a:latin typeface="Courier New" panose="02070309020205020404" pitchFamily="49" charset="0"/>
+              </a:rPr>
+              <a:t>  f = area(5);</a:t>
             </a:r>
           </a:p>
           <a:p>
             <a:r>
               <a:rPr lang="en-US" altLang="zh-CN" sz="2000" b="1" dirty="0">
                 <a:solidFill>
-                  <a:schemeClr val="folHlink"/>
+                  <a:srgbClr val="0432FF"/>
                 </a:solidFill>
                 <a:latin typeface="Courier New" panose="02070309020205020404" pitchFamily="49" charset="0"/>
               </a:rPr>
@@ -24557,7 +24569,7 @@
             <a:r>
               <a:rPr lang="en-US" altLang="zh-CN" sz="2000" b="1" dirty="0">
                 <a:solidFill>
-                  <a:schemeClr val="folHlink"/>
+                  <a:srgbClr val="0432FF"/>
                 </a:solidFill>
                 <a:latin typeface="Courier New" panose="02070309020205020404" pitchFamily="49" charset="0"/>
               </a:rPr>
@@ -24638,7 +24650,7 @@
             <a:r>
               <a:rPr lang="en-US" altLang="zh-CN" sz="2000" b="1" dirty="0">
                 <a:solidFill>
-                  <a:schemeClr val="folHlink"/>
+                  <a:srgbClr val="0432FF"/>
                 </a:solidFill>
                 <a:latin typeface="Courier New" panose="02070309020205020404" pitchFamily="49" charset="0"/>
               </a:rPr>
@@ -24648,7 +24660,7 @@
           <a:p>
             <a:endParaRPr lang="en-US" altLang="zh-CN" sz="2000" b="1" dirty="0">
               <a:solidFill>
-                <a:schemeClr val="folHlink"/>
+                <a:srgbClr val="0432FF"/>
               </a:solidFill>
               <a:latin typeface="Courier New" panose="02070309020205020404" pitchFamily="49" charset="0"/>
             </a:endParaRPr>
@@ -24657,7 +24669,7 @@
             <a:r>
               <a:rPr lang="en-US" altLang="zh-CN" sz="2000" b="1" dirty="0">
                 <a:solidFill>
-                  <a:schemeClr val="folHlink"/>
+                  <a:srgbClr val="0432FF"/>
                 </a:solidFill>
                 <a:latin typeface="Courier New" panose="02070309020205020404" pitchFamily="49" charset="0"/>
               </a:rPr>
@@ -24668,7 +24680,7 @@
             <a:r>
               <a:rPr lang="en-US" altLang="zh-CN" sz="2000" b="1" dirty="0">
                 <a:solidFill>
-                  <a:schemeClr val="folHlink"/>
+                  <a:srgbClr val="0432FF"/>
                 </a:solidFill>
                 <a:latin typeface="Courier New" panose="02070309020205020404" pitchFamily="49" charset="0"/>
               </a:rPr>
@@ -24679,7 +24691,7 @@
             <a:r>
               <a:rPr lang="en-US" altLang="zh-CN" sz="2000" b="1" dirty="0">
                 <a:solidFill>
-                  <a:schemeClr val="folHlink"/>
+                  <a:srgbClr val="0432FF"/>
                 </a:solidFill>
                 <a:latin typeface="Courier New" panose="02070309020205020404" pitchFamily="49" charset="0"/>
               </a:rPr>
@@ -24690,7 +24702,7 @@
             <a:r>
               <a:rPr lang="en-US" altLang="zh-CN" sz="2000" b="1" dirty="0">
                 <a:solidFill>
-                  <a:schemeClr val="folHlink"/>
+                  <a:srgbClr val="0432FF"/>
                 </a:solidFill>
                 <a:latin typeface="Courier New" panose="02070309020205020404" pitchFamily="49" charset="0"/>
               </a:rPr>
@@ -24701,7 +24713,7 @@
             <a:r>
               <a:rPr lang="en-US" altLang="zh-CN" sz="2000" b="1" dirty="0">
                 <a:solidFill>
-                  <a:schemeClr val="folHlink"/>
+                  <a:srgbClr val="0432FF"/>
                 </a:solidFill>
                 <a:latin typeface="Courier New" panose="02070309020205020404" pitchFamily="49" charset="0"/>
               </a:rPr>
